--- a/presantation/Prezantimi.pptx
+++ b/presantation/Prezantimi.pptx
@@ -7,8 +7,25 @@
   <p:sldIdLst>
     <p:sldId id="256" r:id="rId2"/>
     <p:sldId id="257" r:id="rId3"/>
-    <p:sldId id="258" r:id="rId4"/>
-    <p:sldId id="259" r:id="rId5"/>
+    <p:sldId id="261" r:id="rId4"/>
+    <p:sldId id="262" r:id="rId5"/>
+    <p:sldId id="263" r:id="rId6"/>
+    <p:sldId id="264" r:id="rId7"/>
+    <p:sldId id="265" r:id="rId8"/>
+    <p:sldId id="267" r:id="rId9"/>
+    <p:sldId id="269" r:id="rId10"/>
+    <p:sldId id="270" r:id="rId11"/>
+    <p:sldId id="271" r:id="rId12"/>
+    <p:sldId id="266" r:id="rId13"/>
+    <p:sldId id="268" r:id="rId14"/>
+    <p:sldId id="272" r:id="rId15"/>
+    <p:sldId id="273" r:id="rId16"/>
+    <p:sldId id="275" r:id="rId17"/>
+    <p:sldId id="274" r:id="rId18"/>
+    <p:sldId id="276" r:id="rId19"/>
+    <p:sldId id="258" r:id="rId20"/>
+    <p:sldId id="277" r:id="rId21"/>
+    <p:sldId id="260" r:id="rId22"/>
   </p:sldIdLst>
   <p:sldSz cx="12192000" cy="6858000"/>
   <p:notesSz cx="6858000" cy="9144000"/>
@@ -107,6 +124,11 @@
       </a:defRPr>
     </a:lvl9pPr>
   </p:defaultTextStyle>
+  <p:extLst>
+    <p:ext uri="{EFAFB233-063F-42B5-8137-9DF3F51BA10A}">
+      <p15:sldGuideLst xmlns:p15="http://schemas.microsoft.com/office/powerpoint/2012/main"/>
+    </p:ext>
+  </p:extLst>
 </p:presentation>
 </file>
 
@@ -241,7 +263,7 @@
           <a:p>
             <a:fld id="{1D3B8088-CE30-4929-80B6-8F4F8A692B87}" type="datetimeFigureOut">
               <a:rPr lang="en-US" smtClean="0"/>
-              <a:t>2/18/2017</a:t>
+              <a:t>2/19/2017</a:t>
             </a:fld>
             <a:endParaRPr lang="en-US"/>
           </a:p>
@@ -411,7 +433,7 @@
           <a:p>
             <a:fld id="{1D3B8088-CE30-4929-80B6-8F4F8A692B87}" type="datetimeFigureOut">
               <a:rPr lang="en-US" smtClean="0"/>
-              <a:t>2/18/2017</a:t>
+              <a:t>2/19/2017</a:t>
             </a:fld>
             <a:endParaRPr lang="en-US"/>
           </a:p>
@@ -591,7 +613,7 @@
           <a:p>
             <a:fld id="{1D3B8088-CE30-4929-80B6-8F4F8A692B87}" type="datetimeFigureOut">
               <a:rPr lang="en-US" smtClean="0"/>
-              <a:t>2/18/2017</a:t>
+              <a:t>2/19/2017</a:t>
             </a:fld>
             <a:endParaRPr lang="en-US"/>
           </a:p>
@@ -761,7 +783,7 @@
           <a:p>
             <a:fld id="{1D3B8088-CE30-4929-80B6-8F4F8A692B87}" type="datetimeFigureOut">
               <a:rPr lang="en-US" smtClean="0"/>
-              <a:t>2/18/2017</a:t>
+              <a:t>2/19/2017</a:t>
             </a:fld>
             <a:endParaRPr lang="en-US"/>
           </a:p>
@@ -1007,7 +1029,7 @@
           <a:p>
             <a:fld id="{1D3B8088-CE30-4929-80B6-8F4F8A692B87}" type="datetimeFigureOut">
               <a:rPr lang="en-US" smtClean="0"/>
-              <a:t>2/18/2017</a:t>
+              <a:t>2/19/2017</a:t>
             </a:fld>
             <a:endParaRPr lang="en-US"/>
           </a:p>
@@ -1239,7 +1261,7 @@
           <a:p>
             <a:fld id="{1D3B8088-CE30-4929-80B6-8F4F8A692B87}" type="datetimeFigureOut">
               <a:rPr lang="en-US" smtClean="0"/>
-              <a:t>2/18/2017</a:t>
+              <a:t>2/19/2017</a:t>
             </a:fld>
             <a:endParaRPr lang="en-US"/>
           </a:p>
@@ -1606,7 +1628,7 @@
           <a:p>
             <a:fld id="{1D3B8088-CE30-4929-80B6-8F4F8A692B87}" type="datetimeFigureOut">
               <a:rPr lang="en-US" smtClean="0"/>
-              <a:t>2/18/2017</a:t>
+              <a:t>2/19/2017</a:t>
             </a:fld>
             <a:endParaRPr lang="en-US"/>
           </a:p>
@@ -1724,7 +1746,7 @@
           <a:p>
             <a:fld id="{1D3B8088-CE30-4929-80B6-8F4F8A692B87}" type="datetimeFigureOut">
               <a:rPr lang="en-US" smtClean="0"/>
-              <a:t>2/18/2017</a:t>
+              <a:t>2/19/2017</a:t>
             </a:fld>
             <a:endParaRPr lang="en-US"/>
           </a:p>
@@ -1819,7 +1841,7 @@
           <a:p>
             <a:fld id="{1D3B8088-CE30-4929-80B6-8F4F8A692B87}" type="datetimeFigureOut">
               <a:rPr lang="en-US" smtClean="0"/>
-              <a:t>2/18/2017</a:t>
+              <a:t>2/19/2017</a:t>
             </a:fld>
             <a:endParaRPr lang="en-US"/>
           </a:p>
@@ -2096,7 +2118,7 @@
           <a:p>
             <a:fld id="{1D3B8088-CE30-4929-80B6-8F4F8A692B87}" type="datetimeFigureOut">
               <a:rPr lang="en-US" smtClean="0"/>
-              <a:t>2/18/2017</a:t>
+              <a:t>2/19/2017</a:t>
             </a:fld>
             <a:endParaRPr lang="en-US"/>
           </a:p>
@@ -2349,7 +2371,7 @@
           <a:p>
             <a:fld id="{1D3B8088-CE30-4929-80B6-8F4F8A692B87}" type="datetimeFigureOut">
               <a:rPr lang="en-US" smtClean="0"/>
-              <a:t>2/18/2017</a:t>
+              <a:t>2/19/2017</a:t>
             </a:fld>
             <a:endParaRPr lang="en-US"/>
           </a:p>
@@ -2562,7 +2584,7 @@
           <a:p>
             <a:fld id="{1D3B8088-CE30-4929-80B6-8F4F8A692B87}" type="datetimeFigureOut">
               <a:rPr lang="en-US" smtClean="0"/>
-              <a:t>2/18/2017</a:t>
+              <a:t>2/19/2017</a:t>
             </a:fld>
             <a:endParaRPr lang="en-US"/>
           </a:p>
@@ -2982,6 +3004,10 @@
           <a:bodyPr/>
           <a:lstStyle/>
           <a:p>
+            <a:r>
+              <a:rPr lang="en-US" dirty="0" err="1" smtClean="0"/>
+              <a:t>Statical</a:t>
+            </a:r>
             <a:endParaRPr lang="en-US" dirty="0"/>
           </a:p>
         </p:txBody>
@@ -3015,10 +3041,143 @@
   <p:clrMapOvr>
     <a:masterClrMapping/>
   </p:clrMapOvr>
+  <p:timing>
+    <p:tnLst>
+      <p:par>
+        <p:cTn id="1" dur="indefinite" restart="never" nodeType="tmRoot"/>
+      </p:par>
+    </p:tnLst>
+  </p:timing>
 </p:sld>
 </file>
 
-<file path=ppt/slides/slide2.xml><?xml version="1.0" encoding="utf-8"?>
+<file path=ppt/slides/slide10.xml><?xml version="1.0" encoding="utf-8"?>
+<p:sld xmlns:a="http://schemas.openxmlformats.org/drawingml/2006/main" xmlns:r="http://schemas.openxmlformats.org/officeDocument/2006/relationships" xmlns:p="http://schemas.openxmlformats.org/presentationml/2006/main">
+  <p:cSld>
+    <p:spTree>
+      <p:nvGrpSpPr>
+        <p:cNvPr id="1" name=""/>
+        <p:cNvGrpSpPr/>
+        <p:nvPr/>
+      </p:nvGrpSpPr>
+      <p:grpSpPr>
+        <a:xfrm>
+          <a:off x="0" y="0"/>
+          <a:ext cx="0" cy="0"/>
+          <a:chOff x="0" y="0"/>
+          <a:chExt cx="0" cy="0"/>
+        </a:xfrm>
+      </p:grpSpPr>
+      <p:sp>
+        <p:nvSpPr>
+          <p:cNvPr id="3" name="Text Placeholder 2"/>
+          <p:cNvSpPr>
+            <a:spLocks noGrp="1"/>
+          </p:cNvSpPr>
+          <p:nvPr>
+            <p:ph type="body" idx="1"/>
+          </p:nvPr>
+        </p:nvSpPr>
+        <p:spPr>
+          <a:xfrm>
+            <a:off x="0" y="0"/>
+            <a:ext cx="5157787" cy="823912"/>
+          </a:xfrm>
+        </p:spPr>
+        <p:txBody>
+          <a:bodyPr/>
+          <a:lstStyle/>
+          <a:p>
+            <a:r>
+              <a:rPr lang="en-US" dirty="0" err="1" smtClean="0"/>
+              <a:t>Popullsia</a:t>
+            </a:r>
+            <a:r>
+              <a:rPr lang="en-US" dirty="0" smtClean="0"/>
+              <a:t> </a:t>
+            </a:r>
+            <a:r>
+              <a:rPr lang="en-US" dirty="0" err="1" smtClean="0"/>
+              <a:t>mashkull</a:t>
+            </a:r>
+            <a:r>
+              <a:rPr lang="en-US" dirty="0" smtClean="0"/>
+              <a:t> </a:t>
+            </a:r>
+            <a:r>
+              <a:rPr lang="en-US" dirty="0" err="1" smtClean="0"/>
+              <a:t>sipas</a:t>
+            </a:r>
+            <a:r>
+              <a:rPr lang="en-US" dirty="0" smtClean="0"/>
+              <a:t> </a:t>
+            </a:r>
+            <a:r>
+              <a:rPr lang="en-US" dirty="0" err="1" smtClean="0"/>
+              <a:t>çdo</a:t>
+            </a:r>
+            <a:r>
+              <a:rPr lang="en-US" dirty="0" smtClean="0"/>
+              <a:t> </a:t>
+            </a:r>
+            <a:r>
+              <a:rPr lang="en-US" dirty="0" err="1" smtClean="0"/>
+              <a:t>qyteti</a:t>
+            </a:r>
+            <a:endParaRPr lang="en-US" dirty="0"/>
+          </a:p>
+        </p:txBody>
+      </p:sp>
+      <p:pic>
+        <p:nvPicPr>
+          <p:cNvPr id="7" name="Content Placeholder 6"/>
+          <p:cNvPicPr>
+            <a:picLocks noGrp="1" noChangeAspect="1"/>
+          </p:cNvPicPr>
+          <p:nvPr>
+            <p:ph sz="half" idx="2"/>
+          </p:nvPr>
+        </p:nvPicPr>
+        <p:blipFill>
+          <a:blip r:embed="rId2">
+            <a:extLst>
+              <a:ext uri="{28A0092B-C50C-407E-A947-70E740481C1C}">
+                <a14:useLocalDpi xmlns:a14="http://schemas.microsoft.com/office/drawing/2010/main" val="0"/>
+              </a:ext>
+            </a:extLst>
+          </a:blip>
+          <a:stretch>
+            <a:fillRect/>
+          </a:stretch>
+        </p:blipFill>
+        <p:spPr>
+          <a:xfrm>
+            <a:off x="0" y="823912"/>
+            <a:ext cx="12203191" cy="5697940"/>
+          </a:xfrm>
+        </p:spPr>
+      </p:pic>
+    </p:spTree>
+    <p:extLst>
+      <p:ext uri="{BB962C8B-B14F-4D97-AF65-F5344CB8AC3E}">
+        <p14:creationId xmlns:p14="http://schemas.microsoft.com/office/powerpoint/2010/main" val="2547960871"/>
+      </p:ext>
+    </p:extLst>
+  </p:cSld>
+  <p:clrMapOvr>
+    <a:masterClrMapping/>
+  </p:clrMapOvr>
+  <p:timing>
+    <p:tnLst>
+      <p:par>
+        <p:cTn id="1" dur="indefinite" restart="never" nodeType="tmRoot"/>
+      </p:par>
+    </p:tnLst>
+  </p:timing>
+</p:sld>
+</file>
+
+<file path=ppt/slides/slide11.xml><?xml version="1.0" encoding="utf-8"?>
 <p:sld xmlns:a="http://schemas.openxmlformats.org/drawingml/2006/main" xmlns:r="http://schemas.openxmlformats.org/officeDocument/2006/relationships" xmlns:p="http://schemas.openxmlformats.org/presentationml/2006/main">
   <p:cSld>
     <p:spTree>
@@ -3050,17 +3209,76 @@
           <a:bodyPr/>
           <a:lstStyle/>
           <a:p>
-            <a:r>
-              <a:rPr lang="en-US" dirty="0" err="1" smtClean="0"/>
-              <a:t>Çfarë</a:t>
-            </a:r>
-            <a:r>
-              <a:rPr lang="en-US" dirty="0" smtClean="0"/>
-              <a:t> </a:t>
-            </a:r>
-            <a:r>
-              <a:rPr lang="en-US" dirty="0" err="1" smtClean="0"/>
-              <a:t>duam</a:t>
+            <a:endParaRPr lang="en-US"/>
+          </a:p>
+        </p:txBody>
+      </p:sp>
+      <p:sp>
+        <p:nvSpPr>
+          <p:cNvPr id="3" name="Content Placeholder 2"/>
+          <p:cNvSpPr>
+            <a:spLocks noGrp="1"/>
+          </p:cNvSpPr>
+          <p:nvPr>
+            <p:ph idx="1"/>
+          </p:nvPr>
+        </p:nvSpPr>
+        <p:spPr/>
+        <p:txBody>
+          <a:bodyPr/>
+          <a:lstStyle/>
+          <a:p>
+            <a:r>
+              <a:rPr lang="en-US" dirty="0" err="1" smtClean="0"/>
+              <a:t>Dy</a:t>
+            </a:r>
+            <a:r>
+              <a:rPr lang="en-US" dirty="0" smtClean="0"/>
+              <a:t> </a:t>
+            </a:r>
+            <a:r>
+              <a:rPr lang="en-US" dirty="0" err="1" smtClean="0"/>
+              <a:t>tabelat</a:t>
+            </a:r>
+            <a:r>
+              <a:rPr lang="en-US" dirty="0" smtClean="0"/>
+              <a:t> </a:t>
+            </a:r>
+            <a:r>
+              <a:rPr lang="en-US" dirty="0" err="1" smtClean="0"/>
+              <a:t>në</a:t>
+            </a:r>
+            <a:r>
+              <a:rPr lang="en-US" dirty="0" smtClean="0"/>
+              <a:t> </a:t>
+            </a:r>
+            <a:r>
+              <a:rPr lang="en-US" dirty="0" err="1" smtClean="0"/>
+              <a:t>vijim</a:t>
+            </a:r>
+            <a:r>
+              <a:rPr lang="en-US" dirty="0"/>
+              <a:t> </a:t>
+            </a:r>
+            <a:r>
+              <a:rPr lang="en-US" dirty="0" err="1" smtClean="0"/>
+              <a:t>indikojnë</a:t>
+            </a:r>
+            <a:r>
+              <a:rPr lang="en-US" dirty="0" smtClean="0"/>
+              <a:t> </a:t>
+            </a:r>
+            <a:r>
+              <a:rPr lang="en-US" dirty="0" err="1" smtClean="0"/>
+              <a:t>nivelet</a:t>
+            </a:r>
+            <a:r>
+              <a:rPr lang="en-US" dirty="0" smtClean="0"/>
+              <a:t> </a:t>
+            </a:r>
+            <a:r>
+              <a:rPr lang="en-US" dirty="0" err="1" smtClean="0"/>
+              <a:t>më</a:t>
             </a:r>
             <a:r>
               <a:rPr lang="en-US" dirty="0" smtClean="0"/>
@@ -3076,30 +3294,3913 @@
             </a:r>
             <a:r>
               <a:rPr lang="en-US" dirty="0" err="1" smtClean="0"/>
-              <a:t>arrijmë</a:t>
-            </a:r>
-            <a:r>
-              <a:rPr lang="en-US" dirty="0" smtClean="0"/>
-              <a:t>?</a:t>
-            </a:r>
-            <a:endParaRPr lang="en-US" dirty="0"/>
+              <a:t>larta</a:t>
+            </a:r>
+            <a:r>
+              <a:rPr lang="en-US" dirty="0" smtClean="0"/>
+              <a:t> </a:t>
+            </a:r>
+            <a:r>
+              <a:rPr lang="en-US" dirty="0" err="1" smtClean="0"/>
+              <a:t>arsimore</a:t>
+            </a:r>
+            <a:r>
+              <a:rPr lang="en-US" dirty="0" smtClean="0"/>
+              <a:t> </a:t>
+            </a:r>
+            <a:r>
+              <a:rPr lang="en-US" dirty="0" err="1" smtClean="0"/>
+              <a:t>të</a:t>
+            </a:r>
+            <a:r>
+              <a:rPr lang="en-US" dirty="0" smtClean="0"/>
+              <a:t> </a:t>
+            </a:r>
+            <a:r>
+              <a:rPr lang="en-US" dirty="0" err="1" smtClean="0"/>
+              <a:t>arritura</a:t>
+            </a:r>
+            <a:r>
+              <a:rPr lang="en-US" dirty="0" smtClean="0"/>
+              <a:t> </a:t>
+            </a:r>
+            <a:r>
+              <a:rPr lang="en-US" dirty="0" err="1" smtClean="0"/>
+              <a:t>nga</a:t>
+            </a:r>
+            <a:r>
+              <a:rPr lang="en-US" dirty="0" smtClean="0"/>
+              <a:t> </a:t>
+            </a:r>
+            <a:r>
+              <a:rPr lang="en-US" dirty="0" err="1" smtClean="0"/>
+              <a:t>femrat</a:t>
+            </a:r>
+            <a:r>
+              <a:rPr lang="en-US" dirty="0" smtClean="0"/>
+              <a:t> </a:t>
+            </a:r>
+            <a:r>
+              <a:rPr lang="en-US" dirty="0" err="1" smtClean="0"/>
+              <a:t>dhe</a:t>
+            </a:r>
+            <a:r>
+              <a:rPr lang="en-US" dirty="0" smtClean="0"/>
+              <a:t> </a:t>
+            </a:r>
+            <a:r>
+              <a:rPr lang="en-US" dirty="0" err="1" smtClean="0"/>
+              <a:t>meshkuj</a:t>
+            </a:r>
+            <a:r>
+              <a:rPr lang="en-US" dirty="0"/>
+              <a:t> </a:t>
+            </a:r>
+            <a:r>
+              <a:rPr lang="en-US" dirty="0" err="1" smtClean="0"/>
+              <a:t>sipas</a:t>
+            </a:r>
+            <a:r>
+              <a:rPr lang="en-US" dirty="0" smtClean="0"/>
+              <a:t> </a:t>
+            </a:r>
+            <a:r>
+              <a:rPr lang="en-US" dirty="0" err="1" smtClean="0"/>
+              <a:t>qarqeve</a:t>
+            </a:r>
+            <a:r>
+              <a:rPr lang="en-US" dirty="0" smtClean="0"/>
+              <a:t>.</a:t>
+            </a:r>
+          </a:p>
+          <a:p>
+            <a:r>
+              <a:rPr lang="en-US" dirty="0" err="1" smtClean="0"/>
+              <a:t>Në</a:t>
+            </a:r>
+            <a:r>
+              <a:rPr lang="en-US" dirty="0" smtClean="0"/>
+              <a:t> </a:t>
+            </a:r>
+            <a:r>
+              <a:rPr lang="en-US" dirty="0" err="1" smtClean="0"/>
+              <a:t>kategoritë</a:t>
+            </a:r>
+            <a:r>
+              <a:rPr lang="en-US" dirty="0" smtClean="0"/>
+              <a:t> “negative” – </a:t>
+            </a:r>
+            <a:r>
+              <a:rPr lang="en-US" dirty="0" err="1" smtClean="0"/>
+              <a:t>analfabetizmi</a:t>
+            </a:r>
+            <a:r>
+              <a:rPr lang="en-US" dirty="0" smtClean="0"/>
+              <a:t> </a:t>
+            </a:r>
+            <a:r>
+              <a:rPr lang="en-US" dirty="0" err="1" smtClean="0"/>
+              <a:t>dhe</a:t>
+            </a:r>
+            <a:r>
+              <a:rPr lang="en-US" dirty="0" smtClean="0"/>
+              <a:t> </a:t>
+            </a:r>
+            <a:r>
+              <a:rPr lang="en-US" dirty="0" err="1" smtClean="0"/>
+              <a:t>asnjë</a:t>
+            </a:r>
+            <a:r>
+              <a:rPr lang="en-US" dirty="0" smtClean="0"/>
+              <a:t> </a:t>
+            </a:r>
+            <a:r>
+              <a:rPr lang="en-US" dirty="0" err="1" smtClean="0"/>
+              <a:t>diplomë</a:t>
+            </a:r>
+            <a:r>
+              <a:rPr lang="en-US" dirty="0" smtClean="0"/>
+              <a:t>, </a:t>
+            </a:r>
+            <a:r>
+              <a:rPr lang="en-US" dirty="0" err="1" smtClean="0"/>
+              <a:t>duket</a:t>
+            </a:r>
+            <a:r>
+              <a:rPr lang="en-US" dirty="0" smtClean="0"/>
+              <a:t> se </a:t>
+            </a:r>
+            <a:r>
+              <a:rPr lang="en-US" dirty="0" err="1" smtClean="0"/>
+              <a:t>numri</a:t>
+            </a:r>
+            <a:r>
+              <a:rPr lang="en-US" dirty="0" smtClean="0"/>
+              <a:t> I </a:t>
+            </a:r>
+            <a:r>
+              <a:rPr lang="en-US" dirty="0" err="1" smtClean="0"/>
+              <a:t>femrave</a:t>
+            </a:r>
+            <a:r>
+              <a:rPr lang="en-US" dirty="0" smtClean="0"/>
+              <a:t> </a:t>
+            </a:r>
+            <a:r>
+              <a:rPr lang="en-US" dirty="0" err="1" smtClean="0"/>
+              <a:t>është</a:t>
+            </a:r>
+            <a:r>
+              <a:rPr lang="en-US" dirty="0" smtClean="0"/>
+              <a:t> </a:t>
+            </a:r>
+            <a:r>
+              <a:rPr lang="en-US" dirty="0" err="1" smtClean="0"/>
+              <a:t>më</a:t>
+            </a:r>
+            <a:r>
+              <a:rPr lang="en-US" dirty="0" smtClean="0"/>
+              <a:t> I </a:t>
+            </a:r>
+            <a:r>
+              <a:rPr lang="en-US" dirty="0" err="1" smtClean="0"/>
+              <a:t>lartë</a:t>
+            </a:r>
+            <a:r>
+              <a:rPr lang="en-US" dirty="0" smtClean="0"/>
+              <a:t> se </a:t>
+            </a:r>
+            <a:r>
+              <a:rPr lang="en-US" dirty="0" err="1" smtClean="0"/>
+              <a:t>ai</a:t>
+            </a:r>
+            <a:r>
+              <a:rPr lang="en-US" dirty="0" smtClean="0"/>
+              <a:t> I </a:t>
+            </a:r>
+            <a:r>
+              <a:rPr lang="en-US" dirty="0" err="1" smtClean="0"/>
+              <a:t>meshkujve</a:t>
+            </a:r>
+            <a:r>
+              <a:rPr lang="en-US" dirty="0" smtClean="0"/>
+              <a:t>.</a:t>
+            </a:r>
+          </a:p>
+          <a:p>
+            <a:r>
+              <a:rPr lang="en-US" dirty="0" err="1" smtClean="0"/>
+              <a:t>Për</a:t>
+            </a:r>
+            <a:r>
+              <a:rPr lang="en-US" dirty="0" smtClean="0"/>
+              <a:t> </a:t>
+            </a:r>
+            <a:r>
+              <a:rPr lang="en-US" dirty="0" err="1" smtClean="0"/>
+              <a:t>qytetet</a:t>
+            </a:r>
+            <a:r>
+              <a:rPr lang="en-US" dirty="0" smtClean="0"/>
+              <a:t> e </a:t>
+            </a:r>
+            <a:r>
+              <a:rPr lang="en-US" dirty="0" err="1" smtClean="0"/>
+              <a:t>mëdha</a:t>
+            </a:r>
+            <a:r>
+              <a:rPr lang="en-US" dirty="0" smtClean="0"/>
+              <a:t>, </a:t>
+            </a:r>
+            <a:r>
+              <a:rPr lang="en-US" dirty="0" err="1" smtClean="0"/>
+              <a:t>vëmë</a:t>
+            </a:r>
+            <a:r>
+              <a:rPr lang="en-US" dirty="0" smtClean="0"/>
+              <a:t> re se </a:t>
+            </a:r>
+            <a:r>
+              <a:rPr lang="en-US" dirty="0" err="1" smtClean="0"/>
+              <a:t>ciklet</a:t>
+            </a:r>
+            <a:r>
+              <a:rPr lang="en-US" dirty="0" smtClean="0"/>
+              <a:t> </a:t>
+            </a:r>
+            <a:r>
+              <a:rPr lang="en-US" dirty="0" err="1" smtClean="0"/>
+              <a:t>fillore</a:t>
+            </a:r>
+            <a:r>
+              <a:rPr lang="en-US" dirty="0" smtClean="0"/>
+              <a:t> </a:t>
+            </a:r>
+            <a:r>
+              <a:rPr lang="en-US" dirty="0" err="1" smtClean="0"/>
+              <a:t>dhe</a:t>
+            </a:r>
+            <a:r>
+              <a:rPr lang="en-US" dirty="0" smtClean="0"/>
+              <a:t> </a:t>
+            </a:r>
+            <a:r>
+              <a:rPr lang="en-US" dirty="0" err="1" smtClean="0"/>
+              <a:t>të</a:t>
+            </a:r>
+            <a:r>
+              <a:rPr lang="en-US" dirty="0" smtClean="0"/>
+              <a:t> </a:t>
+            </a:r>
+            <a:r>
+              <a:rPr lang="en-US" dirty="0" err="1" smtClean="0"/>
+              <a:t>mesme</a:t>
+            </a:r>
+            <a:r>
+              <a:rPr lang="en-US" dirty="0" smtClean="0"/>
+              <a:t> </a:t>
+            </a:r>
+            <a:r>
+              <a:rPr lang="en-US" dirty="0" err="1" smtClean="0"/>
+              <a:t>kanë</a:t>
+            </a:r>
+            <a:r>
+              <a:rPr lang="en-US" dirty="0" smtClean="0"/>
+              <a:t> </a:t>
+            </a:r>
+            <a:r>
+              <a:rPr lang="en-US" dirty="0" err="1" smtClean="0"/>
+              <a:t>më</a:t>
+            </a:r>
+            <a:r>
+              <a:rPr lang="en-US" dirty="0" smtClean="0"/>
+              <a:t> </a:t>
+            </a:r>
+            <a:r>
+              <a:rPr lang="en-US" dirty="0" err="1" smtClean="0"/>
+              <a:t>shumë</a:t>
+            </a:r>
+            <a:r>
+              <a:rPr lang="en-US" dirty="0" smtClean="0"/>
+              <a:t> </a:t>
+            </a:r>
+            <a:r>
+              <a:rPr lang="en-US" dirty="0" err="1" smtClean="0"/>
+              <a:t>meshkuj</a:t>
+            </a:r>
+            <a:r>
+              <a:rPr lang="en-US" dirty="0" smtClean="0"/>
+              <a:t> </a:t>
+            </a:r>
+            <a:r>
+              <a:rPr lang="en-US" dirty="0" err="1" smtClean="0"/>
+              <a:t>sesa</a:t>
+            </a:r>
+            <a:r>
+              <a:rPr lang="en-US" dirty="0" smtClean="0"/>
+              <a:t> </a:t>
+            </a:r>
+            <a:r>
+              <a:rPr lang="en-US" dirty="0" err="1" smtClean="0"/>
+              <a:t>femra</a:t>
+            </a:r>
+            <a:r>
+              <a:rPr lang="en-US" dirty="0" smtClean="0"/>
+              <a:t> </a:t>
+            </a:r>
+            <a:r>
+              <a:rPr lang="en-US" dirty="0" err="1" smtClean="0"/>
+              <a:t>të</a:t>
+            </a:r>
+            <a:r>
+              <a:rPr lang="en-US" dirty="0" smtClean="0"/>
+              <a:t> </a:t>
+            </a:r>
+            <a:r>
+              <a:rPr lang="en-US" dirty="0" err="1" smtClean="0"/>
+              <a:t>diplomuar</a:t>
+            </a:r>
+            <a:r>
+              <a:rPr lang="en-US" dirty="0" smtClean="0"/>
+              <a:t>. </a:t>
+            </a:r>
+            <a:r>
+              <a:rPr lang="en-US" dirty="0" err="1" smtClean="0"/>
+              <a:t>Ndërsa</a:t>
+            </a:r>
+            <a:r>
+              <a:rPr lang="en-US" dirty="0" smtClean="0"/>
+              <a:t> </a:t>
+            </a:r>
+            <a:r>
+              <a:rPr lang="en-US" dirty="0" err="1" smtClean="0"/>
+              <a:t>cikli</a:t>
+            </a:r>
+            <a:r>
+              <a:rPr lang="en-US" dirty="0" smtClean="0"/>
+              <a:t> I </a:t>
+            </a:r>
+            <a:r>
+              <a:rPr lang="en-US" dirty="0" err="1" smtClean="0"/>
+              <a:t>lartë</a:t>
+            </a:r>
+            <a:r>
+              <a:rPr lang="en-US" dirty="0" smtClean="0"/>
+              <a:t> </a:t>
+            </a:r>
+            <a:r>
+              <a:rPr lang="en-US" dirty="0" err="1" smtClean="0"/>
+              <a:t>ka</a:t>
+            </a:r>
+            <a:r>
+              <a:rPr lang="en-US" dirty="0" smtClean="0"/>
+              <a:t> </a:t>
+            </a:r>
+            <a:r>
+              <a:rPr lang="en-US" dirty="0" err="1" smtClean="0"/>
+              <a:t>më</a:t>
+            </a:r>
+            <a:r>
+              <a:rPr lang="en-US" dirty="0" smtClean="0"/>
+              <a:t> </a:t>
+            </a:r>
+            <a:r>
+              <a:rPr lang="en-US" dirty="0" err="1" smtClean="0"/>
+              <a:t>shumë</a:t>
+            </a:r>
+            <a:r>
+              <a:rPr lang="en-US" dirty="0" smtClean="0"/>
+              <a:t> </a:t>
+            </a:r>
+            <a:r>
+              <a:rPr lang="en-US" dirty="0" err="1" smtClean="0"/>
+              <a:t>femra</a:t>
+            </a:r>
+            <a:r>
+              <a:rPr lang="en-US" dirty="0" smtClean="0"/>
+              <a:t>. </a:t>
+            </a:r>
+            <a:r>
+              <a:rPr lang="en-US" dirty="0" err="1" smtClean="0"/>
+              <a:t>Kjo</a:t>
+            </a:r>
+            <a:r>
+              <a:rPr lang="en-US" dirty="0" smtClean="0"/>
+              <a:t> </a:t>
+            </a:r>
+            <a:r>
+              <a:rPr lang="en-US" dirty="0" err="1" smtClean="0"/>
+              <a:t>tregon</a:t>
+            </a:r>
+            <a:r>
+              <a:rPr lang="en-US" dirty="0" smtClean="0"/>
+              <a:t> se </a:t>
+            </a:r>
+            <a:r>
+              <a:rPr lang="en-US" dirty="0" err="1" smtClean="0"/>
+              <a:t>ka</a:t>
+            </a:r>
+            <a:r>
+              <a:rPr lang="en-US" dirty="0" smtClean="0"/>
+              <a:t> </a:t>
+            </a:r>
+            <a:r>
+              <a:rPr lang="en-US" dirty="0" err="1" smtClean="0"/>
+              <a:t>një</a:t>
+            </a:r>
+            <a:r>
+              <a:rPr lang="en-US" dirty="0" smtClean="0"/>
+              <a:t> </a:t>
+            </a:r>
+            <a:r>
+              <a:rPr lang="en-US" dirty="0" err="1" smtClean="0"/>
+              <a:t>tendencë</a:t>
+            </a:r>
+            <a:r>
+              <a:rPr lang="en-US" dirty="0" smtClean="0"/>
+              <a:t> </a:t>
+            </a:r>
+            <a:r>
+              <a:rPr lang="en-US" dirty="0" err="1" smtClean="0"/>
+              <a:t>të</a:t>
+            </a:r>
+            <a:r>
+              <a:rPr lang="en-US" dirty="0" smtClean="0"/>
+              <a:t> </a:t>
+            </a:r>
+            <a:r>
+              <a:rPr lang="en-US" dirty="0" err="1" smtClean="0"/>
+              <a:t>meshkujve</a:t>
+            </a:r>
+            <a:r>
+              <a:rPr lang="en-US" dirty="0" smtClean="0"/>
+              <a:t> </a:t>
+            </a:r>
+            <a:r>
+              <a:rPr lang="en-US" dirty="0" err="1" smtClean="0"/>
+              <a:t>për</a:t>
+            </a:r>
+            <a:r>
+              <a:rPr lang="en-US" dirty="0" smtClean="0"/>
+              <a:t> </a:t>
+            </a:r>
+            <a:r>
+              <a:rPr lang="en-US" dirty="0" err="1" smtClean="0"/>
+              <a:t>të</a:t>
+            </a:r>
+            <a:r>
+              <a:rPr lang="en-US" dirty="0" smtClean="0"/>
+              <a:t> </a:t>
+            </a:r>
+            <a:r>
+              <a:rPr lang="en-US" dirty="0" err="1" smtClean="0"/>
+              <a:t>mos</a:t>
+            </a:r>
+            <a:r>
+              <a:rPr lang="en-US" dirty="0" smtClean="0"/>
+              <a:t> </a:t>
+            </a:r>
+            <a:r>
+              <a:rPr lang="en-US" dirty="0" err="1" smtClean="0"/>
+              <a:t>vazhduar</a:t>
+            </a:r>
+            <a:r>
+              <a:rPr lang="en-US" dirty="0" smtClean="0"/>
+              <a:t> </a:t>
+            </a:r>
+            <a:r>
+              <a:rPr lang="en-US" dirty="0" err="1" smtClean="0"/>
+              <a:t>deri</a:t>
+            </a:r>
+            <a:r>
+              <a:rPr lang="en-US" dirty="0" smtClean="0"/>
+              <a:t> </a:t>
+            </a:r>
+            <a:r>
+              <a:rPr lang="en-US" dirty="0" err="1" smtClean="0"/>
+              <a:t>në</a:t>
+            </a:r>
+            <a:r>
+              <a:rPr lang="en-US" dirty="0" smtClean="0"/>
+              <a:t> fund </a:t>
+            </a:r>
+            <a:r>
+              <a:rPr lang="en-US" dirty="0" err="1" smtClean="0"/>
+              <a:t>ciklin</a:t>
+            </a:r>
+            <a:r>
+              <a:rPr lang="en-US" dirty="0" smtClean="0"/>
+              <a:t> </a:t>
+            </a:r>
+            <a:r>
+              <a:rPr lang="en-US" dirty="0" err="1" smtClean="0"/>
+              <a:t>mësimor</a:t>
+            </a:r>
+            <a:r>
+              <a:rPr lang="en-US" dirty="0" smtClean="0"/>
+              <a:t>.</a:t>
+            </a:r>
+          </a:p>
+          <a:p>
+            <a:r>
+              <a:rPr lang="en-US" dirty="0" err="1" smtClean="0"/>
+              <a:t>Në</a:t>
+            </a:r>
+            <a:r>
+              <a:rPr lang="en-US" dirty="0" smtClean="0"/>
+              <a:t> </a:t>
+            </a:r>
+            <a:r>
+              <a:rPr lang="en-US" dirty="0" err="1" smtClean="0"/>
+              <a:t>disa</a:t>
+            </a:r>
+            <a:r>
+              <a:rPr lang="en-US" dirty="0" smtClean="0"/>
+              <a:t> </a:t>
+            </a:r>
+            <a:r>
+              <a:rPr lang="en-US" dirty="0" err="1" smtClean="0"/>
+              <a:t>qytete</a:t>
+            </a:r>
+            <a:r>
+              <a:rPr lang="en-US" dirty="0" smtClean="0"/>
+              <a:t> </a:t>
+            </a:r>
+            <a:r>
+              <a:rPr lang="en-US" dirty="0" err="1" smtClean="0"/>
+              <a:t>të</a:t>
+            </a:r>
+            <a:r>
+              <a:rPr lang="en-US" dirty="0" smtClean="0"/>
+              <a:t> </a:t>
+            </a:r>
+            <a:r>
+              <a:rPr lang="en-US" dirty="0" err="1" smtClean="0"/>
+              <a:t>vogla</a:t>
+            </a:r>
+            <a:r>
+              <a:rPr lang="en-US" dirty="0"/>
+              <a:t> </a:t>
+            </a:r>
+            <a:r>
+              <a:rPr lang="en-US" dirty="0" err="1" smtClean="0"/>
+              <a:t>ndodh</a:t>
+            </a:r>
+            <a:r>
+              <a:rPr lang="en-US" dirty="0" smtClean="0"/>
+              <a:t> e </a:t>
+            </a:r>
+            <a:r>
+              <a:rPr lang="en-US" dirty="0" err="1" smtClean="0"/>
+              <a:t>kundërta</a:t>
+            </a:r>
+            <a:r>
+              <a:rPr lang="en-US" dirty="0" smtClean="0"/>
+              <a:t>, </a:t>
+            </a:r>
+            <a:r>
+              <a:rPr lang="en-US" dirty="0" err="1" smtClean="0"/>
+              <a:t>ka</a:t>
+            </a:r>
+            <a:r>
+              <a:rPr lang="en-US" dirty="0" smtClean="0"/>
+              <a:t> </a:t>
+            </a:r>
+            <a:r>
+              <a:rPr lang="en-US" dirty="0" err="1" smtClean="0"/>
+              <a:t>një</a:t>
+            </a:r>
+            <a:r>
+              <a:rPr lang="en-US" dirty="0" smtClean="0"/>
+              <a:t> </a:t>
+            </a:r>
+            <a:r>
+              <a:rPr lang="en-US" dirty="0" err="1" smtClean="0"/>
+              <a:t>tendece</a:t>
+            </a:r>
+            <a:r>
+              <a:rPr lang="en-US" dirty="0" smtClean="0"/>
+              <a:t> </a:t>
+            </a:r>
+            <a:r>
+              <a:rPr lang="en-US" dirty="0" err="1" smtClean="0"/>
+              <a:t>të</a:t>
+            </a:r>
+            <a:r>
+              <a:rPr lang="en-US" dirty="0" smtClean="0"/>
+              <a:t> </a:t>
+            </a:r>
+            <a:r>
+              <a:rPr lang="en-US" dirty="0" err="1" smtClean="0"/>
+              <a:t>femrave</a:t>
+            </a:r>
+            <a:r>
+              <a:rPr lang="en-US" dirty="0" smtClean="0"/>
+              <a:t> </a:t>
+            </a:r>
+            <a:r>
+              <a:rPr lang="en-US" dirty="0" err="1" smtClean="0"/>
+              <a:t>të</a:t>
+            </a:r>
+            <a:r>
+              <a:rPr lang="en-US" dirty="0" smtClean="0"/>
+              <a:t> </a:t>
+            </a:r>
+            <a:r>
+              <a:rPr lang="en-US" dirty="0" err="1" smtClean="0"/>
+              <a:t>ndalin</a:t>
+            </a:r>
+            <a:r>
+              <a:rPr lang="en-US" dirty="0" smtClean="0"/>
+              <a:t> </a:t>
+            </a:r>
+            <a:r>
+              <a:rPr lang="en-US" dirty="0" err="1" smtClean="0"/>
+              <a:t>arsimimin</a:t>
+            </a:r>
+            <a:r>
+              <a:rPr lang="en-US" dirty="0" smtClean="0"/>
+              <a:t> e </a:t>
+            </a:r>
+            <a:r>
+              <a:rPr lang="en-US" dirty="0" err="1" smtClean="0"/>
+              <a:t>tyre</a:t>
+            </a:r>
+            <a:r>
+              <a:rPr lang="en-US" dirty="0" smtClean="0"/>
+              <a:t> ne </a:t>
+            </a:r>
+            <a:r>
+              <a:rPr lang="en-US" dirty="0" err="1" smtClean="0"/>
+              <a:t>ciklin</a:t>
+            </a:r>
+            <a:r>
+              <a:rPr lang="en-US" dirty="0" smtClean="0"/>
+              <a:t> e </a:t>
+            </a:r>
+            <a:r>
+              <a:rPr lang="en-US" dirty="0" err="1" smtClean="0"/>
+              <a:t>ulët</a:t>
+            </a:r>
+            <a:r>
+              <a:rPr lang="en-US" dirty="0" smtClean="0"/>
+              <a:t> </a:t>
+            </a:r>
+            <a:r>
+              <a:rPr lang="en-US" dirty="0" err="1" smtClean="0"/>
+              <a:t>dhe</a:t>
+            </a:r>
+            <a:r>
+              <a:rPr lang="en-US" dirty="0" smtClean="0"/>
+              <a:t> </a:t>
+            </a:r>
+            <a:r>
+              <a:rPr lang="en-US" dirty="0" err="1" smtClean="0"/>
+              <a:t>atë</a:t>
+            </a:r>
+            <a:r>
+              <a:rPr lang="en-US" dirty="0" smtClean="0"/>
+              <a:t> </a:t>
+            </a:r>
+            <a:r>
+              <a:rPr lang="en-US" dirty="0" err="1" smtClean="0"/>
+              <a:t>të</a:t>
+            </a:r>
+            <a:r>
+              <a:rPr lang="en-US" dirty="0" smtClean="0"/>
+              <a:t> </a:t>
+            </a:r>
+            <a:r>
+              <a:rPr lang="en-US" dirty="0" err="1" smtClean="0"/>
+              <a:t>mesem</a:t>
+            </a:r>
+            <a:r>
+              <a:rPr lang="en-US" dirty="0" smtClean="0"/>
+              <a:t>.</a:t>
+            </a:r>
           </a:p>
         </p:txBody>
       </p:sp>
     </p:spTree>
     <p:extLst>
       <p:ext uri="{BB962C8B-B14F-4D97-AF65-F5344CB8AC3E}">
-        <p14:creationId xmlns:p14="http://schemas.microsoft.com/office/powerpoint/2010/main" val="122314108"/>
+        <p14:creationId xmlns:p14="http://schemas.microsoft.com/office/powerpoint/2010/main" val="1840796016"/>
       </p:ext>
     </p:extLst>
   </p:cSld>
   <p:clrMapOvr>
     <a:masterClrMapping/>
   </p:clrMapOvr>
+  <p:timing>
+    <p:tnLst>
+      <p:par>
+        <p:cTn id="1" dur="indefinite" restart="never" nodeType="tmRoot"/>
+      </p:par>
+    </p:tnLst>
+  </p:timing>
 </p:sld>
 </file>
 
-<file path=ppt/slides/slide3.xml><?xml version="1.0" encoding="utf-8"?>
+<file path=ppt/slides/slide12.xml><?xml version="1.0" encoding="utf-8"?>
+<p:sld xmlns:a="http://schemas.openxmlformats.org/drawingml/2006/main" xmlns:r="http://schemas.openxmlformats.org/officeDocument/2006/relationships" xmlns:p="http://schemas.openxmlformats.org/presentationml/2006/main">
+  <p:cSld>
+    <p:spTree>
+      <p:nvGrpSpPr>
+        <p:cNvPr id="1" name=""/>
+        <p:cNvGrpSpPr/>
+        <p:nvPr/>
+      </p:nvGrpSpPr>
+      <p:grpSpPr>
+        <a:xfrm>
+          <a:off x="0" y="0"/>
+          <a:ext cx="0" cy="0"/>
+          <a:chOff x="0" y="0"/>
+          <a:chExt cx="0" cy="0"/>
+        </a:xfrm>
+      </p:grpSpPr>
+      <p:pic>
+        <p:nvPicPr>
+          <p:cNvPr id="6" name="Content Placeholder 5"/>
+          <p:cNvPicPr>
+            <a:picLocks noGrp="1" noChangeAspect="1"/>
+          </p:cNvPicPr>
+          <p:nvPr>
+            <p:ph idx="1"/>
+          </p:nvPr>
+        </p:nvPicPr>
+        <p:blipFill>
+          <a:blip r:embed="rId2">
+            <a:extLst>
+              <a:ext uri="{28A0092B-C50C-407E-A947-70E740481C1C}">
+                <a14:useLocalDpi xmlns:a14="http://schemas.microsoft.com/office/drawing/2010/main" val="0"/>
+              </a:ext>
+            </a:extLst>
+          </a:blip>
+          <a:stretch>
+            <a:fillRect/>
+          </a:stretch>
+        </p:blipFill>
+        <p:spPr>
+          <a:xfrm>
+            <a:off x="968991" y="608936"/>
+            <a:ext cx="10222173" cy="6249064"/>
+          </a:xfrm>
+        </p:spPr>
+      </p:pic>
+      <p:sp>
+        <p:nvSpPr>
+          <p:cNvPr id="7" name="Text Placeholder 2"/>
+          <p:cNvSpPr txBox="1">
+            <a:spLocks/>
+          </p:cNvSpPr>
+          <p:nvPr/>
+        </p:nvSpPr>
+        <p:spPr>
+          <a:xfrm>
+            <a:off x="1883390" y="0"/>
+            <a:ext cx="8393373" cy="823912"/>
+          </a:xfrm>
+          <a:prstGeom prst="rect">
+            <a:avLst/>
+          </a:prstGeom>
+        </p:spPr>
+        <p:txBody>
+          <a:bodyPr vert="horz" lIns="91440" tIns="45720" rIns="91440" bIns="45720" rtlCol="0">
+            <a:normAutofit/>
+          </a:bodyPr>
+          <a:lstStyle>
+            <a:lvl1pPr marL="228600" indent="-228600" algn="l" defTabSz="914400" rtl="0" eaLnBrk="1" latinLnBrk="0" hangingPunct="1">
+              <a:lnSpc>
+                <a:spcPct val="90000"/>
+              </a:lnSpc>
+              <a:spcBef>
+                <a:spcPts val="1000"/>
+              </a:spcBef>
+              <a:buFont typeface="Arial" panose="020B0604020202020204" pitchFamily="34" charset="0"/>
+              <a:buChar char="•"/>
+              <a:defRPr sz="2800" kern="1200">
+                <a:solidFill>
+                  <a:schemeClr val="tx1"/>
+                </a:solidFill>
+                <a:latin typeface="+mn-lt"/>
+                <a:ea typeface="+mn-ea"/>
+                <a:cs typeface="+mn-cs"/>
+              </a:defRPr>
+            </a:lvl1pPr>
+            <a:lvl2pPr marL="685800" indent="-228600" algn="l" defTabSz="914400" rtl="0" eaLnBrk="1" latinLnBrk="0" hangingPunct="1">
+              <a:lnSpc>
+                <a:spcPct val="90000"/>
+              </a:lnSpc>
+              <a:spcBef>
+                <a:spcPts val="500"/>
+              </a:spcBef>
+              <a:buFont typeface="Arial" panose="020B0604020202020204" pitchFamily="34" charset="0"/>
+              <a:buChar char="•"/>
+              <a:defRPr sz="2400" kern="1200">
+                <a:solidFill>
+                  <a:schemeClr val="tx1"/>
+                </a:solidFill>
+                <a:latin typeface="+mn-lt"/>
+                <a:ea typeface="+mn-ea"/>
+                <a:cs typeface="+mn-cs"/>
+              </a:defRPr>
+            </a:lvl2pPr>
+            <a:lvl3pPr marL="1143000" indent="-228600" algn="l" defTabSz="914400" rtl="0" eaLnBrk="1" latinLnBrk="0" hangingPunct="1">
+              <a:lnSpc>
+                <a:spcPct val="90000"/>
+              </a:lnSpc>
+              <a:spcBef>
+                <a:spcPts val="500"/>
+              </a:spcBef>
+              <a:buFont typeface="Arial" panose="020B0604020202020204" pitchFamily="34" charset="0"/>
+              <a:buChar char="•"/>
+              <a:defRPr sz="2000" kern="1200">
+                <a:solidFill>
+                  <a:schemeClr val="tx1"/>
+                </a:solidFill>
+                <a:latin typeface="+mn-lt"/>
+                <a:ea typeface="+mn-ea"/>
+                <a:cs typeface="+mn-cs"/>
+              </a:defRPr>
+            </a:lvl3pPr>
+            <a:lvl4pPr marL="1600200" indent="-228600" algn="l" defTabSz="914400" rtl="0" eaLnBrk="1" latinLnBrk="0" hangingPunct="1">
+              <a:lnSpc>
+                <a:spcPct val="90000"/>
+              </a:lnSpc>
+              <a:spcBef>
+                <a:spcPts val="500"/>
+              </a:spcBef>
+              <a:buFont typeface="Arial" panose="020B0604020202020204" pitchFamily="34" charset="0"/>
+              <a:buChar char="•"/>
+              <a:defRPr sz="1800" kern="1200">
+                <a:solidFill>
+                  <a:schemeClr val="tx1"/>
+                </a:solidFill>
+                <a:latin typeface="+mn-lt"/>
+                <a:ea typeface="+mn-ea"/>
+                <a:cs typeface="+mn-cs"/>
+              </a:defRPr>
+            </a:lvl4pPr>
+            <a:lvl5pPr marL="2057400" indent="-228600" algn="l" defTabSz="914400" rtl="0" eaLnBrk="1" latinLnBrk="0" hangingPunct="1">
+              <a:lnSpc>
+                <a:spcPct val="90000"/>
+              </a:lnSpc>
+              <a:spcBef>
+                <a:spcPts val="500"/>
+              </a:spcBef>
+              <a:buFont typeface="Arial" panose="020B0604020202020204" pitchFamily="34" charset="0"/>
+              <a:buChar char="•"/>
+              <a:defRPr sz="1800" kern="1200">
+                <a:solidFill>
+                  <a:schemeClr val="tx1"/>
+                </a:solidFill>
+                <a:latin typeface="+mn-lt"/>
+                <a:ea typeface="+mn-ea"/>
+                <a:cs typeface="+mn-cs"/>
+              </a:defRPr>
+            </a:lvl5pPr>
+            <a:lvl6pPr marL="2514600" indent="-228600" algn="l" defTabSz="914400" rtl="0" eaLnBrk="1" latinLnBrk="0" hangingPunct="1">
+              <a:lnSpc>
+                <a:spcPct val="90000"/>
+              </a:lnSpc>
+              <a:spcBef>
+                <a:spcPts val="500"/>
+              </a:spcBef>
+              <a:buFont typeface="Arial" panose="020B0604020202020204" pitchFamily="34" charset="0"/>
+              <a:buChar char="•"/>
+              <a:defRPr sz="1800" kern="1200">
+                <a:solidFill>
+                  <a:schemeClr val="tx1"/>
+                </a:solidFill>
+                <a:latin typeface="+mn-lt"/>
+                <a:ea typeface="+mn-ea"/>
+                <a:cs typeface="+mn-cs"/>
+              </a:defRPr>
+            </a:lvl6pPr>
+            <a:lvl7pPr marL="2971800" indent="-228600" algn="l" defTabSz="914400" rtl="0" eaLnBrk="1" latinLnBrk="0" hangingPunct="1">
+              <a:lnSpc>
+                <a:spcPct val="90000"/>
+              </a:lnSpc>
+              <a:spcBef>
+                <a:spcPts val="500"/>
+              </a:spcBef>
+              <a:buFont typeface="Arial" panose="020B0604020202020204" pitchFamily="34" charset="0"/>
+              <a:buChar char="•"/>
+              <a:defRPr sz="1800" kern="1200">
+                <a:solidFill>
+                  <a:schemeClr val="tx1"/>
+                </a:solidFill>
+                <a:latin typeface="+mn-lt"/>
+                <a:ea typeface="+mn-ea"/>
+                <a:cs typeface="+mn-cs"/>
+              </a:defRPr>
+            </a:lvl7pPr>
+            <a:lvl8pPr marL="3429000" indent="-228600" algn="l" defTabSz="914400" rtl="0" eaLnBrk="1" latinLnBrk="0" hangingPunct="1">
+              <a:lnSpc>
+                <a:spcPct val="90000"/>
+              </a:lnSpc>
+              <a:spcBef>
+                <a:spcPts val="500"/>
+              </a:spcBef>
+              <a:buFont typeface="Arial" panose="020B0604020202020204" pitchFamily="34" charset="0"/>
+              <a:buChar char="•"/>
+              <a:defRPr sz="1800" kern="1200">
+                <a:solidFill>
+                  <a:schemeClr val="tx1"/>
+                </a:solidFill>
+                <a:latin typeface="+mn-lt"/>
+                <a:ea typeface="+mn-ea"/>
+                <a:cs typeface="+mn-cs"/>
+              </a:defRPr>
+            </a:lvl8pPr>
+            <a:lvl9pPr marL="3886200" indent="-228600" algn="l" defTabSz="914400" rtl="0" eaLnBrk="1" latinLnBrk="0" hangingPunct="1">
+              <a:lnSpc>
+                <a:spcPct val="90000"/>
+              </a:lnSpc>
+              <a:spcBef>
+                <a:spcPts val="500"/>
+              </a:spcBef>
+              <a:buFont typeface="Arial" panose="020B0604020202020204" pitchFamily="34" charset="0"/>
+              <a:buChar char="•"/>
+              <a:defRPr sz="1800" kern="1200">
+                <a:solidFill>
+                  <a:schemeClr val="tx1"/>
+                </a:solidFill>
+                <a:latin typeface="+mn-lt"/>
+                <a:ea typeface="+mn-ea"/>
+                <a:cs typeface="+mn-cs"/>
+              </a:defRPr>
+            </a:lvl9pPr>
+          </a:lstStyle>
+          <a:p>
+            <a:r>
+              <a:rPr lang="en-US" dirty="0" err="1" smtClean="0"/>
+              <a:t>Niveli</a:t>
+            </a:r>
+            <a:r>
+              <a:rPr lang="en-US" dirty="0" smtClean="0"/>
+              <a:t> </a:t>
+            </a:r>
+            <a:r>
+              <a:rPr lang="en-US" dirty="0" err="1" smtClean="0"/>
+              <a:t>më</a:t>
+            </a:r>
+            <a:r>
+              <a:rPr lang="en-US" dirty="0" smtClean="0"/>
+              <a:t> I </a:t>
+            </a:r>
+            <a:r>
+              <a:rPr lang="en-US" dirty="0" err="1" smtClean="0"/>
+              <a:t>lartë</a:t>
+            </a:r>
+            <a:r>
+              <a:rPr lang="en-US" dirty="0" smtClean="0"/>
+              <a:t> </a:t>
+            </a:r>
+            <a:r>
+              <a:rPr lang="en-US" dirty="0" err="1" smtClean="0"/>
+              <a:t>arsimor</a:t>
+            </a:r>
+            <a:r>
+              <a:rPr lang="en-US" dirty="0" smtClean="0"/>
+              <a:t> I </a:t>
+            </a:r>
+            <a:r>
+              <a:rPr lang="en-US" dirty="0" err="1" smtClean="0"/>
+              <a:t>arritur</a:t>
+            </a:r>
+            <a:r>
+              <a:rPr lang="en-US" dirty="0" smtClean="0"/>
+              <a:t> </a:t>
+            </a:r>
+            <a:r>
+              <a:rPr lang="en-US" dirty="0" err="1" smtClean="0"/>
+              <a:t>sipas</a:t>
+            </a:r>
+            <a:r>
+              <a:rPr lang="en-US" dirty="0" smtClean="0"/>
+              <a:t> </a:t>
+            </a:r>
+            <a:r>
+              <a:rPr lang="en-US" dirty="0" err="1" smtClean="0"/>
+              <a:t>grupmoshave</a:t>
+            </a:r>
+            <a:endParaRPr lang="en-US" dirty="0"/>
+          </a:p>
+        </p:txBody>
+      </p:sp>
+    </p:spTree>
+    <p:extLst>
+      <p:ext uri="{BB962C8B-B14F-4D97-AF65-F5344CB8AC3E}">
+        <p14:creationId xmlns:p14="http://schemas.microsoft.com/office/powerpoint/2010/main" val="827709834"/>
+      </p:ext>
+    </p:extLst>
+  </p:cSld>
+  <p:clrMapOvr>
+    <a:masterClrMapping/>
+  </p:clrMapOvr>
+  <p:timing>
+    <p:tnLst>
+      <p:par>
+        <p:cTn id="1" dur="indefinite" restart="never" nodeType="tmRoot"/>
+      </p:par>
+    </p:tnLst>
+  </p:timing>
+</p:sld>
+</file>
+
+<file path=ppt/slides/slide13.xml><?xml version="1.0" encoding="utf-8"?>
+<p:sld xmlns:a="http://schemas.openxmlformats.org/drawingml/2006/main" xmlns:r="http://schemas.openxmlformats.org/officeDocument/2006/relationships" xmlns:p="http://schemas.openxmlformats.org/presentationml/2006/main">
+  <p:cSld>
+    <p:spTree>
+      <p:nvGrpSpPr>
+        <p:cNvPr id="1" name=""/>
+        <p:cNvGrpSpPr/>
+        <p:nvPr/>
+      </p:nvGrpSpPr>
+      <p:grpSpPr>
+        <a:xfrm>
+          <a:off x="0" y="0"/>
+          <a:ext cx="0" cy="0"/>
+          <a:chOff x="0" y="0"/>
+          <a:chExt cx="0" cy="0"/>
+        </a:xfrm>
+      </p:grpSpPr>
+      <p:sp>
+        <p:nvSpPr>
+          <p:cNvPr id="2" name="Title 1"/>
+          <p:cNvSpPr>
+            <a:spLocks noGrp="1"/>
+          </p:cNvSpPr>
+          <p:nvPr>
+            <p:ph type="title"/>
+          </p:nvPr>
+        </p:nvSpPr>
+        <p:spPr/>
+        <p:txBody>
+          <a:bodyPr/>
+          <a:lstStyle/>
+          <a:p>
+            <a:endParaRPr lang="en-US"/>
+          </a:p>
+        </p:txBody>
+      </p:sp>
+      <p:sp>
+        <p:nvSpPr>
+          <p:cNvPr id="3" name="Content Placeholder 2"/>
+          <p:cNvSpPr>
+            <a:spLocks noGrp="1"/>
+          </p:cNvSpPr>
+          <p:nvPr>
+            <p:ph idx="1"/>
+          </p:nvPr>
+        </p:nvSpPr>
+        <p:spPr/>
+        <p:txBody>
+          <a:bodyPr/>
+          <a:lstStyle/>
+          <a:p>
+            <a:r>
+              <a:rPr lang="en-US" dirty="0" err="1" smtClean="0"/>
+              <a:t>Tabela</a:t>
+            </a:r>
+            <a:r>
+              <a:rPr lang="en-US" dirty="0" smtClean="0"/>
+              <a:t> </a:t>
+            </a:r>
+            <a:r>
+              <a:rPr lang="en-US" dirty="0" err="1" smtClean="0"/>
+              <a:t>pasardhëse</a:t>
+            </a:r>
+            <a:r>
+              <a:rPr lang="en-US" dirty="0" smtClean="0"/>
+              <a:t> </a:t>
+            </a:r>
+            <a:r>
+              <a:rPr lang="en-US" dirty="0" err="1" smtClean="0"/>
+              <a:t>pasqyron</a:t>
+            </a:r>
+            <a:r>
+              <a:rPr lang="en-US" dirty="0" smtClean="0"/>
+              <a:t> </a:t>
+            </a:r>
+            <a:r>
+              <a:rPr lang="en-US" dirty="0" err="1" smtClean="0"/>
+              <a:t>nivelin</a:t>
+            </a:r>
+            <a:r>
+              <a:rPr lang="en-US" dirty="0" smtClean="0"/>
+              <a:t> </a:t>
+            </a:r>
+            <a:r>
+              <a:rPr lang="en-US" dirty="0" err="1" smtClean="0"/>
+              <a:t>më</a:t>
+            </a:r>
+            <a:r>
+              <a:rPr lang="en-US" dirty="0" smtClean="0"/>
+              <a:t> </a:t>
+            </a:r>
+            <a:r>
+              <a:rPr lang="en-US" dirty="0" err="1" smtClean="0"/>
+              <a:t>të</a:t>
+            </a:r>
+            <a:r>
+              <a:rPr lang="en-US" dirty="0" smtClean="0"/>
+              <a:t> </a:t>
+            </a:r>
+            <a:r>
+              <a:rPr lang="en-US" dirty="0" err="1" smtClean="0"/>
+              <a:t>lartë</a:t>
+            </a:r>
+            <a:r>
+              <a:rPr lang="en-US" dirty="0" smtClean="0"/>
+              <a:t> </a:t>
+            </a:r>
+            <a:r>
+              <a:rPr lang="en-US" dirty="0" err="1" smtClean="0"/>
+              <a:t>të</a:t>
+            </a:r>
+            <a:r>
+              <a:rPr lang="en-US" dirty="0" smtClean="0"/>
+              <a:t> </a:t>
+            </a:r>
+            <a:r>
+              <a:rPr lang="en-US" dirty="0" err="1" smtClean="0"/>
+              <a:t>arritur</a:t>
+            </a:r>
+            <a:r>
+              <a:rPr lang="en-US" dirty="0" smtClean="0"/>
+              <a:t> </a:t>
+            </a:r>
+            <a:r>
+              <a:rPr lang="en-US" dirty="0" err="1" smtClean="0"/>
+              <a:t>sipas</a:t>
+            </a:r>
+            <a:r>
+              <a:rPr lang="en-US" dirty="0" smtClean="0"/>
+              <a:t> </a:t>
+            </a:r>
+            <a:r>
+              <a:rPr lang="en-US" dirty="0" err="1" smtClean="0"/>
+              <a:t>çdo</a:t>
+            </a:r>
+            <a:r>
+              <a:rPr lang="en-US" dirty="0" smtClean="0"/>
+              <a:t> </a:t>
+            </a:r>
+            <a:r>
+              <a:rPr lang="en-US" dirty="0" err="1" smtClean="0"/>
+              <a:t>grupmoshe</a:t>
+            </a:r>
+            <a:r>
+              <a:rPr lang="en-US" dirty="0" smtClean="0"/>
+              <a:t>.</a:t>
+            </a:r>
+          </a:p>
+          <a:p>
+            <a:r>
+              <a:rPr lang="en-US" dirty="0" err="1" smtClean="0"/>
+              <a:t>Për</a:t>
+            </a:r>
+            <a:r>
+              <a:rPr lang="en-US" dirty="0" smtClean="0"/>
+              <a:t> </a:t>
+            </a:r>
+            <a:r>
+              <a:rPr lang="en-US" dirty="0" err="1" smtClean="0"/>
+              <a:t>grupmoshat</a:t>
+            </a:r>
+            <a:r>
+              <a:rPr lang="en-US" dirty="0" smtClean="0"/>
+              <a:t> </a:t>
+            </a:r>
+            <a:r>
+              <a:rPr lang="en-US" dirty="0" err="1" smtClean="0"/>
+              <a:t>deri</a:t>
+            </a:r>
+            <a:r>
+              <a:rPr lang="en-US" dirty="0" smtClean="0"/>
+              <a:t> ne 24 </a:t>
+            </a:r>
+            <a:r>
+              <a:rPr lang="en-US" dirty="0" err="1" smtClean="0"/>
+              <a:t>vjeç</a:t>
+            </a:r>
+            <a:r>
+              <a:rPr lang="en-US" dirty="0" smtClean="0"/>
+              <a:t> </a:t>
+            </a:r>
+            <a:r>
+              <a:rPr lang="en-US" dirty="0" err="1" smtClean="0"/>
+              <a:t>nuk</a:t>
+            </a:r>
+            <a:r>
+              <a:rPr lang="en-US" dirty="0" smtClean="0"/>
+              <a:t> </a:t>
+            </a:r>
+            <a:r>
+              <a:rPr lang="en-US" dirty="0" err="1" smtClean="0"/>
+              <a:t>mund</a:t>
+            </a:r>
+            <a:r>
+              <a:rPr lang="en-US" dirty="0" smtClean="0"/>
+              <a:t> </a:t>
+            </a:r>
+            <a:r>
+              <a:rPr lang="en-US" dirty="0" err="1" smtClean="0"/>
+              <a:t>të</a:t>
+            </a:r>
+            <a:r>
+              <a:rPr lang="en-US" dirty="0" smtClean="0"/>
+              <a:t> </a:t>
+            </a:r>
+            <a:r>
+              <a:rPr lang="en-US" dirty="0" err="1" smtClean="0"/>
+              <a:t>nxjerrim</a:t>
+            </a:r>
+            <a:r>
+              <a:rPr lang="en-US" dirty="0" smtClean="0"/>
+              <a:t> </a:t>
+            </a:r>
+            <a:r>
+              <a:rPr lang="en-US" dirty="0" err="1" smtClean="0"/>
+              <a:t>konkluzione</a:t>
+            </a:r>
+            <a:r>
+              <a:rPr lang="en-US" dirty="0"/>
+              <a:t> </a:t>
+            </a:r>
+            <a:r>
+              <a:rPr lang="en-US" dirty="0" err="1" smtClean="0"/>
+              <a:t>të</a:t>
+            </a:r>
+            <a:r>
+              <a:rPr lang="en-US" dirty="0" smtClean="0"/>
+              <a:t> </a:t>
+            </a:r>
+            <a:r>
+              <a:rPr lang="en-US" dirty="0" err="1" smtClean="0"/>
+              <a:t>sakta</a:t>
+            </a:r>
+            <a:r>
+              <a:rPr lang="en-US" dirty="0" smtClean="0"/>
+              <a:t>, </a:t>
+            </a:r>
+            <a:r>
+              <a:rPr lang="en-US" dirty="0" err="1" smtClean="0"/>
+              <a:t>pasi</a:t>
+            </a:r>
+            <a:r>
+              <a:rPr lang="en-US" dirty="0" smtClean="0"/>
+              <a:t> </a:t>
+            </a:r>
+            <a:r>
+              <a:rPr lang="en-US" dirty="0" err="1" smtClean="0"/>
+              <a:t>kjo</a:t>
+            </a:r>
+            <a:r>
+              <a:rPr lang="en-US" dirty="0" smtClean="0"/>
+              <a:t> </a:t>
+            </a:r>
+            <a:r>
+              <a:rPr lang="en-US" dirty="0" err="1" smtClean="0"/>
+              <a:t>grupmoshë</a:t>
+            </a:r>
+            <a:r>
+              <a:rPr lang="en-US" dirty="0" smtClean="0"/>
+              <a:t> </a:t>
+            </a:r>
+            <a:r>
+              <a:rPr lang="en-US" dirty="0" err="1" smtClean="0"/>
+              <a:t>përgjithësisht</a:t>
+            </a:r>
+            <a:r>
+              <a:rPr lang="en-US" dirty="0" smtClean="0"/>
+              <a:t> </a:t>
+            </a:r>
+            <a:r>
+              <a:rPr lang="en-US" dirty="0" err="1" smtClean="0"/>
+              <a:t>është</a:t>
+            </a:r>
+            <a:r>
+              <a:rPr lang="en-US" dirty="0" smtClean="0"/>
+              <a:t> </a:t>
+            </a:r>
+            <a:r>
+              <a:rPr lang="en-US" dirty="0" err="1" smtClean="0"/>
+              <a:t>ende</a:t>
+            </a:r>
+            <a:r>
+              <a:rPr lang="en-US" dirty="0" smtClean="0"/>
+              <a:t> </a:t>
+            </a:r>
+            <a:r>
+              <a:rPr lang="en-US" dirty="0" err="1" smtClean="0"/>
+              <a:t>në</a:t>
+            </a:r>
+            <a:r>
+              <a:rPr lang="en-US" dirty="0" smtClean="0"/>
+              <a:t> </a:t>
+            </a:r>
+            <a:r>
+              <a:rPr lang="en-US" dirty="0" err="1" smtClean="0"/>
+              <a:t>proçes</a:t>
+            </a:r>
+            <a:r>
+              <a:rPr lang="en-US" dirty="0" smtClean="0"/>
+              <a:t> </a:t>
+            </a:r>
+            <a:r>
+              <a:rPr lang="en-US" dirty="0" err="1" smtClean="0"/>
+              <a:t>edukativ</a:t>
+            </a:r>
+            <a:r>
+              <a:rPr lang="en-US" dirty="0" smtClean="0"/>
+              <a:t>.</a:t>
+            </a:r>
+          </a:p>
+          <a:p>
+            <a:r>
+              <a:rPr lang="en-US" dirty="0" err="1" smtClean="0"/>
+              <a:t>Për</a:t>
+            </a:r>
+            <a:r>
+              <a:rPr lang="en-US" dirty="0" smtClean="0"/>
+              <a:t> </a:t>
+            </a:r>
+            <a:r>
+              <a:rPr lang="en-US" dirty="0" err="1" smtClean="0"/>
+              <a:t>grupmoshat</a:t>
+            </a:r>
+            <a:r>
+              <a:rPr lang="en-US" dirty="0" smtClean="0"/>
+              <a:t> e </a:t>
+            </a:r>
+            <a:r>
+              <a:rPr lang="en-US" dirty="0" err="1" smtClean="0"/>
+              <a:t>tjera</a:t>
+            </a:r>
+            <a:r>
+              <a:rPr lang="en-US" dirty="0" smtClean="0"/>
+              <a:t>, </a:t>
+            </a:r>
+            <a:r>
+              <a:rPr lang="en-US" dirty="0" err="1" smtClean="0"/>
+              <a:t>një</a:t>
+            </a:r>
+            <a:r>
+              <a:rPr lang="en-US" dirty="0" smtClean="0"/>
+              <a:t> </a:t>
+            </a:r>
+            <a:r>
+              <a:rPr lang="en-US" dirty="0" err="1" smtClean="0"/>
+              <a:t>përfundim</a:t>
+            </a:r>
+            <a:r>
+              <a:rPr lang="en-US" dirty="0" smtClean="0"/>
+              <a:t> </a:t>
+            </a:r>
+            <a:r>
+              <a:rPr lang="en-US" dirty="0" err="1" smtClean="0"/>
+              <a:t>interesant</a:t>
+            </a:r>
+            <a:r>
+              <a:rPr lang="en-US" dirty="0" smtClean="0"/>
+              <a:t> </a:t>
+            </a:r>
+            <a:r>
+              <a:rPr lang="en-US" dirty="0" err="1" smtClean="0"/>
+              <a:t>është</a:t>
+            </a:r>
+            <a:r>
+              <a:rPr lang="en-US" dirty="0" smtClean="0"/>
+              <a:t> </a:t>
+            </a:r>
+            <a:r>
+              <a:rPr lang="en-US" dirty="0" err="1" smtClean="0"/>
+              <a:t>numri</a:t>
+            </a:r>
+            <a:r>
+              <a:rPr lang="en-US" dirty="0" smtClean="0"/>
+              <a:t> I </a:t>
+            </a:r>
+            <a:r>
+              <a:rPr lang="en-US" dirty="0" err="1" smtClean="0"/>
+              <a:t>atyre</a:t>
+            </a:r>
+            <a:r>
+              <a:rPr lang="en-US" dirty="0" smtClean="0"/>
+              <a:t> </a:t>
+            </a:r>
+            <a:r>
+              <a:rPr lang="en-US" dirty="0" err="1" smtClean="0"/>
+              <a:t>që</a:t>
+            </a:r>
+            <a:r>
+              <a:rPr lang="en-US" dirty="0" smtClean="0"/>
+              <a:t> </a:t>
+            </a:r>
+            <a:r>
+              <a:rPr lang="en-US" dirty="0" err="1" smtClean="0"/>
+              <a:t>kanë</a:t>
+            </a:r>
+            <a:r>
+              <a:rPr lang="en-US" dirty="0" smtClean="0"/>
+              <a:t> </a:t>
+            </a:r>
+            <a:r>
+              <a:rPr lang="en-US" dirty="0" err="1" smtClean="0"/>
+              <a:t>kryer</a:t>
+            </a:r>
+            <a:r>
+              <a:rPr lang="en-US" dirty="0" smtClean="0"/>
+              <a:t> </a:t>
+            </a:r>
+            <a:r>
+              <a:rPr lang="en-US" dirty="0" err="1" smtClean="0"/>
+              <a:t>studime</a:t>
+            </a:r>
+            <a:r>
+              <a:rPr lang="en-US" dirty="0" smtClean="0"/>
+              <a:t> </a:t>
+            </a:r>
+            <a:r>
+              <a:rPr lang="en-US" dirty="0" err="1" smtClean="0"/>
+              <a:t>të</a:t>
+            </a:r>
+            <a:r>
+              <a:rPr lang="en-US" dirty="0" smtClean="0"/>
+              <a:t> </a:t>
+            </a:r>
+            <a:r>
+              <a:rPr lang="en-US" dirty="0" err="1" smtClean="0"/>
+              <a:t>larta</a:t>
+            </a:r>
+            <a:r>
+              <a:rPr lang="en-US" dirty="0" smtClean="0"/>
+              <a:t> </a:t>
+            </a:r>
+            <a:r>
+              <a:rPr lang="en-US" dirty="0" err="1" smtClean="0"/>
+              <a:t>të</a:t>
+            </a:r>
+            <a:r>
+              <a:rPr lang="en-US" dirty="0" smtClean="0"/>
+              <a:t> </a:t>
+            </a:r>
+            <a:r>
+              <a:rPr lang="en-US" dirty="0" err="1" smtClean="0"/>
+              <a:t>nivelit</a:t>
+            </a:r>
+            <a:r>
+              <a:rPr lang="en-US" dirty="0" smtClean="0"/>
+              <a:t> </a:t>
+            </a:r>
+            <a:r>
+              <a:rPr lang="en-US" dirty="0" err="1" smtClean="0"/>
+              <a:t>të</a:t>
+            </a:r>
+            <a:r>
+              <a:rPr lang="en-US" dirty="0" smtClean="0"/>
+              <a:t> </a:t>
+            </a:r>
+            <a:r>
+              <a:rPr lang="en-US" dirty="0" err="1" smtClean="0"/>
+              <a:t>dytë</a:t>
+            </a:r>
+            <a:r>
+              <a:rPr lang="en-US" dirty="0" smtClean="0"/>
+              <a:t>. </a:t>
+            </a:r>
+            <a:r>
+              <a:rPr lang="en-US" dirty="0" err="1" smtClean="0"/>
+              <a:t>Vërejmë</a:t>
+            </a:r>
+            <a:r>
+              <a:rPr lang="en-US" dirty="0" smtClean="0"/>
+              <a:t> se </a:t>
+            </a:r>
+            <a:r>
+              <a:rPr lang="en-US" dirty="0" err="1" smtClean="0"/>
+              <a:t>ky</a:t>
+            </a:r>
+            <a:r>
+              <a:rPr lang="en-US" dirty="0" smtClean="0"/>
+              <a:t> </a:t>
+            </a:r>
+            <a:r>
+              <a:rPr lang="en-US" dirty="0" err="1" smtClean="0"/>
+              <a:t>numër</a:t>
+            </a:r>
+            <a:r>
+              <a:rPr lang="en-US" dirty="0" smtClean="0"/>
+              <a:t> </a:t>
+            </a:r>
+            <a:r>
+              <a:rPr lang="en-US" dirty="0" err="1" smtClean="0"/>
+              <a:t>është</a:t>
+            </a:r>
+            <a:r>
+              <a:rPr lang="en-US" dirty="0" smtClean="0"/>
+              <a:t> </a:t>
+            </a:r>
+            <a:r>
+              <a:rPr lang="en-US" dirty="0" err="1" smtClean="0"/>
+              <a:t>më</a:t>
+            </a:r>
+            <a:r>
+              <a:rPr lang="en-US" dirty="0" smtClean="0"/>
+              <a:t> I </a:t>
+            </a:r>
+            <a:r>
+              <a:rPr lang="en-US" dirty="0" err="1" smtClean="0"/>
+              <a:t>lartë</a:t>
+            </a:r>
+            <a:r>
+              <a:rPr lang="en-US" dirty="0" smtClean="0"/>
+              <a:t> </a:t>
+            </a:r>
+            <a:r>
+              <a:rPr lang="en-US" dirty="0" err="1" smtClean="0"/>
+              <a:t>për</a:t>
+            </a:r>
+            <a:r>
+              <a:rPr lang="en-US" dirty="0" smtClean="0"/>
+              <a:t> </a:t>
+            </a:r>
+            <a:r>
+              <a:rPr lang="en-US" dirty="0" err="1" smtClean="0"/>
+              <a:t>moshat</a:t>
+            </a:r>
+            <a:r>
+              <a:rPr lang="en-US" dirty="0" smtClean="0"/>
+              <a:t> 30-45 </a:t>
+            </a:r>
+            <a:r>
+              <a:rPr lang="en-US" dirty="0" err="1" smtClean="0"/>
+              <a:t>vjeç</a:t>
+            </a:r>
+            <a:r>
+              <a:rPr lang="en-US" dirty="0" smtClean="0"/>
+              <a:t>.</a:t>
+            </a:r>
+            <a:endParaRPr lang="en-US" dirty="0"/>
+          </a:p>
+        </p:txBody>
+      </p:sp>
+    </p:spTree>
+    <p:extLst>
+      <p:ext uri="{BB962C8B-B14F-4D97-AF65-F5344CB8AC3E}">
+        <p14:creationId xmlns:p14="http://schemas.microsoft.com/office/powerpoint/2010/main" val="163697020"/>
+      </p:ext>
+    </p:extLst>
+  </p:cSld>
+  <p:clrMapOvr>
+    <a:masterClrMapping/>
+  </p:clrMapOvr>
+  <p:timing>
+    <p:tnLst>
+      <p:par>
+        <p:cTn id="1" dur="indefinite" restart="never" nodeType="tmRoot"/>
+      </p:par>
+    </p:tnLst>
+  </p:timing>
+</p:sld>
+</file>
+
+<file path=ppt/slides/slide14.xml><?xml version="1.0" encoding="utf-8"?>
+<p:sld xmlns:a="http://schemas.openxmlformats.org/drawingml/2006/main" xmlns:r="http://schemas.openxmlformats.org/officeDocument/2006/relationships" xmlns:p="http://schemas.openxmlformats.org/presentationml/2006/main">
+  <p:cSld>
+    <p:spTree>
+      <p:nvGrpSpPr>
+        <p:cNvPr id="1" name=""/>
+        <p:cNvGrpSpPr/>
+        <p:nvPr/>
+      </p:nvGrpSpPr>
+      <p:grpSpPr>
+        <a:xfrm>
+          <a:off x="0" y="0"/>
+          <a:ext cx="0" cy="0"/>
+          <a:chOff x="0" y="0"/>
+          <a:chExt cx="0" cy="0"/>
+        </a:xfrm>
+      </p:grpSpPr>
+      <p:sp>
+        <p:nvSpPr>
+          <p:cNvPr id="2" name="Title 1"/>
+          <p:cNvSpPr>
+            <a:spLocks noGrp="1"/>
+          </p:cNvSpPr>
+          <p:nvPr>
+            <p:ph type="title"/>
+          </p:nvPr>
+        </p:nvSpPr>
+        <p:spPr>
+          <a:xfrm>
+            <a:off x="681749" y="269591"/>
+            <a:ext cx="10515600" cy="1325563"/>
+          </a:xfrm>
+        </p:spPr>
+        <p:txBody>
+          <a:bodyPr>
+            <a:normAutofit/>
+          </a:bodyPr>
+          <a:lstStyle/>
+          <a:p>
+            <a:pPr algn="ctr"/>
+            <a:r>
+              <a:rPr lang="en-US" sz="3600" dirty="0" err="1" smtClean="0"/>
+              <a:t>Tregues</a:t>
+            </a:r>
+            <a:r>
+              <a:rPr lang="en-US" sz="3600" dirty="0" smtClean="0"/>
+              <a:t> </a:t>
+            </a:r>
+            <a:r>
+              <a:rPr lang="en-US" sz="3600" dirty="0" err="1" smtClean="0"/>
+              <a:t>mbi</a:t>
+            </a:r>
+            <a:r>
+              <a:rPr lang="en-US" sz="3600" dirty="0" smtClean="0"/>
+              <a:t> </a:t>
+            </a:r>
+            <a:r>
+              <a:rPr lang="en-US" sz="3600" dirty="0" err="1" smtClean="0"/>
+              <a:t>popullatën</a:t>
+            </a:r>
+            <a:r>
+              <a:rPr lang="en-US" sz="3600" dirty="0" smtClean="0"/>
+              <a:t> </a:t>
+            </a:r>
+            <a:r>
+              <a:rPr lang="en-US" sz="3600" dirty="0" err="1" smtClean="0"/>
+              <a:t>që</a:t>
+            </a:r>
+            <a:r>
+              <a:rPr lang="en-US" sz="3600" dirty="0" smtClean="0"/>
+              <a:t> </a:t>
+            </a:r>
+            <a:r>
+              <a:rPr lang="en-US" sz="3600" dirty="0" err="1" smtClean="0"/>
+              <a:t>nuk</a:t>
+            </a:r>
+            <a:r>
+              <a:rPr lang="en-US" sz="3600" dirty="0" smtClean="0"/>
+              <a:t> </a:t>
+            </a:r>
+            <a:r>
+              <a:rPr lang="en-US" sz="3600" dirty="0" err="1" smtClean="0"/>
+              <a:t>dinë</a:t>
+            </a:r>
+            <a:r>
+              <a:rPr lang="en-US" sz="3600" dirty="0" smtClean="0"/>
+              <a:t> </a:t>
+            </a:r>
+            <a:r>
+              <a:rPr lang="en-US" sz="3600" dirty="0" err="1" smtClean="0"/>
+              <a:t>shkrim</a:t>
+            </a:r>
+            <a:r>
+              <a:rPr lang="en-US" sz="3600" dirty="0" smtClean="0"/>
+              <a:t> e </a:t>
+            </a:r>
+            <a:r>
+              <a:rPr lang="en-US" sz="3600" dirty="0" err="1" smtClean="0"/>
+              <a:t>këndim</a:t>
+            </a:r>
+            <a:endParaRPr lang="en-US" sz="3600" dirty="0"/>
+          </a:p>
+        </p:txBody>
+      </p:sp>
+      <p:pic>
+        <p:nvPicPr>
+          <p:cNvPr id="6" name="Content Placeholder 5"/>
+          <p:cNvPicPr>
+            <a:picLocks noGrp="1" noChangeAspect="1"/>
+          </p:cNvPicPr>
+          <p:nvPr>
+            <p:ph idx="1"/>
+          </p:nvPr>
+        </p:nvPicPr>
+        <p:blipFill>
+          <a:blip r:embed="rId2">
+            <a:extLst>
+              <a:ext uri="{28A0092B-C50C-407E-A947-70E740481C1C}">
+                <a14:useLocalDpi xmlns:a14="http://schemas.microsoft.com/office/drawing/2010/main" val="0"/>
+              </a:ext>
+            </a:extLst>
+          </a:blip>
+          <a:stretch>
+            <a:fillRect/>
+          </a:stretch>
+        </p:blipFill>
+        <p:spPr>
+          <a:xfrm>
+            <a:off x="134841" y="1419367"/>
+            <a:ext cx="11812004" cy="5029200"/>
+          </a:xfrm>
+        </p:spPr>
+      </p:pic>
+    </p:spTree>
+    <p:extLst>
+      <p:ext uri="{BB962C8B-B14F-4D97-AF65-F5344CB8AC3E}">
+        <p14:creationId xmlns:p14="http://schemas.microsoft.com/office/powerpoint/2010/main" val="2991860020"/>
+      </p:ext>
+    </p:extLst>
+  </p:cSld>
+  <p:clrMapOvr>
+    <a:masterClrMapping/>
+  </p:clrMapOvr>
+  <p:timing>
+    <p:tnLst>
+      <p:par>
+        <p:cTn id="1" dur="indefinite" restart="never" nodeType="tmRoot"/>
+      </p:par>
+    </p:tnLst>
+  </p:timing>
+</p:sld>
+</file>
+
+<file path=ppt/slides/slide15.xml><?xml version="1.0" encoding="utf-8"?>
+<p:sld xmlns:a="http://schemas.openxmlformats.org/drawingml/2006/main" xmlns:r="http://schemas.openxmlformats.org/officeDocument/2006/relationships" xmlns:p="http://schemas.openxmlformats.org/presentationml/2006/main">
+  <p:cSld>
+    <p:spTree>
+      <p:nvGrpSpPr>
+        <p:cNvPr id="1" name=""/>
+        <p:cNvGrpSpPr/>
+        <p:nvPr/>
+      </p:nvGrpSpPr>
+      <p:grpSpPr>
+        <a:xfrm>
+          <a:off x="0" y="0"/>
+          <a:ext cx="0" cy="0"/>
+          <a:chOff x="0" y="0"/>
+          <a:chExt cx="0" cy="0"/>
+        </a:xfrm>
+      </p:grpSpPr>
+      <p:sp>
+        <p:nvSpPr>
+          <p:cNvPr id="2" name="Title 1"/>
+          <p:cNvSpPr>
+            <a:spLocks noGrp="1"/>
+          </p:cNvSpPr>
+          <p:nvPr>
+            <p:ph type="title"/>
+          </p:nvPr>
+        </p:nvSpPr>
+        <p:spPr/>
+        <p:txBody>
+          <a:bodyPr/>
+          <a:lstStyle/>
+          <a:p>
+            <a:endParaRPr lang="en-US"/>
+          </a:p>
+        </p:txBody>
+      </p:sp>
+      <p:sp>
+        <p:nvSpPr>
+          <p:cNvPr id="3" name="Content Placeholder 2"/>
+          <p:cNvSpPr>
+            <a:spLocks noGrp="1"/>
+          </p:cNvSpPr>
+          <p:nvPr>
+            <p:ph idx="1"/>
+          </p:nvPr>
+        </p:nvSpPr>
+        <p:spPr/>
+        <p:txBody>
+          <a:bodyPr/>
+          <a:lstStyle/>
+          <a:p>
+            <a:r>
+              <a:rPr lang="en-US" dirty="0" err="1" smtClean="0"/>
+              <a:t>Grafiku</a:t>
+            </a:r>
+            <a:r>
+              <a:rPr lang="en-US" dirty="0" smtClean="0"/>
+              <a:t> I </a:t>
+            </a:r>
+            <a:r>
+              <a:rPr lang="en-US" dirty="0" err="1" smtClean="0"/>
+              <a:t>mësipërm</a:t>
+            </a:r>
+            <a:r>
+              <a:rPr lang="en-US" dirty="0" smtClean="0"/>
+              <a:t> </a:t>
+            </a:r>
+            <a:r>
+              <a:rPr lang="en-US" dirty="0" err="1" smtClean="0"/>
+              <a:t>mbi</a:t>
+            </a:r>
+            <a:r>
+              <a:rPr lang="en-US" dirty="0" smtClean="0"/>
+              <a:t> </a:t>
+            </a:r>
+            <a:r>
+              <a:rPr lang="en-US" dirty="0" err="1" smtClean="0"/>
+              <a:t>raportin</a:t>
+            </a:r>
+            <a:r>
+              <a:rPr lang="en-US" dirty="0" smtClean="0"/>
+              <a:t> e </a:t>
+            </a:r>
+            <a:r>
+              <a:rPr lang="en-US" dirty="0" err="1" smtClean="0"/>
+              <a:t>popullsisë</a:t>
+            </a:r>
+            <a:r>
+              <a:rPr lang="en-US" dirty="0" smtClean="0"/>
+              <a:t> </a:t>
+            </a:r>
+            <a:r>
+              <a:rPr lang="en-US" dirty="0" err="1" smtClean="0"/>
+              <a:t>së</a:t>
+            </a:r>
+            <a:r>
+              <a:rPr lang="en-US" dirty="0" smtClean="0"/>
+              <a:t> </a:t>
+            </a:r>
+            <a:r>
+              <a:rPr lang="en-US" dirty="0" err="1" smtClean="0"/>
+              <a:t>shkolluar</a:t>
+            </a:r>
+            <a:r>
+              <a:rPr lang="en-US" dirty="0" smtClean="0"/>
+              <a:t> </a:t>
+            </a:r>
+            <a:r>
+              <a:rPr lang="en-US" dirty="0" err="1" smtClean="0"/>
+              <a:t>dhe</a:t>
+            </a:r>
+            <a:r>
+              <a:rPr lang="en-US" dirty="0" smtClean="0"/>
+              <a:t> </a:t>
+            </a:r>
+            <a:r>
+              <a:rPr lang="en-US" dirty="0" err="1" smtClean="0"/>
+              <a:t>asaj</a:t>
+            </a:r>
+            <a:r>
+              <a:rPr lang="en-US" dirty="0" smtClean="0"/>
+              <a:t> </a:t>
+            </a:r>
+            <a:r>
+              <a:rPr lang="en-US" dirty="0" err="1" smtClean="0"/>
+              <a:t>të</a:t>
+            </a:r>
+            <a:r>
+              <a:rPr lang="en-US" dirty="0" smtClean="0"/>
+              <a:t> </a:t>
+            </a:r>
+            <a:r>
+              <a:rPr lang="en-US" dirty="0" err="1" smtClean="0"/>
+              <a:t>pashkolluar</a:t>
+            </a:r>
+            <a:r>
+              <a:rPr lang="en-US" dirty="0" smtClean="0"/>
+              <a:t> </a:t>
+            </a:r>
+            <a:r>
+              <a:rPr lang="en-US" dirty="0" err="1" smtClean="0"/>
+              <a:t>vë</a:t>
+            </a:r>
+            <a:r>
+              <a:rPr lang="en-US" dirty="0" smtClean="0"/>
+              <a:t> </a:t>
+            </a:r>
+            <a:r>
+              <a:rPr lang="en-US" dirty="0" err="1" smtClean="0"/>
+              <a:t>në</a:t>
+            </a:r>
+            <a:r>
+              <a:rPr lang="en-US" dirty="0" smtClean="0"/>
+              <a:t> </a:t>
+            </a:r>
+            <a:r>
+              <a:rPr lang="en-US" dirty="0" err="1" smtClean="0"/>
+              <a:t>dukje</a:t>
+            </a:r>
+            <a:r>
+              <a:rPr lang="en-US" dirty="0" smtClean="0"/>
+              <a:t> </a:t>
+            </a:r>
+            <a:r>
+              <a:rPr lang="en-US" dirty="0" err="1" smtClean="0"/>
+              <a:t>diferencën</a:t>
+            </a:r>
+            <a:r>
+              <a:rPr lang="en-US" dirty="0" smtClean="0"/>
+              <a:t> e </a:t>
+            </a:r>
+            <a:r>
+              <a:rPr lang="en-US" dirty="0" err="1" smtClean="0"/>
+              <a:t>madhe</a:t>
+            </a:r>
+            <a:r>
+              <a:rPr lang="en-US" dirty="0" smtClean="0"/>
+              <a:t> midis </a:t>
+            </a:r>
+            <a:r>
+              <a:rPr lang="en-US" dirty="0" err="1" smtClean="0"/>
+              <a:t>këtyre</a:t>
+            </a:r>
+            <a:r>
+              <a:rPr lang="en-US" dirty="0" smtClean="0"/>
+              <a:t> </a:t>
+            </a:r>
+            <a:r>
+              <a:rPr lang="en-US" dirty="0" err="1" smtClean="0"/>
+              <a:t>dy</a:t>
+            </a:r>
+            <a:r>
+              <a:rPr lang="en-US" dirty="0" smtClean="0"/>
+              <a:t> </a:t>
+            </a:r>
+            <a:r>
+              <a:rPr lang="en-US" dirty="0" err="1" smtClean="0"/>
+              <a:t>kategorive</a:t>
+            </a:r>
+            <a:r>
+              <a:rPr lang="en-US" dirty="0" smtClean="0"/>
+              <a:t>. </a:t>
+            </a:r>
+          </a:p>
+          <a:p>
+            <a:r>
+              <a:rPr lang="en-US" dirty="0" err="1" smtClean="0"/>
+              <a:t>Vëmë</a:t>
+            </a:r>
+            <a:r>
+              <a:rPr lang="en-US" dirty="0" smtClean="0"/>
+              <a:t> re </a:t>
+            </a:r>
+            <a:r>
+              <a:rPr lang="en-US" dirty="0" err="1" smtClean="0"/>
+              <a:t>një</a:t>
+            </a:r>
+            <a:r>
+              <a:rPr lang="en-US" dirty="0" smtClean="0"/>
+              <a:t> </a:t>
+            </a:r>
+            <a:r>
+              <a:rPr lang="en-US" dirty="0" err="1" smtClean="0"/>
+              <a:t>ngritje</a:t>
+            </a:r>
+            <a:r>
+              <a:rPr lang="en-US" dirty="0" smtClean="0"/>
+              <a:t> </a:t>
+            </a:r>
+            <a:r>
+              <a:rPr lang="en-US" dirty="0" err="1" smtClean="0"/>
+              <a:t>të</a:t>
+            </a:r>
+            <a:r>
+              <a:rPr lang="en-US" dirty="0" smtClean="0"/>
+              <a:t> </a:t>
+            </a:r>
+            <a:r>
+              <a:rPr lang="en-US" dirty="0" err="1" smtClean="0"/>
+              <a:t>grafikut</a:t>
+            </a:r>
+            <a:r>
+              <a:rPr lang="en-US" dirty="0" smtClean="0"/>
+              <a:t> </a:t>
+            </a:r>
+            <a:r>
+              <a:rPr lang="en-US" dirty="0" err="1" smtClean="0"/>
+              <a:t>të</a:t>
+            </a:r>
+            <a:r>
+              <a:rPr lang="en-US" dirty="0" smtClean="0"/>
+              <a:t> </a:t>
+            </a:r>
+            <a:r>
+              <a:rPr lang="en-US" dirty="0" err="1" smtClean="0"/>
+              <a:t>analfabetizmit</a:t>
+            </a:r>
+            <a:r>
+              <a:rPr lang="en-US" dirty="0" smtClean="0"/>
+              <a:t> </a:t>
+            </a:r>
+            <a:r>
+              <a:rPr lang="en-US" dirty="0" err="1" smtClean="0"/>
+              <a:t>në</a:t>
+            </a:r>
+            <a:r>
+              <a:rPr lang="en-US" dirty="0" smtClean="0"/>
+              <a:t> </a:t>
+            </a:r>
+            <a:r>
+              <a:rPr lang="en-US" dirty="0" err="1" smtClean="0"/>
+              <a:t>moshat</a:t>
+            </a:r>
+            <a:r>
+              <a:rPr lang="en-US" dirty="0" smtClean="0"/>
+              <a:t> 70-80 </a:t>
+            </a:r>
+            <a:r>
+              <a:rPr lang="en-US" dirty="0" err="1" smtClean="0"/>
+              <a:t>vjeç</a:t>
+            </a:r>
+            <a:r>
+              <a:rPr lang="en-US" dirty="0" smtClean="0"/>
+              <a:t>.</a:t>
+            </a:r>
+            <a:endParaRPr lang="en-US" dirty="0"/>
+          </a:p>
+        </p:txBody>
+      </p:sp>
+    </p:spTree>
+    <p:extLst>
+      <p:ext uri="{BB962C8B-B14F-4D97-AF65-F5344CB8AC3E}">
+        <p14:creationId xmlns:p14="http://schemas.microsoft.com/office/powerpoint/2010/main" val="1031452344"/>
+      </p:ext>
+    </p:extLst>
+  </p:cSld>
+  <p:clrMapOvr>
+    <a:masterClrMapping/>
+  </p:clrMapOvr>
+  <p:timing>
+    <p:tnLst>
+      <p:par>
+        <p:cTn id="1" dur="indefinite" restart="never" nodeType="tmRoot"/>
+      </p:par>
+    </p:tnLst>
+  </p:timing>
+</p:sld>
+</file>
+
+<file path=ppt/slides/slide16.xml><?xml version="1.0" encoding="utf-8"?>
+<p:sld xmlns:a="http://schemas.openxmlformats.org/drawingml/2006/main" xmlns:r="http://schemas.openxmlformats.org/officeDocument/2006/relationships" xmlns:p="http://schemas.openxmlformats.org/presentationml/2006/main">
+  <p:cSld>
+    <p:spTree>
+      <p:nvGrpSpPr>
+        <p:cNvPr id="1" name=""/>
+        <p:cNvGrpSpPr/>
+        <p:nvPr/>
+      </p:nvGrpSpPr>
+      <p:grpSpPr>
+        <a:xfrm>
+          <a:off x="0" y="0"/>
+          <a:ext cx="0" cy="0"/>
+          <a:chOff x="0" y="0"/>
+          <a:chExt cx="0" cy="0"/>
+        </a:xfrm>
+      </p:grpSpPr>
+      <p:sp>
+        <p:nvSpPr>
+          <p:cNvPr id="2" name="Title 1"/>
+          <p:cNvSpPr>
+            <a:spLocks noGrp="1"/>
+          </p:cNvSpPr>
+          <p:nvPr>
+            <p:ph type="title"/>
+          </p:nvPr>
+        </p:nvSpPr>
+        <p:spPr/>
+        <p:txBody>
+          <a:bodyPr/>
+          <a:lstStyle/>
+          <a:p>
+            <a:r>
+              <a:rPr lang="en-US" dirty="0" err="1" smtClean="0"/>
+              <a:t>Popullsia</a:t>
+            </a:r>
+            <a:r>
+              <a:rPr lang="en-US" dirty="0" smtClean="0"/>
+              <a:t> me </a:t>
+            </a:r>
+            <a:r>
+              <a:rPr lang="en-US" dirty="0" err="1" smtClean="0"/>
+              <a:t>aftësi</a:t>
+            </a:r>
+            <a:r>
+              <a:rPr lang="en-US" dirty="0" smtClean="0"/>
+              <a:t> </a:t>
+            </a:r>
+            <a:r>
+              <a:rPr lang="en-US" dirty="0" err="1" smtClean="0"/>
+              <a:t>të</a:t>
+            </a:r>
+            <a:r>
+              <a:rPr lang="en-US" dirty="0" smtClean="0"/>
+              <a:t> </a:t>
+            </a:r>
+            <a:r>
+              <a:rPr lang="en-US" dirty="0" err="1" smtClean="0"/>
+              <a:t>kufizuara</a:t>
+            </a:r>
+            <a:r>
+              <a:rPr lang="en-US" dirty="0" smtClean="0"/>
+              <a:t> </a:t>
+            </a:r>
+            <a:r>
+              <a:rPr lang="en-US" dirty="0" err="1" smtClean="0"/>
+              <a:t>dhe</a:t>
+            </a:r>
+            <a:r>
+              <a:rPr lang="en-US" dirty="0" smtClean="0"/>
+              <a:t> </a:t>
+            </a:r>
+            <a:r>
+              <a:rPr lang="en-US" dirty="0" err="1" smtClean="0"/>
+              <a:t>arsimimi</a:t>
+            </a:r>
+            <a:endParaRPr lang="en-US" dirty="0"/>
+          </a:p>
+        </p:txBody>
+      </p:sp>
+      <p:sp>
+        <p:nvSpPr>
+          <p:cNvPr id="3" name="Content Placeholder 2"/>
+          <p:cNvSpPr>
+            <a:spLocks noGrp="1"/>
+          </p:cNvSpPr>
+          <p:nvPr>
+            <p:ph idx="1"/>
+          </p:nvPr>
+        </p:nvSpPr>
+        <p:spPr/>
+        <p:txBody>
+          <a:bodyPr/>
+          <a:lstStyle/>
+          <a:p>
+            <a:r>
+              <a:rPr lang="en-US" dirty="0" err="1" smtClean="0"/>
+              <a:t>Pjesa</a:t>
+            </a:r>
+            <a:r>
+              <a:rPr lang="en-US" dirty="0" smtClean="0"/>
+              <a:t> e </a:t>
+            </a:r>
+            <a:r>
+              <a:rPr lang="en-US" dirty="0" err="1" smtClean="0"/>
+              <a:t>tretë</a:t>
+            </a:r>
+            <a:r>
+              <a:rPr lang="en-US" dirty="0" smtClean="0"/>
+              <a:t> e </a:t>
+            </a:r>
+            <a:r>
+              <a:rPr lang="en-US" dirty="0" err="1" smtClean="0"/>
+              <a:t>këtij</a:t>
+            </a:r>
+            <a:r>
+              <a:rPr lang="en-US" dirty="0" smtClean="0"/>
+              <a:t> </a:t>
+            </a:r>
+            <a:r>
+              <a:rPr lang="en-US" dirty="0" err="1" smtClean="0"/>
+              <a:t>prezantimi</a:t>
+            </a:r>
+            <a:r>
+              <a:rPr lang="en-US" dirty="0" smtClean="0"/>
+              <a:t> </a:t>
+            </a:r>
+            <a:r>
+              <a:rPr lang="en-US" dirty="0" err="1" smtClean="0"/>
+              <a:t>ka</a:t>
+            </a:r>
+            <a:r>
+              <a:rPr lang="en-US" dirty="0" smtClean="0"/>
+              <a:t> </a:t>
+            </a:r>
+            <a:r>
+              <a:rPr lang="en-US" dirty="0" err="1" smtClean="0"/>
+              <a:t>për</a:t>
+            </a:r>
+            <a:r>
+              <a:rPr lang="en-US" dirty="0" smtClean="0"/>
+              <a:t> </a:t>
+            </a:r>
+            <a:r>
+              <a:rPr lang="en-US" dirty="0" err="1" smtClean="0"/>
+              <a:t>qëllim</a:t>
+            </a:r>
+            <a:r>
+              <a:rPr lang="en-US" dirty="0" smtClean="0"/>
+              <a:t> </a:t>
+            </a:r>
+            <a:r>
+              <a:rPr lang="en-US" dirty="0" err="1" smtClean="0"/>
+              <a:t>të</a:t>
+            </a:r>
+            <a:r>
+              <a:rPr lang="en-US" dirty="0" smtClean="0"/>
+              <a:t> </a:t>
+            </a:r>
+            <a:r>
+              <a:rPr lang="en-US" dirty="0" err="1" smtClean="0"/>
+              <a:t>paraqesë</a:t>
+            </a:r>
+            <a:r>
+              <a:rPr lang="en-US" dirty="0"/>
+              <a:t> </a:t>
+            </a:r>
+            <a:r>
+              <a:rPr lang="en-US" dirty="0" err="1" smtClean="0"/>
+              <a:t>raportin</a:t>
+            </a:r>
+            <a:r>
+              <a:rPr lang="en-US" dirty="0" smtClean="0"/>
+              <a:t> midis </a:t>
+            </a:r>
+            <a:r>
+              <a:rPr lang="en-US" dirty="0" err="1" smtClean="0"/>
+              <a:t>pjesës</a:t>
+            </a:r>
+            <a:r>
+              <a:rPr lang="en-US" dirty="0" smtClean="0"/>
+              <a:t> </a:t>
+            </a:r>
+            <a:r>
+              <a:rPr lang="en-US" dirty="0" err="1" smtClean="0"/>
+              <a:t>së</a:t>
+            </a:r>
+            <a:r>
+              <a:rPr lang="en-US" dirty="0" smtClean="0"/>
+              <a:t> </a:t>
+            </a:r>
+            <a:r>
+              <a:rPr lang="en-US" dirty="0" err="1" smtClean="0"/>
+              <a:t>popullatës</a:t>
+            </a:r>
+            <a:r>
+              <a:rPr lang="en-US" dirty="0" smtClean="0"/>
+              <a:t> me </a:t>
+            </a:r>
+            <a:r>
+              <a:rPr lang="en-US" dirty="0" err="1" smtClean="0"/>
+              <a:t>aftësi</a:t>
+            </a:r>
+            <a:r>
+              <a:rPr lang="en-US" dirty="0" smtClean="0"/>
+              <a:t> </a:t>
+            </a:r>
+            <a:r>
+              <a:rPr lang="en-US" dirty="0" err="1" smtClean="0"/>
+              <a:t>të</a:t>
+            </a:r>
+            <a:r>
+              <a:rPr lang="en-US" dirty="0" smtClean="0"/>
+              <a:t> </a:t>
+            </a:r>
+            <a:r>
+              <a:rPr lang="en-US" dirty="0" err="1" smtClean="0"/>
+              <a:t>kufizuara</a:t>
+            </a:r>
+            <a:r>
+              <a:rPr lang="en-US" dirty="0" smtClean="0"/>
+              <a:t> </a:t>
+            </a:r>
+            <a:r>
+              <a:rPr lang="en-US" dirty="0" err="1" smtClean="0"/>
+              <a:t>dhe</a:t>
+            </a:r>
+            <a:r>
+              <a:rPr lang="en-US" dirty="0" smtClean="0"/>
+              <a:t> </a:t>
+            </a:r>
+            <a:r>
+              <a:rPr lang="en-US" dirty="0" err="1" smtClean="0"/>
+              <a:t>arsimimit</a:t>
+            </a:r>
+            <a:r>
+              <a:rPr lang="en-US" dirty="0" smtClean="0"/>
+              <a:t>.</a:t>
+            </a:r>
+          </a:p>
+          <a:p>
+            <a:r>
+              <a:rPr lang="en-US" dirty="0" err="1" smtClean="0"/>
+              <a:t>Për</a:t>
+            </a:r>
+            <a:r>
+              <a:rPr lang="en-US" dirty="0" smtClean="0"/>
+              <a:t> </a:t>
+            </a:r>
+            <a:r>
+              <a:rPr lang="en-US" dirty="0" err="1" smtClean="0"/>
+              <a:t>arsye</a:t>
+            </a:r>
+            <a:r>
+              <a:rPr lang="en-US" dirty="0" smtClean="0"/>
+              <a:t> </a:t>
+            </a:r>
+            <a:r>
+              <a:rPr lang="en-US" dirty="0" err="1" smtClean="0"/>
+              <a:t>thjeshtësie</a:t>
+            </a:r>
+            <a:r>
+              <a:rPr lang="en-US" dirty="0" smtClean="0"/>
+              <a:t> </a:t>
+            </a:r>
+            <a:r>
+              <a:rPr lang="en-US" dirty="0" err="1" smtClean="0"/>
+              <a:t>dhe</a:t>
+            </a:r>
+            <a:r>
+              <a:rPr lang="en-US" dirty="0"/>
+              <a:t> </a:t>
+            </a:r>
+            <a:r>
+              <a:rPr lang="en-US" dirty="0" err="1" smtClean="0"/>
+              <a:t>për</a:t>
+            </a:r>
+            <a:r>
+              <a:rPr lang="en-US" dirty="0" smtClean="0"/>
+              <a:t> </a:t>
+            </a:r>
+            <a:r>
+              <a:rPr lang="en-US" dirty="0" err="1" smtClean="0"/>
+              <a:t>arsye</a:t>
+            </a:r>
+            <a:r>
+              <a:rPr lang="en-US" dirty="0" smtClean="0"/>
+              <a:t> se </a:t>
+            </a:r>
+            <a:r>
+              <a:rPr lang="en-US" dirty="0" err="1" smtClean="0"/>
+              <a:t>nuk</a:t>
+            </a:r>
+            <a:r>
+              <a:rPr lang="en-US" dirty="0" smtClean="0"/>
+              <a:t> </a:t>
+            </a:r>
+            <a:r>
+              <a:rPr lang="en-US" dirty="0" err="1" smtClean="0"/>
+              <a:t>është</a:t>
+            </a:r>
+            <a:r>
+              <a:rPr lang="en-US" dirty="0" smtClean="0"/>
+              <a:t> </a:t>
+            </a:r>
+            <a:r>
+              <a:rPr lang="en-US" dirty="0" err="1" smtClean="0"/>
+              <a:t>në</a:t>
+            </a:r>
+            <a:r>
+              <a:rPr lang="en-US" dirty="0" smtClean="0"/>
+              <a:t> </a:t>
+            </a:r>
+            <a:r>
+              <a:rPr lang="en-US" dirty="0" err="1" smtClean="0"/>
+              <a:t>fokusin</a:t>
+            </a:r>
+            <a:r>
+              <a:rPr lang="en-US" dirty="0" smtClean="0"/>
+              <a:t> e </a:t>
+            </a:r>
+            <a:r>
+              <a:rPr lang="en-US" dirty="0" err="1" smtClean="0"/>
+              <a:t>këtij</a:t>
+            </a:r>
+            <a:r>
+              <a:rPr lang="en-US" dirty="0" smtClean="0"/>
+              <a:t> </a:t>
+            </a:r>
+            <a:r>
+              <a:rPr lang="en-US" dirty="0" err="1" smtClean="0"/>
+              <a:t>studimi</a:t>
+            </a:r>
+            <a:r>
+              <a:rPr lang="en-US" dirty="0" smtClean="0"/>
+              <a:t>, </a:t>
+            </a:r>
+            <a:r>
+              <a:rPr lang="en-US" dirty="0" err="1" smtClean="0"/>
+              <a:t>njerëz</a:t>
+            </a:r>
+            <a:r>
+              <a:rPr lang="en-US" dirty="0" smtClean="0"/>
+              <a:t> me </a:t>
+            </a:r>
+            <a:r>
+              <a:rPr lang="en-US" dirty="0" err="1" smtClean="0"/>
+              <a:t>aftësi</a:t>
+            </a:r>
+            <a:r>
+              <a:rPr lang="en-US" dirty="0" smtClean="0"/>
+              <a:t> </a:t>
+            </a:r>
+            <a:r>
+              <a:rPr lang="en-US" dirty="0" err="1" smtClean="0"/>
+              <a:t>të</a:t>
+            </a:r>
+            <a:r>
+              <a:rPr lang="en-US" dirty="0" smtClean="0"/>
+              <a:t> </a:t>
+            </a:r>
+            <a:r>
+              <a:rPr lang="en-US" dirty="0" err="1" smtClean="0"/>
+              <a:t>kufizuara</a:t>
+            </a:r>
+            <a:r>
+              <a:rPr lang="en-US" dirty="0" smtClean="0"/>
+              <a:t> do </a:t>
+            </a:r>
+            <a:r>
+              <a:rPr lang="en-US" dirty="0" err="1" smtClean="0"/>
+              <a:t>të</a:t>
+            </a:r>
+            <a:r>
+              <a:rPr lang="en-US" dirty="0" smtClean="0"/>
+              <a:t> </a:t>
+            </a:r>
+            <a:r>
+              <a:rPr lang="en-US" dirty="0" err="1" smtClean="0"/>
+              <a:t>quajmë</a:t>
+            </a:r>
+            <a:r>
+              <a:rPr lang="en-US" dirty="0" smtClean="0"/>
+              <a:t> </a:t>
+            </a:r>
+            <a:r>
+              <a:rPr lang="en-US" dirty="0" err="1" smtClean="0"/>
+              <a:t>bashkësinë</a:t>
+            </a:r>
+            <a:r>
+              <a:rPr lang="en-US" dirty="0" smtClean="0"/>
+              <a:t> e </a:t>
+            </a:r>
+            <a:r>
+              <a:rPr lang="en-US" dirty="0" err="1" smtClean="0"/>
+              <a:t>gjithë</a:t>
+            </a:r>
+            <a:r>
+              <a:rPr lang="en-US" dirty="0" smtClean="0"/>
+              <a:t> </a:t>
+            </a:r>
+            <a:r>
+              <a:rPr lang="en-US" dirty="0" err="1" smtClean="0"/>
+              <a:t>atyre</a:t>
+            </a:r>
+            <a:r>
+              <a:rPr lang="en-US" dirty="0" smtClean="0"/>
+              <a:t> me </a:t>
+            </a:r>
+            <a:r>
+              <a:rPr lang="en-US" dirty="0" err="1" smtClean="0"/>
+              <a:t>kufizime</a:t>
+            </a:r>
+            <a:r>
+              <a:rPr lang="en-US" dirty="0" smtClean="0"/>
+              <a:t> </a:t>
+            </a:r>
+            <a:r>
+              <a:rPr lang="en-US" dirty="0" err="1" smtClean="0"/>
+              <a:t>në</a:t>
+            </a:r>
+            <a:r>
+              <a:rPr lang="en-US" dirty="0" smtClean="0"/>
+              <a:t> </a:t>
+            </a:r>
+            <a:r>
+              <a:rPr lang="en-US" dirty="0" err="1" smtClean="0"/>
+              <a:t>dëgjim</a:t>
+            </a:r>
+            <a:r>
+              <a:rPr lang="en-US" dirty="0" smtClean="0"/>
+              <a:t>, </a:t>
+            </a:r>
+            <a:r>
+              <a:rPr lang="en-US" dirty="0" err="1" smtClean="0"/>
+              <a:t>shikim</a:t>
+            </a:r>
+            <a:r>
+              <a:rPr lang="en-US" dirty="0" smtClean="0"/>
+              <a:t>, </a:t>
+            </a:r>
+            <a:r>
+              <a:rPr lang="en-US" dirty="0" err="1" smtClean="0"/>
+              <a:t>të</a:t>
+            </a:r>
+            <a:r>
+              <a:rPr lang="en-US" dirty="0" smtClean="0"/>
+              <a:t> </a:t>
+            </a:r>
+            <a:r>
+              <a:rPr lang="en-US" dirty="0" err="1" smtClean="0"/>
+              <a:t>folur</a:t>
+            </a:r>
+            <a:r>
+              <a:rPr lang="en-US" dirty="0" smtClean="0"/>
+              <a:t>, </a:t>
+            </a:r>
+            <a:r>
+              <a:rPr lang="en-US" dirty="0" err="1" smtClean="0"/>
+              <a:t>të</a:t>
+            </a:r>
+            <a:r>
+              <a:rPr lang="en-US" dirty="0" smtClean="0"/>
+              <a:t> </a:t>
+            </a:r>
+            <a:r>
+              <a:rPr lang="en-US" dirty="0" err="1" smtClean="0"/>
+              <a:t>levizur</a:t>
+            </a:r>
+            <a:r>
+              <a:rPr lang="en-US" dirty="0" smtClean="0"/>
+              <a:t>, </a:t>
+            </a:r>
+            <a:r>
+              <a:rPr lang="en-US" dirty="0" err="1" smtClean="0"/>
+              <a:t>të</a:t>
+            </a:r>
+            <a:r>
+              <a:rPr lang="en-US" dirty="0" smtClean="0"/>
+              <a:t> </a:t>
+            </a:r>
+            <a:r>
+              <a:rPr lang="en-US" dirty="0" err="1" smtClean="0"/>
+              <a:t>vepruarit</a:t>
+            </a:r>
+            <a:r>
+              <a:rPr lang="en-US" dirty="0" smtClean="0"/>
+              <a:t> </a:t>
+            </a:r>
+            <a:r>
+              <a:rPr lang="en-US" dirty="0" err="1" smtClean="0"/>
+              <a:t>në</a:t>
+            </a:r>
+            <a:r>
+              <a:rPr lang="en-US" dirty="0" smtClean="0"/>
+              <a:t> </a:t>
+            </a:r>
+            <a:r>
+              <a:rPr lang="en-US" dirty="0" err="1" smtClean="0"/>
+              <a:t>mënyrë</a:t>
+            </a:r>
+            <a:r>
+              <a:rPr lang="en-US" dirty="0" smtClean="0"/>
+              <a:t> </a:t>
+            </a:r>
+            <a:r>
+              <a:rPr lang="en-US" dirty="0" err="1" smtClean="0"/>
+              <a:t>të</a:t>
+            </a:r>
+            <a:r>
+              <a:rPr lang="en-US" dirty="0" smtClean="0"/>
+              <a:t> </a:t>
+            </a:r>
+            <a:r>
+              <a:rPr lang="en-US" dirty="0" err="1" smtClean="0"/>
+              <a:t>pavarur</a:t>
+            </a:r>
+            <a:r>
+              <a:rPr lang="en-US" dirty="0" smtClean="0"/>
+              <a:t>. </a:t>
+            </a:r>
+            <a:endParaRPr lang="en-US" dirty="0"/>
+          </a:p>
+        </p:txBody>
+      </p:sp>
+    </p:spTree>
+    <p:extLst>
+      <p:ext uri="{BB962C8B-B14F-4D97-AF65-F5344CB8AC3E}">
+        <p14:creationId xmlns:p14="http://schemas.microsoft.com/office/powerpoint/2010/main" val="2900325599"/>
+      </p:ext>
+    </p:extLst>
+  </p:cSld>
+  <p:clrMapOvr>
+    <a:masterClrMapping/>
+  </p:clrMapOvr>
+  <p:timing>
+    <p:tnLst>
+      <p:par>
+        <p:cTn id="1" dur="indefinite" restart="never" nodeType="tmRoot"/>
+      </p:par>
+    </p:tnLst>
+  </p:timing>
+</p:sld>
+</file>
+
+<file path=ppt/slides/slide17.xml><?xml version="1.0" encoding="utf-8"?>
+<p:sld xmlns:a="http://schemas.openxmlformats.org/drawingml/2006/main" xmlns:r="http://schemas.openxmlformats.org/officeDocument/2006/relationships" xmlns:p="http://schemas.openxmlformats.org/presentationml/2006/main">
+  <p:cSld>
+    <p:spTree>
+      <p:nvGrpSpPr>
+        <p:cNvPr id="1" name=""/>
+        <p:cNvGrpSpPr/>
+        <p:nvPr/>
+      </p:nvGrpSpPr>
+      <p:grpSpPr>
+        <a:xfrm>
+          <a:off x="0" y="0"/>
+          <a:ext cx="0" cy="0"/>
+          <a:chOff x="0" y="0"/>
+          <a:chExt cx="0" cy="0"/>
+        </a:xfrm>
+      </p:grpSpPr>
+      <p:sp>
+        <p:nvSpPr>
+          <p:cNvPr id="3" name="Text Placeholder 2"/>
+          <p:cNvSpPr>
+            <a:spLocks noGrp="1"/>
+          </p:cNvSpPr>
+          <p:nvPr>
+            <p:ph type="body" idx="1"/>
+          </p:nvPr>
+        </p:nvSpPr>
+        <p:spPr>
+          <a:xfrm>
+            <a:off x="31275" y="450926"/>
+            <a:ext cx="6564573" cy="586854"/>
+          </a:xfrm>
+        </p:spPr>
+        <p:txBody>
+          <a:bodyPr>
+            <a:normAutofit/>
+          </a:bodyPr>
+          <a:lstStyle/>
+          <a:p>
+            <a:r>
+              <a:rPr lang="en-US" sz="1800" dirty="0" err="1" smtClean="0"/>
+              <a:t>Majtas</a:t>
+            </a:r>
+            <a:r>
+              <a:rPr lang="en-US" sz="1800" dirty="0" smtClean="0"/>
+              <a:t>: </a:t>
+            </a:r>
+            <a:r>
+              <a:rPr lang="en-US" sz="1800" dirty="0" err="1" smtClean="0"/>
+              <a:t>Raporti</a:t>
+            </a:r>
+            <a:r>
+              <a:rPr lang="en-US" sz="1800" dirty="0" smtClean="0"/>
+              <a:t> F-M I </a:t>
+            </a:r>
+            <a:r>
+              <a:rPr lang="en-US" sz="1800" dirty="0" err="1" smtClean="0"/>
+              <a:t>njerëzve</a:t>
+            </a:r>
+            <a:r>
+              <a:rPr lang="en-US" sz="1800" dirty="0" smtClean="0"/>
+              <a:t> me </a:t>
+            </a:r>
+            <a:r>
+              <a:rPr lang="en-US" sz="1800" dirty="0" err="1" smtClean="0"/>
+              <a:t>kufizime</a:t>
+            </a:r>
+            <a:r>
+              <a:rPr lang="en-US" sz="1800" dirty="0" smtClean="0"/>
+              <a:t> </a:t>
+            </a:r>
+            <a:r>
+              <a:rPr lang="en-US" sz="1800" dirty="0" err="1" smtClean="0"/>
+              <a:t>që</a:t>
+            </a:r>
+            <a:r>
+              <a:rPr lang="en-US" sz="1800" dirty="0" smtClean="0"/>
+              <a:t> </a:t>
+            </a:r>
+            <a:r>
+              <a:rPr lang="en-US" sz="1800" dirty="0" err="1" smtClean="0"/>
+              <a:t>nuk</a:t>
+            </a:r>
+            <a:r>
+              <a:rPr lang="en-US" sz="1800" dirty="0" smtClean="0"/>
+              <a:t> </a:t>
+            </a:r>
+            <a:r>
+              <a:rPr lang="en-US" sz="1800" dirty="0" err="1" smtClean="0"/>
+              <a:t>ndjekin</a:t>
+            </a:r>
+            <a:r>
+              <a:rPr lang="en-US" sz="1800" dirty="0" smtClean="0"/>
+              <a:t> </a:t>
+            </a:r>
+            <a:r>
+              <a:rPr lang="en-US" sz="1800" dirty="0" err="1" smtClean="0"/>
+              <a:t>shkollën</a:t>
+            </a:r>
+            <a:endParaRPr lang="en-US" sz="1800" dirty="0"/>
+          </a:p>
+        </p:txBody>
+      </p:sp>
+      <p:pic>
+        <p:nvPicPr>
+          <p:cNvPr id="7" name="Content Placeholder 6"/>
+          <p:cNvPicPr>
+            <a:picLocks noGrp="1" noChangeAspect="1"/>
+          </p:cNvPicPr>
+          <p:nvPr>
+            <p:ph sz="half" idx="2"/>
+          </p:nvPr>
+        </p:nvPicPr>
+        <p:blipFill>
+          <a:blip r:embed="rId2">
+            <a:extLst>
+              <a:ext uri="{28A0092B-C50C-407E-A947-70E740481C1C}">
+                <a14:useLocalDpi xmlns:a14="http://schemas.microsoft.com/office/drawing/2010/main" val="0"/>
+              </a:ext>
+            </a:extLst>
+          </a:blip>
+          <a:stretch>
+            <a:fillRect/>
+          </a:stretch>
+        </p:blipFill>
+        <p:spPr>
+          <a:xfrm>
+            <a:off x="0" y="2273648"/>
+            <a:ext cx="12078269" cy="4515026"/>
+          </a:xfrm>
+        </p:spPr>
+      </p:pic>
+      <p:sp>
+        <p:nvSpPr>
+          <p:cNvPr id="5" name="Text Placeholder 4"/>
+          <p:cNvSpPr>
+            <a:spLocks noGrp="1"/>
+          </p:cNvSpPr>
+          <p:nvPr>
+            <p:ph type="body" sz="quarter" idx="3"/>
+          </p:nvPr>
+        </p:nvSpPr>
+        <p:spPr>
+          <a:xfrm>
+            <a:off x="31275" y="1243758"/>
+            <a:ext cx="6956379" cy="823912"/>
+          </a:xfrm>
+        </p:spPr>
+        <p:txBody>
+          <a:bodyPr>
+            <a:normAutofit/>
+          </a:bodyPr>
+          <a:lstStyle/>
+          <a:p>
+            <a:r>
+              <a:rPr lang="en-US" sz="1800" dirty="0" err="1" smtClean="0"/>
+              <a:t>Poshtë</a:t>
+            </a:r>
+            <a:r>
+              <a:rPr lang="en-US" sz="1800" dirty="0" smtClean="0"/>
+              <a:t>: </a:t>
+            </a:r>
+            <a:r>
+              <a:rPr lang="en-US" sz="1800" dirty="0" err="1" smtClean="0"/>
+              <a:t>Raporti</a:t>
+            </a:r>
+            <a:r>
+              <a:rPr lang="en-US" sz="1800" dirty="0" smtClean="0"/>
+              <a:t> I </a:t>
+            </a:r>
+            <a:r>
+              <a:rPr lang="en-US" sz="1800" dirty="0" err="1" smtClean="0"/>
+              <a:t>njerëzve</a:t>
+            </a:r>
+            <a:r>
+              <a:rPr lang="en-US" sz="1800" dirty="0" smtClean="0"/>
+              <a:t> me </a:t>
+            </a:r>
+            <a:r>
+              <a:rPr lang="en-US" sz="1800" dirty="0" err="1" smtClean="0"/>
+              <a:t>kufizime</a:t>
+            </a:r>
+            <a:r>
+              <a:rPr lang="en-US" sz="1800" dirty="0" smtClean="0"/>
+              <a:t> </a:t>
+            </a:r>
+            <a:r>
+              <a:rPr lang="en-US" sz="1800" dirty="0" err="1" smtClean="0"/>
+              <a:t>dhe</a:t>
+            </a:r>
+            <a:r>
+              <a:rPr lang="en-US" sz="1800" dirty="0" smtClean="0"/>
+              <a:t> I </a:t>
+            </a:r>
+            <a:r>
+              <a:rPr lang="en-US" sz="1800" dirty="0" err="1" smtClean="0"/>
+              <a:t>arsimit</a:t>
+            </a:r>
+            <a:r>
+              <a:rPr lang="en-US" sz="1800" dirty="0" smtClean="0"/>
+              <a:t> </a:t>
+            </a:r>
+            <a:r>
+              <a:rPr lang="en-US" sz="1800" dirty="0" err="1" smtClean="0"/>
+              <a:t>sipas</a:t>
+            </a:r>
+            <a:r>
+              <a:rPr lang="en-US" sz="1800" dirty="0" smtClean="0"/>
+              <a:t> </a:t>
+            </a:r>
+            <a:r>
+              <a:rPr lang="en-US" sz="1800" dirty="0" err="1" smtClean="0"/>
+              <a:t>grupmoshave</a:t>
+            </a:r>
+            <a:endParaRPr lang="en-US" sz="1800" dirty="0"/>
+          </a:p>
+        </p:txBody>
+      </p:sp>
+      <p:pic>
+        <p:nvPicPr>
+          <p:cNvPr id="8" name="Content Placeholder 7"/>
+          <p:cNvPicPr>
+            <a:picLocks noGrp="1" noChangeAspect="1"/>
+          </p:cNvPicPr>
+          <p:nvPr>
+            <p:ph sz="quarter" idx="4"/>
+          </p:nvPr>
+        </p:nvPicPr>
+        <p:blipFill>
+          <a:blip r:embed="rId3">
+            <a:extLst>
+              <a:ext uri="{28A0092B-C50C-407E-A947-70E740481C1C}">
+                <a14:useLocalDpi xmlns:a14="http://schemas.microsoft.com/office/drawing/2010/main" val="0"/>
+              </a:ext>
+            </a:extLst>
+          </a:blip>
+          <a:stretch>
+            <a:fillRect/>
+          </a:stretch>
+        </p:blipFill>
+        <p:spPr>
+          <a:xfrm>
+            <a:off x="7405047" y="0"/>
+            <a:ext cx="4786953" cy="2273648"/>
+          </a:xfrm>
+        </p:spPr>
+      </p:pic>
+    </p:spTree>
+    <p:extLst>
+      <p:ext uri="{BB962C8B-B14F-4D97-AF65-F5344CB8AC3E}">
+        <p14:creationId xmlns:p14="http://schemas.microsoft.com/office/powerpoint/2010/main" val="4074338271"/>
+      </p:ext>
+    </p:extLst>
+  </p:cSld>
+  <p:clrMapOvr>
+    <a:masterClrMapping/>
+  </p:clrMapOvr>
+  <p:timing>
+    <p:tnLst>
+      <p:par>
+        <p:cTn id="1" dur="indefinite" restart="never" nodeType="tmRoot"/>
+      </p:par>
+    </p:tnLst>
+  </p:timing>
+</p:sld>
+</file>
+
+<file path=ppt/slides/slide18.xml><?xml version="1.0" encoding="utf-8"?>
+<p:sld xmlns:a="http://schemas.openxmlformats.org/drawingml/2006/main" xmlns:r="http://schemas.openxmlformats.org/officeDocument/2006/relationships" xmlns:p="http://schemas.openxmlformats.org/presentationml/2006/main">
+  <p:cSld>
+    <p:spTree>
+      <p:nvGrpSpPr>
+        <p:cNvPr id="1" name=""/>
+        <p:cNvGrpSpPr/>
+        <p:nvPr/>
+      </p:nvGrpSpPr>
+      <p:grpSpPr>
+        <a:xfrm>
+          <a:off x="0" y="0"/>
+          <a:ext cx="0" cy="0"/>
+          <a:chOff x="0" y="0"/>
+          <a:chExt cx="0" cy="0"/>
+        </a:xfrm>
+      </p:grpSpPr>
+      <p:sp>
+        <p:nvSpPr>
+          <p:cNvPr id="2" name="Title 1"/>
+          <p:cNvSpPr>
+            <a:spLocks noGrp="1"/>
+          </p:cNvSpPr>
+          <p:nvPr>
+            <p:ph type="title"/>
+          </p:nvPr>
+        </p:nvSpPr>
+        <p:spPr/>
+        <p:txBody>
+          <a:bodyPr/>
+          <a:lstStyle/>
+          <a:p>
+            <a:endParaRPr lang="en-US"/>
+          </a:p>
+        </p:txBody>
+      </p:sp>
+      <p:sp>
+        <p:nvSpPr>
+          <p:cNvPr id="3" name="Content Placeholder 2"/>
+          <p:cNvSpPr>
+            <a:spLocks noGrp="1"/>
+          </p:cNvSpPr>
+          <p:nvPr>
+            <p:ph idx="1"/>
+          </p:nvPr>
+        </p:nvSpPr>
+        <p:spPr/>
+        <p:txBody>
+          <a:bodyPr>
+            <a:normAutofit fontScale="85000" lnSpcReduction="20000"/>
+          </a:bodyPr>
+          <a:lstStyle/>
+          <a:p>
+            <a:r>
+              <a:rPr lang="en-US" dirty="0" smtClean="0"/>
+              <a:t>Nga </a:t>
+            </a:r>
+            <a:r>
+              <a:rPr lang="en-US" dirty="0" err="1" smtClean="0"/>
+              <a:t>çfarë</a:t>
+            </a:r>
+            <a:r>
+              <a:rPr lang="en-US" dirty="0" smtClean="0"/>
+              <a:t> </a:t>
+            </a:r>
+            <a:r>
+              <a:rPr lang="en-US" dirty="0" err="1" smtClean="0"/>
+              <a:t>paraqitet</a:t>
+            </a:r>
+            <a:r>
+              <a:rPr lang="en-US" dirty="0" smtClean="0"/>
+              <a:t> </a:t>
+            </a:r>
+            <a:r>
+              <a:rPr lang="en-US" dirty="0" err="1" smtClean="0"/>
+              <a:t>më</a:t>
+            </a:r>
+            <a:r>
+              <a:rPr lang="en-US" dirty="0" smtClean="0"/>
+              <a:t> </a:t>
+            </a:r>
+            <a:r>
+              <a:rPr lang="en-US" dirty="0" err="1" smtClean="0"/>
+              <a:t>sipër</a:t>
+            </a:r>
+            <a:r>
+              <a:rPr lang="en-US" dirty="0" smtClean="0"/>
+              <a:t> </a:t>
+            </a:r>
+            <a:r>
+              <a:rPr lang="en-US" dirty="0" err="1" smtClean="0"/>
+              <a:t>arrijmë</a:t>
+            </a:r>
+            <a:r>
+              <a:rPr lang="en-US" dirty="0" smtClean="0"/>
+              <a:t> </a:t>
+            </a:r>
+            <a:r>
+              <a:rPr lang="en-US" dirty="0" err="1" smtClean="0"/>
+              <a:t>në</a:t>
+            </a:r>
+            <a:r>
+              <a:rPr lang="en-US" dirty="0" smtClean="0"/>
+              <a:t> </a:t>
+            </a:r>
+            <a:r>
+              <a:rPr lang="en-US" dirty="0" err="1" smtClean="0"/>
+              <a:t>konkluzionin</a:t>
+            </a:r>
+            <a:r>
+              <a:rPr lang="en-US" dirty="0" smtClean="0"/>
+              <a:t> </a:t>
+            </a:r>
+            <a:r>
+              <a:rPr lang="en-US" dirty="0" err="1" smtClean="0"/>
+              <a:t>që</a:t>
+            </a:r>
+            <a:r>
+              <a:rPr lang="en-US" dirty="0" smtClean="0"/>
+              <a:t> sot, </a:t>
+            </a:r>
+            <a:r>
+              <a:rPr lang="en-US" dirty="0" err="1" smtClean="0"/>
+              <a:t>moshat</a:t>
+            </a:r>
+            <a:r>
+              <a:rPr lang="en-US" dirty="0" smtClean="0"/>
+              <a:t> e </a:t>
+            </a:r>
+            <a:r>
+              <a:rPr lang="en-US" dirty="0" err="1" smtClean="0"/>
+              <a:t>reja</a:t>
+            </a:r>
+            <a:r>
+              <a:rPr lang="en-US" dirty="0" smtClean="0"/>
+              <a:t> </a:t>
+            </a:r>
+            <a:r>
+              <a:rPr lang="en-US" dirty="0" err="1" smtClean="0"/>
+              <a:t>po</a:t>
+            </a:r>
+            <a:r>
+              <a:rPr lang="en-US" dirty="0" smtClean="0"/>
+              <a:t> </a:t>
+            </a:r>
+            <a:r>
+              <a:rPr lang="en-US" dirty="0" err="1" smtClean="0"/>
+              <a:t>ndjekin</a:t>
+            </a:r>
+            <a:r>
+              <a:rPr lang="en-US" dirty="0" smtClean="0"/>
+              <a:t> </a:t>
+            </a:r>
+            <a:r>
+              <a:rPr lang="en-US" dirty="0" err="1" smtClean="0"/>
+              <a:t>pak</a:t>
+            </a:r>
+            <a:r>
+              <a:rPr lang="en-US" dirty="0" smtClean="0"/>
+              <a:t> e </a:t>
+            </a:r>
+            <a:r>
+              <a:rPr lang="en-US" dirty="0" err="1" smtClean="0"/>
+              <a:t>më</a:t>
+            </a:r>
+            <a:r>
+              <a:rPr lang="en-US" dirty="0" smtClean="0"/>
+              <a:t> </a:t>
+            </a:r>
+            <a:r>
+              <a:rPr lang="en-US" dirty="0" err="1" smtClean="0"/>
+              <a:t>pak</a:t>
+            </a:r>
+            <a:r>
+              <a:rPr lang="en-US" dirty="0" smtClean="0"/>
+              <a:t> </a:t>
+            </a:r>
+            <a:r>
+              <a:rPr lang="en-US" dirty="0" err="1" smtClean="0"/>
+              <a:t>shkollën</a:t>
+            </a:r>
+            <a:r>
+              <a:rPr lang="en-US" dirty="0" smtClean="0"/>
+              <a:t>, </a:t>
+            </a:r>
+            <a:r>
+              <a:rPr lang="en-US" dirty="0" err="1" smtClean="0"/>
+              <a:t>krahasuar</a:t>
+            </a:r>
+            <a:r>
+              <a:rPr lang="en-US" dirty="0" smtClean="0"/>
+              <a:t> me </a:t>
+            </a:r>
+            <a:r>
+              <a:rPr lang="en-US" dirty="0" err="1" smtClean="0"/>
+              <a:t>moshat</a:t>
+            </a:r>
+            <a:r>
+              <a:rPr lang="en-US" dirty="0" smtClean="0"/>
+              <a:t> </a:t>
+            </a:r>
+            <a:r>
+              <a:rPr lang="en-US" dirty="0" err="1" smtClean="0"/>
+              <a:t>më</a:t>
+            </a:r>
+            <a:r>
+              <a:rPr lang="en-US" dirty="0" smtClean="0"/>
+              <a:t> </a:t>
+            </a:r>
+            <a:r>
+              <a:rPr lang="en-US" dirty="0" err="1" smtClean="0"/>
+              <a:t>të</a:t>
+            </a:r>
+            <a:r>
+              <a:rPr lang="en-US" dirty="0" smtClean="0"/>
+              <a:t> </a:t>
+            </a:r>
+            <a:r>
+              <a:rPr lang="en-US" dirty="0" err="1" smtClean="0"/>
+              <a:t>vjetra</a:t>
+            </a:r>
+            <a:endParaRPr lang="en-US" dirty="0" smtClean="0"/>
+          </a:p>
+          <a:p>
+            <a:r>
+              <a:rPr lang="en-US" dirty="0" err="1" smtClean="0"/>
+              <a:t>Vija</a:t>
+            </a:r>
+            <a:r>
+              <a:rPr lang="en-US" dirty="0" smtClean="0"/>
+              <a:t> e jo </a:t>
+            </a:r>
+            <a:r>
+              <a:rPr lang="en-US" dirty="0" err="1" smtClean="0"/>
+              <a:t>të</a:t>
+            </a:r>
+            <a:r>
+              <a:rPr lang="en-US" dirty="0" smtClean="0"/>
+              <a:t> </a:t>
+            </a:r>
+            <a:r>
+              <a:rPr lang="en-US" dirty="0" err="1" smtClean="0"/>
+              <a:t>arsimuarve</a:t>
+            </a:r>
+            <a:r>
+              <a:rPr lang="en-US" dirty="0" smtClean="0"/>
+              <a:t> </a:t>
+            </a:r>
+            <a:r>
+              <a:rPr lang="en-US" dirty="0" err="1" smtClean="0"/>
+              <a:t>për</a:t>
+            </a:r>
+            <a:r>
+              <a:rPr lang="en-US" dirty="0" smtClean="0"/>
+              <a:t> </a:t>
+            </a:r>
+            <a:r>
+              <a:rPr lang="en-US" dirty="0" err="1" smtClean="0"/>
+              <a:t>moshat</a:t>
+            </a:r>
+            <a:r>
+              <a:rPr lang="en-US" dirty="0" smtClean="0"/>
+              <a:t> 20-24, 36-39 </a:t>
+            </a:r>
+            <a:r>
+              <a:rPr lang="en-US" dirty="0" err="1" smtClean="0"/>
+              <a:t>dhe</a:t>
+            </a:r>
+            <a:r>
+              <a:rPr lang="en-US" dirty="0" smtClean="0"/>
+              <a:t> 70-74 </a:t>
+            </a:r>
+            <a:r>
+              <a:rPr lang="en-US" dirty="0" err="1" smtClean="0"/>
+              <a:t>përbën</a:t>
+            </a:r>
+            <a:r>
+              <a:rPr lang="en-US" dirty="0" smtClean="0"/>
+              <a:t> </a:t>
+            </a:r>
+            <a:r>
+              <a:rPr lang="en-US" dirty="0" err="1" smtClean="0"/>
+              <a:t>interes</a:t>
+            </a:r>
+            <a:r>
+              <a:rPr lang="en-US" dirty="0" smtClean="0"/>
+              <a:t> </a:t>
+            </a:r>
+            <a:r>
+              <a:rPr lang="en-US" dirty="0" err="1" smtClean="0"/>
+              <a:t>për</a:t>
+            </a:r>
+            <a:r>
+              <a:rPr lang="en-US" dirty="0" smtClean="0"/>
+              <a:t> </a:t>
+            </a:r>
+            <a:r>
+              <a:rPr lang="en-US" dirty="0" err="1" smtClean="0"/>
+              <a:t>këtë</a:t>
+            </a:r>
+            <a:r>
+              <a:rPr lang="en-US" dirty="0" smtClean="0"/>
+              <a:t> </a:t>
+            </a:r>
+            <a:r>
+              <a:rPr lang="en-US" dirty="0" err="1" smtClean="0"/>
+              <a:t>studim</a:t>
+            </a:r>
+            <a:r>
+              <a:rPr lang="en-US" dirty="0" smtClean="0"/>
+              <a:t>, </a:t>
+            </a:r>
+            <a:r>
+              <a:rPr lang="en-US" dirty="0" err="1" smtClean="0"/>
+              <a:t>për</a:t>
+            </a:r>
+            <a:r>
+              <a:rPr lang="en-US" dirty="0" smtClean="0"/>
+              <a:t> </a:t>
+            </a:r>
+            <a:r>
+              <a:rPr lang="en-US" dirty="0" err="1" smtClean="0"/>
+              <a:t>faktin</a:t>
+            </a:r>
+            <a:r>
+              <a:rPr lang="en-US" dirty="0" smtClean="0"/>
+              <a:t> se </a:t>
+            </a:r>
+            <a:r>
+              <a:rPr lang="en-US" dirty="0" err="1" smtClean="0"/>
+              <a:t>nuk</a:t>
+            </a:r>
+            <a:r>
+              <a:rPr lang="en-US" dirty="0" smtClean="0"/>
+              <a:t> </a:t>
+            </a:r>
+            <a:r>
+              <a:rPr lang="en-US" dirty="0" err="1" smtClean="0"/>
+              <a:t>është</a:t>
+            </a:r>
+            <a:r>
+              <a:rPr lang="en-US" dirty="0" smtClean="0"/>
+              <a:t> e </a:t>
+            </a:r>
+            <a:r>
+              <a:rPr lang="en-US" dirty="0" err="1" smtClean="0"/>
+              <a:t>vazhdueshme</a:t>
+            </a:r>
+            <a:r>
+              <a:rPr lang="en-US" dirty="0" smtClean="0"/>
+              <a:t> </a:t>
+            </a:r>
+            <a:r>
+              <a:rPr lang="en-US" dirty="0" err="1" smtClean="0"/>
+              <a:t>ashtu</a:t>
+            </a:r>
+            <a:r>
+              <a:rPr lang="en-US" dirty="0" smtClean="0"/>
+              <a:t> </a:t>
+            </a:r>
+            <a:r>
+              <a:rPr lang="en-US" dirty="0" err="1" smtClean="0"/>
+              <a:t>siç</a:t>
+            </a:r>
+            <a:r>
+              <a:rPr lang="en-US" dirty="0" smtClean="0"/>
+              <a:t> </a:t>
+            </a:r>
+            <a:r>
+              <a:rPr lang="en-US" dirty="0" err="1" smtClean="0"/>
+              <a:t>pritej</a:t>
+            </a:r>
+            <a:r>
+              <a:rPr lang="en-US" dirty="0" smtClean="0"/>
+              <a:t>. </a:t>
+            </a:r>
+          </a:p>
+          <a:p>
+            <a:r>
+              <a:rPr lang="en-US" dirty="0" err="1" smtClean="0"/>
+              <a:t>Në</a:t>
+            </a:r>
+            <a:r>
+              <a:rPr lang="en-US" dirty="0" smtClean="0"/>
+              <a:t> </a:t>
+            </a:r>
+            <a:r>
+              <a:rPr lang="en-US" dirty="0" err="1" smtClean="0"/>
+              <a:t>rastin</a:t>
+            </a:r>
+            <a:r>
+              <a:rPr lang="en-US" dirty="0" smtClean="0"/>
+              <a:t> e </a:t>
+            </a:r>
+            <a:r>
+              <a:rPr lang="en-US" dirty="0" err="1" smtClean="0"/>
+              <a:t>moshës</a:t>
+            </a:r>
+            <a:r>
+              <a:rPr lang="en-US" dirty="0" smtClean="0"/>
+              <a:t> 20-24 </a:t>
+            </a:r>
+            <a:r>
+              <a:rPr lang="en-US" dirty="0" err="1" smtClean="0"/>
+              <a:t>numri</a:t>
+            </a:r>
+            <a:r>
+              <a:rPr lang="en-US" dirty="0" smtClean="0"/>
+              <a:t> I </a:t>
+            </a:r>
+            <a:r>
+              <a:rPr lang="en-US" dirty="0" err="1" smtClean="0"/>
+              <a:t>të</a:t>
+            </a:r>
+            <a:r>
+              <a:rPr lang="en-US" dirty="0" smtClean="0"/>
+              <a:t> </a:t>
+            </a:r>
+            <a:r>
+              <a:rPr lang="en-US" dirty="0" err="1" smtClean="0"/>
+              <a:t>shkolluarve</a:t>
+            </a:r>
+            <a:r>
+              <a:rPr lang="en-US" dirty="0" smtClean="0"/>
+              <a:t> </a:t>
+            </a:r>
+            <a:r>
+              <a:rPr lang="en-US" dirty="0" err="1" smtClean="0"/>
+              <a:t>dhe</a:t>
+            </a:r>
+            <a:r>
+              <a:rPr lang="en-US" dirty="0" smtClean="0"/>
+              <a:t> </a:t>
+            </a:r>
+            <a:r>
+              <a:rPr lang="en-US" dirty="0" err="1" smtClean="0"/>
+              <a:t>atyre</a:t>
+            </a:r>
+            <a:r>
+              <a:rPr lang="en-US" dirty="0" smtClean="0"/>
+              <a:t> jo </a:t>
+            </a:r>
+            <a:r>
+              <a:rPr lang="en-US" dirty="0" err="1" smtClean="0"/>
+              <a:t>të</a:t>
+            </a:r>
+            <a:r>
+              <a:rPr lang="en-US" dirty="0" smtClean="0"/>
+              <a:t> </a:t>
+            </a:r>
+            <a:r>
+              <a:rPr lang="en-US" dirty="0" err="1" smtClean="0"/>
+              <a:t>shkolluar</a:t>
+            </a:r>
+            <a:r>
+              <a:rPr lang="en-US" dirty="0" smtClean="0"/>
+              <a:t> </a:t>
+            </a:r>
+            <a:r>
+              <a:rPr lang="en-US" dirty="0" err="1" smtClean="0"/>
+              <a:t>është</a:t>
+            </a:r>
+            <a:r>
+              <a:rPr lang="en-US" dirty="0" smtClean="0"/>
+              <a:t> I </a:t>
+            </a:r>
+            <a:r>
+              <a:rPr lang="en-US" dirty="0" err="1" smtClean="0"/>
+              <a:t>njëjte</a:t>
+            </a:r>
+            <a:r>
+              <a:rPr lang="en-US" dirty="0" smtClean="0"/>
+              <a:t>, </a:t>
+            </a:r>
+            <a:r>
+              <a:rPr lang="en-US" dirty="0" err="1" smtClean="0"/>
+              <a:t>në</a:t>
+            </a:r>
+            <a:r>
+              <a:rPr lang="en-US" dirty="0" smtClean="0"/>
+              <a:t> </a:t>
+            </a:r>
+            <a:r>
+              <a:rPr lang="en-US" dirty="0" err="1" smtClean="0"/>
+              <a:t>kundershitm</a:t>
+            </a:r>
+            <a:r>
+              <a:rPr lang="en-US" dirty="0" smtClean="0"/>
+              <a:t> me </a:t>
+            </a:r>
+            <a:r>
+              <a:rPr lang="en-US" dirty="0" err="1" smtClean="0"/>
+              <a:t>pjesën</a:t>
+            </a:r>
+            <a:r>
+              <a:rPr lang="en-US" dirty="0" smtClean="0"/>
+              <a:t> </a:t>
+            </a:r>
+            <a:r>
+              <a:rPr lang="en-US" dirty="0" err="1" smtClean="0"/>
+              <a:t>tjetër</a:t>
+            </a:r>
+            <a:r>
+              <a:rPr lang="en-US" dirty="0" smtClean="0"/>
+              <a:t> </a:t>
+            </a:r>
+            <a:r>
+              <a:rPr lang="en-US" dirty="0" err="1" smtClean="0"/>
+              <a:t>të</a:t>
+            </a:r>
+            <a:r>
+              <a:rPr lang="en-US" dirty="0" smtClean="0"/>
+              <a:t> </a:t>
+            </a:r>
+            <a:r>
+              <a:rPr lang="en-US" dirty="0" err="1" smtClean="0"/>
+              <a:t>grafikut</a:t>
+            </a:r>
+            <a:r>
+              <a:rPr lang="en-US" dirty="0" smtClean="0"/>
+              <a:t>. </a:t>
+            </a:r>
+            <a:r>
+              <a:rPr lang="en-US" dirty="0" err="1" smtClean="0"/>
+              <a:t>Përkthimi</a:t>
+            </a:r>
+            <a:r>
+              <a:rPr lang="en-US" dirty="0" smtClean="0"/>
+              <a:t> I </a:t>
+            </a:r>
+            <a:r>
+              <a:rPr lang="en-US" dirty="0" err="1" smtClean="0"/>
+              <a:t>këtij</a:t>
+            </a:r>
+            <a:r>
+              <a:rPr lang="en-US" dirty="0" smtClean="0"/>
+              <a:t> </a:t>
+            </a:r>
+            <a:r>
+              <a:rPr lang="en-US" dirty="0" err="1" smtClean="0"/>
+              <a:t>fenomeni</a:t>
+            </a:r>
+            <a:r>
+              <a:rPr lang="en-US" dirty="0" smtClean="0"/>
+              <a:t> </a:t>
+            </a:r>
+            <a:r>
+              <a:rPr lang="en-US" dirty="0" err="1" smtClean="0"/>
+              <a:t>është</a:t>
+            </a:r>
+            <a:r>
+              <a:rPr lang="en-US" dirty="0" smtClean="0"/>
+              <a:t>  se </a:t>
+            </a:r>
+            <a:r>
+              <a:rPr lang="en-US" dirty="0" err="1" smtClean="0"/>
+              <a:t>ndaj</a:t>
+            </a:r>
+            <a:r>
+              <a:rPr lang="en-US" dirty="0" smtClean="0"/>
+              <a:t> </a:t>
+            </a:r>
+            <a:r>
+              <a:rPr lang="en-US" dirty="0" err="1" smtClean="0"/>
+              <a:t>brezit</a:t>
+            </a:r>
+            <a:r>
+              <a:rPr lang="en-US" dirty="0" smtClean="0"/>
+              <a:t> </a:t>
+            </a:r>
+            <a:r>
+              <a:rPr lang="en-US" dirty="0" err="1" smtClean="0"/>
+              <a:t>të</a:t>
+            </a:r>
+            <a:r>
+              <a:rPr lang="en-US" dirty="0" smtClean="0"/>
+              <a:t> </a:t>
+            </a:r>
+            <a:r>
+              <a:rPr lang="en-US" dirty="0" err="1" smtClean="0"/>
+              <a:t>fëmijëve</a:t>
+            </a:r>
+            <a:r>
+              <a:rPr lang="en-US" dirty="0" smtClean="0"/>
+              <a:t> me </a:t>
+            </a:r>
+            <a:r>
+              <a:rPr lang="en-US" dirty="0" err="1" smtClean="0"/>
+              <a:t>kufizime</a:t>
+            </a:r>
+            <a:r>
+              <a:rPr lang="en-US" dirty="0" smtClean="0"/>
+              <a:t> </a:t>
+            </a:r>
+            <a:r>
+              <a:rPr lang="en-US" dirty="0" err="1" smtClean="0"/>
+              <a:t>të</a:t>
+            </a:r>
+            <a:r>
+              <a:rPr lang="en-US" dirty="0" smtClean="0"/>
+              <a:t> </a:t>
+            </a:r>
+            <a:r>
+              <a:rPr lang="en-US" dirty="0" err="1" smtClean="0"/>
+              <a:t>lindur</a:t>
+            </a:r>
+            <a:r>
+              <a:rPr lang="en-US" dirty="0" smtClean="0"/>
+              <a:t> </a:t>
+            </a:r>
+            <a:r>
+              <a:rPr lang="en-US" dirty="0" err="1" smtClean="0"/>
+              <a:t>gjatë</a:t>
+            </a:r>
+            <a:r>
+              <a:rPr lang="en-US" dirty="0" smtClean="0"/>
+              <a:t> </a:t>
+            </a:r>
+            <a:r>
+              <a:rPr lang="en-US" dirty="0" err="1" smtClean="0"/>
+              <a:t>tranzicionit</a:t>
+            </a:r>
+            <a:r>
+              <a:rPr lang="en-US" dirty="0" smtClean="0"/>
+              <a:t> </a:t>
+            </a:r>
+            <a:r>
+              <a:rPr lang="en-US" dirty="0" err="1" smtClean="0"/>
+              <a:t>politik</a:t>
+            </a:r>
+            <a:r>
+              <a:rPr lang="en-US" dirty="0" smtClean="0"/>
+              <a:t> </a:t>
+            </a:r>
+            <a:r>
+              <a:rPr lang="en-US" dirty="0" err="1" smtClean="0"/>
+              <a:t>është</a:t>
+            </a:r>
+            <a:r>
+              <a:rPr lang="en-US" dirty="0" smtClean="0"/>
+              <a:t> </a:t>
+            </a:r>
+            <a:r>
+              <a:rPr lang="en-US" dirty="0" err="1" smtClean="0"/>
+              <a:t>treguar</a:t>
+            </a:r>
+            <a:r>
+              <a:rPr lang="en-US" dirty="0" smtClean="0"/>
+              <a:t> </a:t>
+            </a:r>
+            <a:r>
+              <a:rPr lang="en-US" dirty="0" err="1" smtClean="0"/>
+              <a:t>më</a:t>
+            </a:r>
+            <a:r>
+              <a:rPr lang="en-US" dirty="0" smtClean="0"/>
+              <a:t> </a:t>
+            </a:r>
+            <a:r>
+              <a:rPr lang="en-US" dirty="0" err="1" smtClean="0"/>
+              <a:t>pak</a:t>
+            </a:r>
+            <a:r>
+              <a:rPr lang="en-US" dirty="0" smtClean="0"/>
+              <a:t> </a:t>
+            </a:r>
+            <a:r>
+              <a:rPr lang="en-US" dirty="0" err="1" smtClean="0"/>
+              <a:t>kujdes</a:t>
+            </a:r>
+            <a:r>
+              <a:rPr lang="en-US" dirty="0" smtClean="0"/>
+              <a:t>.</a:t>
+            </a:r>
+          </a:p>
+          <a:p>
+            <a:r>
+              <a:rPr lang="en-US" dirty="0" err="1" smtClean="0"/>
+              <a:t>Në</a:t>
+            </a:r>
+            <a:r>
+              <a:rPr lang="en-US" dirty="0" smtClean="0"/>
+              <a:t> </a:t>
+            </a:r>
+            <a:r>
+              <a:rPr lang="en-US" dirty="0" err="1" smtClean="0"/>
+              <a:t>rastin</a:t>
+            </a:r>
+            <a:r>
+              <a:rPr lang="en-US" dirty="0" smtClean="0"/>
+              <a:t> e </a:t>
+            </a:r>
+            <a:r>
+              <a:rPr lang="en-US" dirty="0" err="1" smtClean="0"/>
+              <a:t>moshave</a:t>
+            </a:r>
+            <a:r>
+              <a:rPr lang="en-US" dirty="0" smtClean="0"/>
+              <a:t> 30 </a:t>
+            </a:r>
+            <a:r>
+              <a:rPr lang="en-US" dirty="0" err="1" smtClean="0"/>
+              <a:t>deri</a:t>
+            </a:r>
+            <a:r>
+              <a:rPr lang="en-US" dirty="0" smtClean="0"/>
+              <a:t> 70 </a:t>
+            </a:r>
+            <a:r>
+              <a:rPr lang="en-US" dirty="0" err="1" smtClean="0"/>
+              <a:t>shohim</a:t>
+            </a:r>
+            <a:r>
+              <a:rPr lang="en-US" dirty="0" smtClean="0"/>
+              <a:t> se </a:t>
+            </a:r>
+            <a:r>
+              <a:rPr lang="en-US" dirty="0" err="1" smtClean="0"/>
+              <a:t>numri</a:t>
+            </a:r>
+            <a:r>
+              <a:rPr lang="en-US" dirty="0" smtClean="0"/>
+              <a:t> I </a:t>
+            </a:r>
+            <a:r>
+              <a:rPr lang="en-US" dirty="0" err="1" smtClean="0"/>
+              <a:t>atyre</a:t>
+            </a:r>
+            <a:r>
+              <a:rPr lang="en-US" dirty="0" smtClean="0"/>
+              <a:t> </a:t>
+            </a:r>
+            <a:r>
+              <a:rPr lang="en-US" dirty="0" err="1" smtClean="0"/>
+              <a:t>të</a:t>
+            </a:r>
+            <a:r>
+              <a:rPr lang="en-US" dirty="0" smtClean="0"/>
+              <a:t> </a:t>
+            </a:r>
+            <a:r>
+              <a:rPr lang="en-US" dirty="0" err="1" smtClean="0"/>
+              <a:t>arsimuar</a:t>
+            </a:r>
+            <a:r>
+              <a:rPr lang="en-US" dirty="0" smtClean="0"/>
+              <a:t> </a:t>
+            </a:r>
+            <a:r>
+              <a:rPr lang="en-US" dirty="0" err="1" smtClean="0"/>
+              <a:t>është</a:t>
+            </a:r>
+            <a:r>
+              <a:rPr lang="en-US" dirty="0" smtClean="0"/>
+              <a:t> </a:t>
+            </a:r>
+            <a:r>
+              <a:rPr lang="en-US" dirty="0" err="1" smtClean="0"/>
+              <a:t>ndjeshëm</a:t>
+            </a:r>
+            <a:r>
+              <a:rPr lang="en-US" dirty="0" smtClean="0"/>
+              <a:t> me I </a:t>
+            </a:r>
+            <a:r>
+              <a:rPr lang="en-US" dirty="0" err="1" smtClean="0"/>
+              <a:t>lartë</a:t>
+            </a:r>
+            <a:r>
+              <a:rPr lang="en-US" dirty="0" smtClean="0"/>
+              <a:t>.</a:t>
+            </a:r>
+          </a:p>
+          <a:p>
+            <a:r>
+              <a:rPr lang="en-US" dirty="0" err="1" smtClean="0"/>
+              <a:t>Në</a:t>
+            </a:r>
+            <a:r>
+              <a:rPr lang="en-US" dirty="0" smtClean="0"/>
+              <a:t> </a:t>
+            </a:r>
+            <a:r>
+              <a:rPr lang="en-US" dirty="0" err="1" smtClean="0"/>
+              <a:t>rastin</a:t>
+            </a:r>
+            <a:r>
+              <a:rPr lang="en-US" dirty="0" smtClean="0"/>
+              <a:t> e </a:t>
+            </a:r>
+            <a:r>
+              <a:rPr lang="en-US" dirty="0" err="1" smtClean="0"/>
+              <a:t>moshave</a:t>
+            </a:r>
+            <a:r>
+              <a:rPr lang="en-US" dirty="0" smtClean="0"/>
+              <a:t> pas </a:t>
+            </a:r>
+            <a:r>
+              <a:rPr lang="en-US" dirty="0" err="1" smtClean="0"/>
+              <a:t>të</a:t>
+            </a:r>
+            <a:r>
+              <a:rPr lang="en-US" dirty="0" smtClean="0"/>
+              <a:t> 70-ave </a:t>
+            </a:r>
+            <a:r>
+              <a:rPr lang="en-US" dirty="0" err="1" smtClean="0"/>
+              <a:t>shohim</a:t>
+            </a:r>
+            <a:r>
+              <a:rPr lang="en-US" dirty="0" smtClean="0"/>
+              <a:t> </a:t>
+            </a:r>
+            <a:r>
+              <a:rPr lang="en-US" dirty="0" err="1" smtClean="0"/>
+              <a:t>sërisht</a:t>
+            </a:r>
+            <a:r>
+              <a:rPr lang="en-US" dirty="0" smtClean="0"/>
+              <a:t> </a:t>
+            </a:r>
+            <a:r>
+              <a:rPr lang="en-US" dirty="0" err="1" smtClean="0"/>
+              <a:t>një</a:t>
+            </a:r>
+            <a:r>
+              <a:rPr lang="en-US" dirty="0" smtClean="0"/>
+              <a:t> </a:t>
+            </a:r>
+            <a:r>
+              <a:rPr lang="en-US" dirty="0" err="1" smtClean="0"/>
+              <a:t>rritje</a:t>
+            </a:r>
+            <a:r>
+              <a:rPr lang="en-US" dirty="0" smtClean="0"/>
+              <a:t> </a:t>
+            </a:r>
+            <a:r>
+              <a:rPr lang="en-US" dirty="0" err="1" smtClean="0"/>
+              <a:t>ndaj</a:t>
+            </a:r>
+            <a:r>
+              <a:rPr lang="en-US" dirty="0" smtClean="0"/>
+              <a:t> </a:t>
+            </a:r>
+            <a:r>
+              <a:rPr lang="en-US" dirty="0" err="1" smtClean="0"/>
+              <a:t>atyre</a:t>
+            </a:r>
+            <a:r>
+              <a:rPr lang="en-US" dirty="0" smtClean="0"/>
+              <a:t> </a:t>
+            </a:r>
+            <a:r>
+              <a:rPr lang="en-US" dirty="0" err="1" smtClean="0"/>
+              <a:t>të</a:t>
+            </a:r>
+            <a:r>
+              <a:rPr lang="en-US" dirty="0" smtClean="0"/>
+              <a:t> pa </a:t>
+            </a:r>
+            <a:r>
+              <a:rPr lang="en-US" dirty="0" err="1" smtClean="0"/>
+              <a:t>arsimuar</a:t>
+            </a:r>
+            <a:r>
+              <a:rPr lang="en-US" dirty="0" smtClean="0"/>
+              <a:t>, </a:t>
+            </a:r>
+            <a:r>
+              <a:rPr lang="en-US" dirty="0" err="1" smtClean="0"/>
+              <a:t>por</a:t>
+            </a:r>
+            <a:r>
+              <a:rPr lang="en-US" dirty="0" smtClean="0"/>
+              <a:t> </a:t>
+            </a:r>
+            <a:r>
+              <a:rPr lang="en-US" dirty="0" err="1" smtClean="0"/>
+              <a:t>këte</a:t>
+            </a:r>
+            <a:r>
+              <a:rPr lang="en-US" dirty="0" smtClean="0"/>
+              <a:t> </a:t>
+            </a:r>
+            <a:r>
+              <a:rPr lang="en-US" dirty="0" err="1" smtClean="0"/>
+              <a:t>rradhë</a:t>
+            </a:r>
+            <a:r>
+              <a:rPr lang="en-US" dirty="0" smtClean="0"/>
+              <a:t> </a:t>
+            </a:r>
+            <a:r>
+              <a:rPr lang="en-US" dirty="0" err="1" smtClean="0"/>
+              <a:t>ka</a:t>
+            </a:r>
+            <a:r>
+              <a:rPr lang="en-US" dirty="0" smtClean="0"/>
+              <a:t> </a:t>
+            </a:r>
+            <a:r>
+              <a:rPr lang="en-US" dirty="0" err="1" smtClean="0"/>
+              <a:t>një</a:t>
+            </a:r>
+            <a:r>
+              <a:rPr lang="en-US" dirty="0" smtClean="0"/>
+              <a:t> </a:t>
+            </a:r>
+            <a:r>
+              <a:rPr lang="en-US" dirty="0" err="1" smtClean="0"/>
+              <a:t>diferencë</a:t>
+            </a:r>
+            <a:r>
+              <a:rPr lang="en-US" dirty="0" smtClean="0"/>
+              <a:t> </a:t>
+            </a:r>
+            <a:r>
+              <a:rPr lang="en-US" dirty="0" err="1" smtClean="0"/>
+              <a:t>të</a:t>
+            </a:r>
+            <a:r>
+              <a:rPr lang="en-US" dirty="0" smtClean="0"/>
+              <a:t> </a:t>
+            </a:r>
+            <a:r>
+              <a:rPr lang="en-US" dirty="0" err="1" smtClean="0"/>
+              <a:t>madhe</a:t>
+            </a:r>
+            <a:r>
+              <a:rPr lang="en-US" dirty="0" smtClean="0"/>
+              <a:t> </a:t>
+            </a:r>
+            <a:r>
+              <a:rPr lang="en-US" dirty="0" err="1" smtClean="0"/>
+              <a:t>ndaj</a:t>
+            </a:r>
+            <a:r>
+              <a:rPr lang="en-US" dirty="0" smtClean="0"/>
+              <a:t> </a:t>
+            </a:r>
+            <a:r>
+              <a:rPr lang="en-US" dirty="0" err="1" smtClean="0"/>
+              <a:t>atyre</a:t>
+            </a:r>
+            <a:r>
+              <a:rPr lang="en-US" dirty="0" smtClean="0"/>
+              <a:t> </a:t>
+            </a:r>
+            <a:r>
+              <a:rPr lang="en-US" dirty="0" err="1" smtClean="0"/>
+              <a:t>të</a:t>
+            </a:r>
+            <a:r>
+              <a:rPr lang="en-US" dirty="0" smtClean="0"/>
+              <a:t> </a:t>
+            </a:r>
+            <a:r>
+              <a:rPr lang="en-US" dirty="0" err="1" smtClean="0"/>
+              <a:t>shkolluar</a:t>
+            </a:r>
+            <a:r>
+              <a:rPr lang="en-US" dirty="0" smtClean="0"/>
+              <a:t>. </a:t>
+            </a:r>
+            <a:r>
+              <a:rPr lang="en-US" dirty="0" err="1" smtClean="0"/>
+              <a:t>Një</a:t>
+            </a:r>
+            <a:r>
+              <a:rPr lang="en-US" dirty="0" smtClean="0"/>
+              <a:t> </a:t>
+            </a:r>
+            <a:r>
+              <a:rPr lang="en-US" dirty="0" err="1" smtClean="0"/>
+              <a:t>shpjegim</a:t>
+            </a:r>
+            <a:r>
+              <a:rPr lang="en-US" dirty="0" smtClean="0"/>
+              <a:t> I </a:t>
+            </a:r>
+            <a:r>
+              <a:rPr lang="en-US" dirty="0" err="1" smtClean="0"/>
+              <a:t>mundshëm</a:t>
+            </a:r>
+            <a:r>
+              <a:rPr lang="en-US" dirty="0" smtClean="0"/>
+              <a:t> </a:t>
+            </a:r>
+            <a:r>
+              <a:rPr lang="en-US" dirty="0" err="1" smtClean="0"/>
+              <a:t>për</a:t>
+            </a:r>
+            <a:r>
+              <a:rPr lang="en-US" dirty="0" smtClean="0"/>
+              <a:t> </a:t>
+            </a:r>
+            <a:r>
+              <a:rPr lang="en-US" dirty="0" err="1" smtClean="0"/>
+              <a:t>këtë</a:t>
+            </a:r>
+            <a:r>
+              <a:rPr lang="en-US" dirty="0" smtClean="0"/>
+              <a:t> </a:t>
+            </a:r>
+            <a:r>
+              <a:rPr lang="en-US" dirty="0" err="1" smtClean="0"/>
+              <a:t>fenomen</a:t>
+            </a:r>
+            <a:r>
+              <a:rPr lang="en-US" dirty="0" smtClean="0"/>
+              <a:t> </a:t>
+            </a:r>
+            <a:r>
+              <a:rPr lang="en-US" dirty="0" err="1" smtClean="0"/>
+              <a:t>është</a:t>
+            </a:r>
+            <a:r>
+              <a:rPr lang="en-US" dirty="0" smtClean="0"/>
+              <a:t> </a:t>
+            </a:r>
+            <a:r>
+              <a:rPr lang="en-US" dirty="0" err="1" smtClean="0"/>
+              <a:t>mos</a:t>
+            </a:r>
+            <a:r>
+              <a:rPr lang="en-US" dirty="0" smtClean="0"/>
+              <a:t> </a:t>
+            </a:r>
+            <a:r>
+              <a:rPr lang="en-US" dirty="0" err="1" smtClean="0"/>
+              <a:t>informimi</a:t>
+            </a:r>
+            <a:endParaRPr lang="en-US" dirty="0"/>
+          </a:p>
+        </p:txBody>
+      </p:sp>
+    </p:spTree>
+    <p:extLst>
+      <p:ext uri="{BB962C8B-B14F-4D97-AF65-F5344CB8AC3E}">
+        <p14:creationId xmlns:p14="http://schemas.microsoft.com/office/powerpoint/2010/main" val="1222492764"/>
+      </p:ext>
+    </p:extLst>
+  </p:cSld>
+  <p:clrMapOvr>
+    <a:masterClrMapping/>
+  </p:clrMapOvr>
+  <p:timing>
+    <p:tnLst>
+      <p:par>
+        <p:cTn id="1" dur="indefinite" restart="never" nodeType="tmRoot"/>
+      </p:par>
+    </p:tnLst>
+  </p:timing>
+</p:sld>
+</file>
+
+<file path=ppt/slides/slide19.xml><?xml version="1.0" encoding="utf-8"?>
 <p:sld xmlns:a="http://schemas.openxmlformats.org/drawingml/2006/main" xmlns:r="http://schemas.openxmlformats.org/officeDocument/2006/relationships" xmlns:p="http://schemas.openxmlformats.org/presentationml/2006/main">
   <p:cSld>
     <p:spTree>
@@ -3139,7 +7240,7 @@
             <a:pPr algn="ctr"/>
             <a:r>
               <a:rPr lang="en-US" dirty="0" err="1" smtClean="0"/>
-              <a:t>Historiku</a:t>
+              <a:t>Numri</a:t>
             </a:r>
             <a:r>
               <a:rPr lang="en-US" dirty="0" smtClean="0"/>
@@ -3147,7 +7248,487 @@
             </a:r>
             <a:r>
               <a:rPr lang="en-US" dirty="0" err="1" smtClean="0"/>
-              <a:t>vendbanimeve</a:t>
+              <a:t>institucioneve</a:t>
+            </a:r>
+            <a:r>
+              <a:rPr lang="en-US" dirty="0" smtClean="0"/>
+              <a:t> </a:t>
+            </a:r>
+            <a:r>
+              <a:rPr lang="en-US" dirty="0" err="1" smtClean="0"/>
+              <a:t>arsimore</a:t>
+            </a:r>
+            <a:r>
+              <a:rPr lang="en-US" dirty="0" smtClean="0"/>
+              <a:t> </a:t>
+            </a:r>
+            <a:r>
+              <a:rPr lang="en-US" dirty="0" err="1" smtClean="0"/>
+              <a:t>në</a:t>
+            </a:r>
+            <a:r>
+              <a:rPr lang="en-US" dirty="0" smtClean="0"/>
+              <a:t> </a:t>
+            </a:r>
+            <a:r>
+              <a:rPr lang="en-US" dirty="0" err="1" smtClean="0"/>
+              <a:t>Shqip</a:t>
+            </a:r>
+            <a:r>
+              <a:rPr lang="en-US" dirty="0" err="1" smtClean="0"/>
+              <a:t>ëri</a:t>
+            </a:r>
+            <a:endParaRPr lang="en-US" dirty="0"/>
+          </a:p>
+        </p:txBody>
+      </p:sp>
+      <p:sp>
+        <p:nvSpPr>
+          <p:cNvPr id="4" name="Content Placeholder 2"/>
+          <p:cNvSpPr txBox="1">
+            <a:spLocks/>
+          </p:cNvSpPr>
+          <p:nvPr/>
+        </p:nvSpPr>
+        <p:spPr>
+          <a:xfrm>
+            <a:off x="838200" y="1825625"/>
+            <a:ext cx="10515600" cy="4351338"/>
+          </a:xfrm>
+          <a:prstGeom prst="rect">
+            <a:avLst/>
+          </a:prstGeom>
+        </p:spPr>
+        <p:txBody>
+          <a:bodyPr/>
+          <a:lstStyle>
+            <a:lvl1pPr marL="228600" indent="-228600" algn="l" defTabSz="914400" rtl="0" eaLnBrk="1" latinLnBrk="0" hangingPunct="1">
+              <a:lnSpc>
+                <a:spcPct val="90000"/>
+              </a:lnSpc>
+              <a:spcBef>
+                <a:spcPts val="1000"/>
+              </a:spcBef>
+              <a:buFont typeface="Arial" panose="020B0604020202020204" pitchFamily="34" charset="0"/>
+              <a:buChar char="•"/>
+              <a:defRPr sz="2800" kern="1200">
+                <a:solidFill>
+                  <a:schemeClr val="tx1"/>
+                </a:solidFill>
+                <a:latin typeface="+mn-lt"/>
+                <a:ea typeface="+mn-ea"/>
+                <a:cs typeface="+mn-cs"/>
+              </a:defRPr>
+            </a:lvl1pPr>
+            <a:lvl2pPr marL="685800" indent="-228600" algn="l" defTabSz="914400" rtl="0" eaLnBrk="1" latinLnBrk="0" hangingPunct="1">
+              <a:lnSpc>
+                <a:spcPct val="90000"/>
+              </a:lnSpc>
+              <a:spcBef>
+                <a:spcPts val="500"/>
+              </a:spcBef>
+              <a:buFont typeface="Arial" panose="020B0604020202020204" pitchFamily="34" charset="0"/>
+              <a:buChar char="•"/>
+              <a:defRPr sz="2400" kern="1200">
+                <a:solidFill>
+                  <a:schemeClr val="tx1"/>
+                </a:solidFill>
+                <a:latin typeface="+mn-lt"/>
+                <a:ea typeface="+mn-ea"/>
+                <a:cs typeface="+mn-cs"/>
+              </a:defRPr>
+            </a:lvl2pPr>
+            <a:lvl3pPr marL="1143000" indent="-228600" algn="l" defTabSz="914400" rtl="0" eaLnBrk="1" latinLnBrk="0" hangingPunct="1">
+              <a:lnSpc>
+                <a:spcPct val="90000"/>
+              </a:lnSpc>
+              <a:spcBef>
+                <a:spcPts val="500"/>
+              </a:spcBef>
+              <a:buFont typeface="Arial" panose="020B0604020202020204" pitchFamily="34" charset="0"/>
+              <a:buChar char="•"/>
+              <a:defRPr sz="2000" kern="1200">
+                <a:solidFill>
+                  <a:schemeClr val="tx1"/>
+                </a:solidFill>
+                <a:latin typeface="+mn-lt"/>
+                <a:ea typeface="+mn-ea"/>
+                <a:cs typeface="+mn-cs"/>
+              </a:defRPr>
+            </a:lvl3pPr>
+            <a:lvl4pPr marL="1600200" indent="-228600" algn="l" defTabSz="914400" rtl="0" eaLnBrk="1" latinLnBrk="0" hangingPunct="1">
+              <a:lnSpc>
+                <a:spcPct val="90000"/>
+              </a:lnSpc>
+              <a:spcBef>
+                <a:spcPts val="500"/>
+              </a:spcBef>
+              <a:buFont typeface="Arial" panose="020B0604020202020204" pitchFamily="34" charset="0"/>
+              <a:buChar char="•"/>
+              <a:defRPr sz="1800" kern="1200">
+                <a:solidFill>
+                  <a:schemeClr val="tx1"/>
+                </a:solidFill>
+                <a:latin typeface="+mn-lt"/>
+                <a:ea typeface="+mn-ea"/>
+                <a:cs typeface="+mn-cs"/>
+              </a:defRPr>
+            </a:lvl4pPr>
+            <a:lvl5pPr marL="2057400" indent="-228600" algn="l" defTabSz="914400" rtl="0" eaLnBrk="1" latinLnBrk="0" hangingPunct="1">
+              <a:lnSpc>
+                <a:spcPct val="90000"/>
+              </a:lnSpc>
+              <a:spcBef>
+                <a:spcPts val="500"/>
+              </a:spcBef>
+              <a:buFont typeface="Arial" panose="020B0604020202020204" pitchFamily="34" charset="0"/>
+              <a:buChar char="•"/>
+              <a:defRPr sz="1800" kern="1200">
+                <a:solidFill>
+                  <a:schemeClr val="tx1"/>
+                </a:solidFill>
+                <a:latin typeface="+mn-lt"/>
+                <a:ea typeface="+mn-ea"/>
+                <a:cs typeface="+mn-cs"/>
+              </a:defRPr>
+            </a:lvl5pPr>
+            <a:lvl6pPr marL="2514600" indent="-228600" algn="l" defTabSz="914400" rtl="0" eaLnBrk="1" latinLnBrk="0" hangingPunct="1">
+              <a:lnSpc>
+                <a:spcPct val="90000"/>
+              </a:lnSpc>
+              <a:spcBef>
+                <a:spcPts val="500"/>
+              </a:spcBef>
+              <a:buFont typeface="Arial" panose="020B0604020202020204" pitchFamily="34" charset="0"/>
+              <a:buChar char="•"/>
+              <a:defRPr sz="1800" kern="1200">
+                <a:solidFill>
+                  <a:schemeClr val="tx1"/>
+                </a:solidFill>
+                <a:latin typeface="+mn-lt"/>
+                <a:ea typeface="+mn-ea"/>
+                <a:cs typeface="+mn-cs"/>
+              </a:defRPr>
+            </a:lvl6pPr>
+            <a:lvl7pPr marL="2971800" indent="-228600" algn="l" defTabSz="914400" rtl="0" eaLnBrk="1" latinLnBrk="0" hangingPunct="1">
+              <a:lnSpc>
+                <a:spcPct val="90000"/>
+              </a:lnSpc>
+              <a:spcBef>
+                <a:spcPts val="500"/>
+              </a:spcBef>
+              <a:buFont typeface="Arial" panose="020B0604020202020204" pitchFamily="34" charset="0"/>
+              <a:buChar char="•"/>
+              <a:defRPr sz="1800" kern="1200">
+                <a:solidFill>
+                  <a:schemeClr val="tx1"/>
+                </a:solidFill>
+                <a:latin typeface="+mn-lt"/>
+                <a:ea typeface="+mn-ea"/>
+                <a:cs typeface="+mn-cs"/>
+              </a:defRPr>
+            </a:lvl7pPr>
+            <a:lvl8pPr marL="3429000" indent="-228600" algn="l" defTabSz="914400" rtl="0" eaLnBrk="1" latinLnBrk="0" hangingPunct="1">
+              <a:lnSpc>
+                <a:spcPct val="90000"/>
+              </a:lnSpc>
+              <a:spcBef>
+                <a:spcPts val="500"/>
+              </a:spcBef>
+              <a:buFont typeface="Arial" panose="020B0604020202020204" pitchFamily="34" charset="0"/>
+              <a:buChar char="•"/>
+              <a:defRPr sz="1800" kern="1200">
+                <a:solidFill>
+                  <a:schemeClr val="tx1"/>
+                </a:solidFill>
+                <a:latin typeface="+mn-lt"/>
+                <a:ea typeface="+mn-ea"/>
+                <a:cs typeface="+mn-cs"/>
+              </a:defRPr>
+            </a:lvl8pPr>
+            <a:lvl9pPr marL="3886200" indent="-228600" algn="l" defTabSz="914400" rtl="0" eaLnBrk="1" latinLnBrk="0" hangingPunct="1">
+              <a:lnSpc>
+                <a:spcPct val="90000"/>
+              </a:lnSpc>
+              <a:spcBef>
+                <a:spcPts val="500"/>
+              </a:spcBef>
+              <a:buFont typeface="Arial" panose="020B0604020202020204" pitchFamily="34" charset="0"/>
+              <a:buChar char="•"/>
+              <a:defRPr sz="1800" kern="1200">
+                <a:solidFill>
+                  <a:schemeClr val="tx1"/>
+                </a:solidFill>
+                <a:latin typeface="+mn-lt"/>
+                <a:ea typeface="+mn-ea"/>
+                <a:cs typeface="+mn-cs"/>
+              </a:defRPr>
+            </a:lvl9pPr>
+          </a:lstStyle>
+          <a:p>
+            <a:r>
+              <a:rPr lang="en-US" dirty="0" err="1" smtClean="0"/>
+              <a:t>Në</a:t>
+            </a:r>
+            <a:r>
+              <a:rPr lang="en-US" dirty="0" smtClean="0"/>
+              <a:t> fund, </a:t>
+            </a:r>
+            <a:r>
+              <a:rPr lang="en-US" dirty="0" err="1" smtClean="0"/>
+              <a:t>duam</a:t>
+            </a:r>
+            <a:r>
+              <a:rPr lang="en-US" dirty="0" smtClean="0"/>
+              <a:t> </a:t>
+            </a:r>
+            <a:r>
+              <a:rPr lang="en-US" dirty="0" err="1" smtClean="0"/>
+              <a:t>të</a:t>
+            </a:r>
+            <a:r>
+              <a:rPr lang="en-US" dirty="0" smtClean="0"/>
+              <a:t> </a:t>
+            </a:r>
+            <a:r>
+              <a:rPr lang="en-US" dirty="0" err="1" smtClean="0"/>
+              <a:t>paraqesim</a:t>
+            </a:r>
+            <a:r>
+              <a:rPr lang="en-US" dirty="0" smtClean="0"/>
+              <a:t> </a:t>
+            </a:r>
+            <a:r>
+              <a:rPr lang="en-US" dirty="0" err="1" smtClean="0"/>
+              <a:t>dhe</a:t>
+            </a:r>
+            <a:r>
+              <a:rPr lang="en-US" dirty="0" smtClean="0"/>
+              <a:t> </a:t>
+            </a:r>
+            <a:r>
+              <a:rPr lang="en-US" dirty="0" err="1" smtClean="0"/>
+              <a:t>numrin</a:t>
+            </a:r>
+            <a:r>
+              <a:rPr lang="en-US" dirty="0" smtClean="0"/>
+              <a:t> e </a:t>
+            </a:r>
+            <a:r>
+              <a:rPr lang="en-US" dirty="0" err="1" smtClean="0"/>
+              <a:t>institucioneve</a:t>
+            </a:r>
+            <a:r>
+              <a:rPr lang="en-US" dirty="0" smtClean="0"/>
+              <a:t> </a:t>
+            </a:r>
+            <a:r>
+              <a:rPr lang="en-US" dirty="0" err="1" smtClean="0"/>
+              <a:t>arsimore</a:t>
+            </a:r>
+            <a:r>
+              <a:rPr lang="en-US" dirty="0" smtClean="0"/>
+              <a:t>.</a:t>
+            </a:r>
+          </a:p>
+          <a:p>
+            <a:r>
+              <a:rPr lang="en-US" dirty="0" err="1" smtClean="0"/>
+              <a:t>Grafikët</a:t>
+            </a:r>
+            <a:r>
+              <a:rPr lang="en-US" dirty="0" smtClean="0"/>
+              <a:t> e </a:t>
+            </a:r>
+            <a:r>
+              <a:rPr lang="en-US" dirty="0" err="1" smtClean="0"/>
+              <a:t>mëposhtëm</a:t>
+            </a:r>
+            <a:r>
+              <a:rPr lang="en-US" dirty="0" smtClean="0"/>
+              <a:t> </a:t>
+            </a:r>
+            <a:r>
+              <a:rPr lang="en-US" dirty="0" err="1" smtClean="0"/>
+              <a:t>tregojnë</a:t>
+            </a:r>
+            <a:r>
+              <a:rPr lang="en-US" dirty="0" smtClean="0"/>
+              <a:t> </a:t>
+            </a:r>
+            <a:r>
+              <a:rPr lang="en-US" dirty="0" err="1" smtClean="0"/>
+              <a:t>numrin</a:t>
+            </a:r>
+            <a:r>
+              <a:rPr lang="en-US" dirty="0" smtClean="0"/>
+              <a:t> e </a:t>
+            </a:r>
+            <a:r>
+              <a:rPr lang="en-US" dirty="0" err="1" smtClean="0"/>
+              <a:t>institucioneve</a:t>
+            </a:r>
+            <a:r>
+              <a:rPr lang="en-US" dirty="0" smtClean="0"/>
+              <a:t> </a:t>
+            </a:r>
+            <a:r>
+              <a:rPr lang="en-US" dirty="0" err="1" smtClean="0"/>
+              <a:t>të</a:t>
+            </a:r>
+            <a:r>
+              <a:rPr lang="en-US" dirty="0" smtClean="0"/>
+              <a:t> </a:t>
+            </a:r>
+            <a:r>
+              <a:rPr lang="en-US" dirty="0" err="1" smtClean="0"/>
+              <a:t>arsimit</a:t>
+            </a:r>
+            <a:r>
+              <a:rPr lang="en-US" dirty="0" smtClean="0"/>
+              <a:t> </a:t>
+            </a:r>
+            <a:r>
+              <a:rPr lang="en-US" dirty="0" err="1" smtClean="0"/>
+              <a:t>të</a:t>
+            </a:r>
+            <a:r>
+              <a:rPr lang="en-US" dirty="0" smtClean="0"/>
+              <a:t> </a:t>
+            </a:r>
+            <a:r>
+              <a:rPr lang="en-US" dirty="0" err="1" smtClean="0"/>
+              <a:t>ulët</a:t>
+            </a:r>
+            <a:r>
+              <a:rPr lang="en-US" dirty="0" smtClean="0"/>
+              <a:t> </a:t>
+            </a:r>
+            <a:r>
+              <a:rPr lang="en-US" dirty="0" err="1" smtClean="0"/>
+              <a:t>dhe</a:t>
+            </a:r>
+            <a:r>
+              <a:rPr lang="en-US" dirty="0" smtClean="0"/>
+              <a:t> </a:t>
+            </a:r>
+            <a:r>
+              <a:rPr lang="en-US" dirty="0" err="1" smtClean="0"/>
+              <a:t>të</a:t>
+            </a:r>
+            <a:r>
+              <a:rPr lang="en-US" dirty="0" smtClean="0"/>
+              <a:t> </a:t>
+            </a:r>
+            <a:r>
+              <a:rPr lang="en-US" dirty="0" err="1" smtClean="0"/>
+              <a:t>lartë</a:t>
+            </a:r>
+            <a:r>
+              <a:rPr lang="en-US" dirty="0" smtClean="0"/>
+              <a:t> </a:t>
+            </a:r>
+            <a:r>
+              <a:rPr lang="en-US" dirty="0" err="1" smtClean="0"/>
+              <a:t>ndër</a:t>
+            </a:r>
+            <a:r>
+              <a:rPr lang="en-US" dirty="0" smtClean="0"/>
+              <a:t> </a:t>
+            </a:r>
+            <a:r>
+              <a:rPr lang="en-US" dirty="0" err="1" smtClean="0"/>
+              <a:t>vite</a:t>
+            </a:r>
+            <a:r>
+              <a:rPr lang="en-US" dirty="0" smtClean="0"/>
+              <a:t>.</a:t>
+            </a:r>
+          </a:p>
+          <a:p>
+            <a:r>
+              <a:rPr lang="en-US" dirty="0" err="1" smtClean="0"/>
+              <a:t>Siç</a:t>
+            </a:r>
+            <a:r>
+              <a:rPr lang="en-US" dirty="0" smtClean="0"/>
+              <a:t> do </a:t>
+            </a:r>
+            <a:r>
+              <a:rPr lang="en-US" dirty="0" err="1" smtClean="0"/>
+              <a:t>të</a:t>
+            </a:r>
+            <a:r>
+              <a:rPr lang="en-US" dirty="0" smtClean="0"/>
+              <a:t> </a:t>
+            </a:r>
+            <a:r>
+              <a:rPr lang="en-US" dirty="0" err="1" smtClean="0"/>
+              <a:t>kuptohet</a:t>
+            </a:r>
+            <a:r>
+              <a:rPr lang="en-US" dirty="0" smtClean="0"/>
+              <a:t> </a:t>
+            </a:r>
+            <a:r>
+              <a:rPr lang="en-US" dirty="0" err="1" smtClean="0"/>
+              <a:t>dhe</a:t>
+            </a:r>
+            <a:r>
+              <a:rPr lang="en-US" dirty="0" smtClean="0"/>
+              <a:t> </a:t>
+            </a:r>
+            <a:r>
+              <a:rPr lang="en-US" dirty="0" err="1" smtClean="0"/>
+              <a:t>nga</a:t>
+            </a:r>
+            <a:r>
+              <a:rPr lang="en-US" dirty="0" smtClean="0"/>
+              <a:t> </a:t>
+            </a:r>
+            <a:r>
+              <a:rPr lang="en-US" dirty="0" err="1" smtClean="0"/>
+              <a:t>grafikët</a:t>
+            </a:r>
+            <a:r>
+              <a:rPr lang="en-US" dirty="0" smtClean="0"/>
+              <a:t>, </a:t>
+            </a:r>
+            <a:r>
+              <a:rPr lang="en-US" dirty="0" err="1" smtClean="0"/>
+              <a:t>përsa</a:t>
+            </a:r>
+            <a:r>
+              <a:rPr lang="en-US" dirty="0" smtClean="0"/>
+              <a:t> I </a:t>
+            </a:r>
+            <a:r>
+              <a:rPr lang="en-US" dirty="0" err="1" smtClean="0"/>
+              <a:t>përket</a:t>
+            </a:r>
+            <a:r>
+              <a:rPr lang="en-US" dirty="0" smtClean="0"/>
+              <a:t> </a:t>
+            </a:r>
+            <a:r>
+              <a:rPr lang="en-US" dirty="0" err="1" smtClean="0"/>
+              <a:t>arsimit</a:t>
+            </a:r>
+            <a:r>
+              <a:rPr lang="en-US" dirty="0" smtClean="0"/>
+              <a:t> </a:t>
+            </a:r>
+            <a:r>
+              <a:rPr lang="en-US" dirty="0" err="1" smtClean="0"/>
+              <a:t>të</a:t>
+            </a:r>
+            <a:r>
+              <a:rPr lang="en-US" dirty="0" smtClean="0"/>
+              <a:t> </a:t>
+            </a:r>
+            <a:r>
+              <a:rPr lang="en-US" dirty="0" err="1" smtClean="0"/>
+              <a:t>ulët</a:t>
             </a:r>
             <a:r>
               <a:rPr lang="en-US" dirty="0"/>
@@ -3155,15 +7736,119 @@
             </a:r>
             <a:r>
               <a:rPr lang="en-US" dirty="0" err="1" smtClean="0"/>
+              <a:t>ka</a:t>
+            </a:r>
+            <a:r>
+              <a:rPr lang="en-US" dirty="0" smtClean="0"/>
+              <a:t> </a:t>
+            </a:r>
+            <a:r>
+              <a:rPr lang="en-US" dirty="0" err="1" smtClean="0"/>
+              <a:t>një</a:t>
+            </a:r>
+            <a:r>
+              <a:rPr lang="en-US" dirty="0" smtClean="0"/>
+              <a:t> </a:t>
+            </a:r>
+            <a:r>
+              <a:rPr lang="en-US" dirty="0" err="1" smtClean="0"/>
+              <a:t>hendek</a:t>
+            </a:r>
+            <a:r>
+              <a:rPr lang="en-US" dirty="0" smtClean="0"/>
+              <a:t> </a:t>
+            </a:r>
+            <a:r>
+              <a:rPr lang="en-US" dirty="0" err="1" smtClean="0"/>
+              <a:t>shumë</a:t>
+            </a:r>
+            <a:r>
+              <a:rPr lang="en-US" dirty="0" smtClean="0"/>
+              <a:t> </a:t>
+            </a:r>
+            <a:r>
+              <a:rPr lang="en-US" dirty="0" err="1" smtClean="0"/>
+              <a:t>të</a:t>
+            </a:r>
+            <a:r>
+              <a:rPr lang="en-US" dirty="0" smtClean="0"/>
+              <a:t> </a:t>
+            </a:r>
+            <a:r>
+              <a:rPr lang="en-US" dirty="0" err="1" smtClean="0"/>
+              <a:t>madh</a:t>
+            </a:r>
+            <a:r>
+              <a:rPr lang="en-US" dirty="0" smtClean="0"/>
+              <a:t> midis </a:t>
+            </a:r>
+            <a:r>
+              <a:rPr lang="en-US" dirty="0" err="1" smtClean="0"/>
+              <a:t>numrit</a:t>
+            </a:r>
+            <a:r>
+              <a:rPr lang="en-US" dirty="0" smtClean="0"/>
+              <a:t> </a:t>
+            </a:r>
+            <a:r>
+              <a:rPr lang="en-US" dirty="0" err="1" smtClean="0"/>
+              <a:t>të</a:t>
+            </a:r>
+            <a:r>
+              <a:rPr lang="en-US" dirty="0" smtClean="0"/>
+              <a:t> </a:t>
+            </a:r>
+            <a:r>
+              <a:rPr lang="en-US" dirty="0" err="1" smtClean="0"/>
+              <a:t>shkollave</a:t>
+            </a:r>
+            <a:r>
+              <a:rPr lang="en-US" dirty="0" smtClean="0"/>
+              <a:t> </a:t>
+            </a:r>
+            <a:r>
+              <a:rPr lang="en-US" dirty="0" err="1" smtClean="0"/>
+              <a:t>publike</a:t>
+            </a:r>
+            <a:r>
+              <a:rPr lang="en-US" dirty="0" smtClean="0"/>
+              <a:t> </a:t>
+            </a:r>
+            <a:r>
+              <a:rPr lang="en-US" dirty="0" err="1" smtClean="0"/>
               <a:t>dhe</a:t>
             </a:r>
             <a:r>
               <a:rPr lang="en-US" dirty="0" smtClean="0"/>
-              <a:t> </a:t>
-            </a:r>
-            <a:r>
-              <a:rPr lang="en-US" dirty="0" err="1" smtClean="0"/>
-              <a:t>lëvizjeve</a:t>
+              <a:t> private, </a:t>
+            </a:r>
+            <a:r>
+              <a:rPr lang="en-US" dirty="0" err="1" smtClean="0"/>
+              <a:t>ndryshe</a:t>
+            </a:r>
+            <a:r>
+              <a:rPr lang="en-US" dirty="0" smtClean="0"/>
+              <a:t> </a:t>
+            </a:r>
+            <a:r>
+              <a:rPr lang="en-US" dirty="0" err="1" smtClean="0"/>
+              <a:t>nga</a:t>
+            </a:r>
+            <a:r>
+              <a:rPr lang="en-US" dirty="0" smtClean="0"/>
+              <a:t> </a:t>
+            </a:r>
+            <a:r>
+              <a:rPr lang="en-US" dirty="0" err="1" smtClean="0"/>
+              <a:t>rasti</a:t>
+            </a:r>
+            <a:r>
+              <a:rPr lang="en-US" dirty="0" smtClean="0"/>
+              <a:t> I </a:t>
+            </a:r>
+            <a:r>
+              <a:rPr lang="en-US" dirty="0" err="1" smtClean="0"/>
+              <a:t>arsimit</a:t>
             </a:r>
             <a:r>
               <a:rPr lang="en-US" dirty="0" smtClean="0"/>
@@ -3174,12 +7859,174 @@
               <a:t>të</a:t>
             </a:r>
             <a:r>
-              <a:rPr lang="en-US" dirty="0"/>
-              <a:t> </a:t>
-            </a:r>
-            <a:r>
-              <a:rPr lang="en-US" dirty="0" err="1" smtClean="0"/>
-              <a:t>popullatës</a:t>
+              <a:rPr lang="en-US" dirty="0" smtClean="0"/>
+              <a:t> </a:t>
+            </a:r>
+            <a:r>
+              <a:rPr lang="en-US" dirty="0" err="1" smtClean="0"/>
+              <a:t>lartë</a:t>
+            </a:r>
+            <a:r>
+              <a:rPr lang="en-US" dirty="0" smtClean="0"/>
+              <a:t>, </a:t>
+            </a:r>
+            <a:r>
+              <a:rPr lang="en-US" dirty="0" err="1" smtClean="0"/>
+              <a:t>ku</a:t>
+            </a:r>
+            <a:r>
+              <a:rPr lang="en-US" dirty="0" smtClean="0"/>
+              <a:t> </a:t>
+            </a:r>
+            <a:r>
+              <a:rPr lang="en-US" dirty="0" err="1" smtClean="0"/>
+              <a:t>ky</a:t>
+            </a:r>
+            <a:r>
+              <a:rPr lang="en-US" dirty="0" smtClean="0"/>
+              <a:t> </a:t>
+            </a:r>
+            <a:r>
+              <a:rPr lang="en-US" dirty="0" err="1" smtClean="0"/>
+              <a:t>numër</a:t>
+            </a:r>
+            <a:r>
+              <a:rPr lang="en-US" dirty="0" smtClean="0"/>
+              <a:t> </a:t>
+            </a:r>
+            <a:r>
+              <a:rPr lang="en-US" dirty="0" err="1" smtClean="0"/>
+              <a:t>është</a:t>
+            </a:r>
+            <a:r>
+              <a:rPr lang="en-US" dirty="0" smtClean="0"/>
+              <a:t> </a:t>
+            </a:r>
+            <a:r>
+              <a:rPr lang="en-US" dirty="0" err="1" smtClean="0"/>
+              <a:t>afërsisht</a:t>
+            </a:r>
+            <a:r>
+              <a:rPr lang="en-US" dirty="0" smtClean="0"/>
+              <a:t> I </a:t>
+            </a:r>
+            <a:r>
+              <a:rPr lang="en-US" dirty="0" err="1" smtClean="0"/>
+              <a:t>njëjtë</a:t>
+            </a:r>
+            <a:r>
+              <a:rPr lang="en-US" dirty="0" smtClean="0"/>
+              <a:t>.</a:t>
+            </a:r>
+          </a:p>
+          <a:p>
+            <a:r>
+              <a:rPr lang="en-US" dirty="0" err="1" smtClean="0"/>
+              <a:t>Sidoqoftë</a:t>
+            </a:r>
+            <a:r>
+              <a:rPr lang="en-US" dirty="0" smtClean="0"/>
+              <a:t>, </a:t>
+            </a:r>
+            <a:r>
+              <a:rPr lang="en-US" dirty="0" err="1"/>
+              <a:t>p</a:t>
+            </a:r>
+            <a:r>
+              <a:rPr lang="en-US" dirty="0" err="1" smtClean="0"/>
+              <a:t>ër</a:t>
+            </a:r>
+            <a:r>
+              <a:rPr lang="en-US" dirty="0" smtClean="0"/>
+              <a:t> </a:t>
+            </a:r>
+            <a:r>
+              <a:rPr lang="en-US" dirty="0" err="1" smtClean="0"/>
+              <a:t>të</a:t>
+            </a:r>
+            <a:r>
+              <a:rPr lang="en-US" dirty="0" smtClean="0"/>
+              <a:t> </a:t>
+            </a:r>
+            <a:r>
+              <a:rPr lang="en-US" dirty="0" err="1" smtClean="0"/>
+              <a:t>dy</a:t>
+            </a:r>
+            <a:r>
+              <a:rPr lang="en-US" dirty="0" smtClean="0"/>
+              <a:t> </a:t>
+            </a:r>
+            <a:r>
+              <a:rPr lang="en-US" dirty="0" err="1" smtClean="0"/>
+              <a:t>rastet</a:t>
+            </a:r>
+            <a:r>
+              <a:rPr lang="en-US" dirty="0" smtClean="0"/>
+              <a:t> </a:t>
+            </a:r>
+            <a:r>
+              <a:rPr lang="en-US" dirty="0" err="1" smtClean="0"/>
+              <a:t>vihet</a:t>
+            </a:r>
+            <a:r>
+              <a:rPr lang="en-US" dirty="0" smtClean="0"/>
+              <a:t> re </a:t>
+            </a:r>
+            <a:r>
+              <a:rPr lang="en-US" dirty="0" err="1" smtClean="0"/>
+              <a:t>një</a:t>
+            </a:r>
+            <a:r>
+              <a:rPr lang="en-US" dirty="0" smtClean="0"/>
+              <a:t> </a:t>
+            </a:r>
+            <a:r>
+              <a:rPr lang="en-US" dirty="0" err="1" smtClean="0"/>
+              <a:t>rritje</a:t>
+            </a:r>
+            <a:r>
+              <a:rPr lang="en-US" dirty="0" smtClean="0"/>
+              <a:t> </a:t>
+            </a:r>
+            <a:r>
+              <a:rPr lang="en-US" dirty="0" err="1" smtClean="0"/>
+              <a:t>ndër</a:t>
+            </a:r>
+            <a:r>
+              <a:rPr lang="en-US" dirty="0" smtClean="0"/>
+              <a:t> </a:t>
+            </a:r>
+            <a:r>
+              <a:rPr lang="en-US" dirty="0" err="1" smtClean="0"/>
+              <a:t>vite</a:t>
+            </a:r>
+            <a:r>
+              <a:rPr lang="en-US" dirty="0" smtClean="0"/>
+              <a:t> e </a:t>
+            </a:r>
+            <a:r>
+              <a:rPr lang="en-US" dirty="0" err="1" smtClean="0"/>
+              <a:t>numrit</a:t>
+            </a:r>
+            <a:r>
+              <a:rPr lang="en-US" dirty="0" smtClean="0"/>
+              <a:t> </a:t>
+            </a:r>
+            <a:r>
+              <a:rPr lang="en-US" dirty="0" err="1" smtClean="0"/>
+              <a:t>të</a:t>
+            </a:r>
+            <a:r>
+              <a:rPr lang="en-US" dirty="0" smtClean="0"/>
+              <a:t> </a:t>
+            </a:r>
+            <a:r>
+              <a:rPr lang="en-US" dirty="0" err="1" smtClean="0"/>
+              <a:t>shkollave</a:t>
+            </a:r>
+            <a:r>
+              <a:rPr lang="en-US" dirty="0" smtClean="0"/>
+              <a:t> private</a:t>
             </a:r>
             <a:endParaRPr lang="en-US" dirty="0"/>
           </a:p>
@@ -3195,10 +8042,17 @@
   <p:clrMapOvr>
     <a:masterClrMapping/>
   </p:clrMapOvr>
+  <p:timing>
+    <p:tnLst>
+      <p:par>
+        <p:cTn id="1" dur="indefinite" restart="never" nodeType="tmRoot"/>
+      </p:par>
+    </p:tnLst>
+  </p:timing>
 </p:sld>
 </file>
 
-<file path=ppt/slides/slide4.xml><?xml version="1.0" encoding="utf-8"?>
+<file path=ppt/slides/slide2.xml><?xml version="1.0" encoding="utf-8"?>
 <p:sld xmlns:a="http://schemas.openxmlformats.org/drawingml/2006/main" xmlns:r="http://schemas.openxmlformats.org/officeDocument/2006/relationships" xmlns:p="http://schemas.openxmlformats.org/presentationml/2006/main">
   <p:cSld>
     <p:spTree>
@@ -3232,6 +8086,226 @@
           <a:p>
             <a:r>
               <a:rPr lang="en-US" dirty="0" err="1" smtClean="0"/>
+              <a:t>Çfarë</a:t>
+            </a:r>
+            <a:r>
+              <a:rPr lang="en-US" dirty="0" smtClean="0"/>
+              <a:t> </a:t>
+            </a:r>
+            <a:r>
+              <a:rPr lang="en-US" dirty="0" err="1" smtClean="0"/>
+              <a:t>duam</a:t>
+            </a:r>
+            <a:r>
+              <a:rPr lang="en-US" dirty="0" smtClean="0"/>
+              <a:t> </a:t>
+            </a:r>
+            <a:r>
+              <a:rPr lang="en-US" dirty="0" err="1" smtClean="0"/>
+              <a:t>të</a:t>
+            </a:r>
+            <a:r>
+              <a:rPr lang="en-US" dirty="0" smtClean="0"/>
+              <a:t> </a:t>
+            </a:r>
+            <a:r>
+              <a:rPr lang="en-US" dirty="0" err="1" smtClean="0"/>
+              <a:t>arrijmë</a:t>
+            </a:r>
+            <a:r>
+              <a:rPr lang="en-US" dirty="0" smtClean="0"/>
+              <a:t>?</a:t>
+            </a:r>
+            <a:endParaRPr lang="en-US" dirty="0"/>
+          </a:p>
+        </p:txBody>
+      </p:sp>
+      <p:sp>
+        <p:nvSpPr>
+          <p:cNvPr id="3" name="Content Placeholder 2"/>
+          <p:cNvSpPr txBox="1">
+            <a:spLocks/>
+          </p:cNvSpPr>
+          <p:nvPr/>
+        </p:nvSpPr>
+        <p:spPr>
+          <a:xfrm>
+            <a:off x="838200" y="1825625"/>
+            <a:ext cx="10515600" cy="4351338"/>
+          </a:xfrm>
+          <a:prstGeom prst="rect">
+            <a:avLst/>
+          </a:prstGeom>
+        </p:spPr>
+        <p:txBody>
+          <a:bodyPr/>
+          <a:lstStyle>
+            <a:lvl1pPr marL="228600" indent="-228600" algn="l" defTabSz="914400" rtl="0" eaLnBrk="1" latinLnBrk="0" hangingPunct="1">
+              <a:lnSpc>
+                <a:spcPct val="90000"/>
+              </a:lnSpc>
+              <a:spcBef>
+                <a:spcPts val="1000"/>
+              </a:spcBef>
+              <a:buFont typeface="Arial" panose="020B0604020202020204" pitchFamily="34" charset="0"/>
+              <a:buChar char="•"/>
+              <a:defRPr sz="2800" kern="1200">
+                <a:solidFill>
+                  <a:schemeClr val="tx1"/>
+                </a:solidFill>
+                <a:latin typeface="+mn-lt"/>
+                <a:ea typeface="+mn-ea"/>
+                <a:cs typeface="+mn-cs"/>
+              </a:defRPr>
+            </a:lvl1pPr>
+            <a:lvl2pPr marL="685800" indent="-228600" algn="l" defTabSz="914400" rtl="0" eaLnBrk="1" latinLnBrk="0" hangingPunct="1">
+              <a:lnSpc>
+                <a:spcPct val="90000"/>
+              </a:lnSpc>
+              <a:spcBef>
+                <a:spcPts val="500"/>
+              </a:spcBef>
+              <a:buFont typeface="Arial" panose="020B0604020202020204" pitchFamily="34" charset="0"/>
+              <a:buChar char="•"/>
+              <a:defRPr sz="2400" kern="1200">
+                <a:solidFill>
+                  <a:schemeClr val="tx1"/>
+                </a:solidFill>
+                <a:latin typeface="+mn-lt"/>
+                <a:ea typeface="+mn-ea"/>
+                <a:cs typeface="+mn-cs"/>
+              </a:defRPr>
+            </a:lvl2pPr>
+            <a:lvl3pPr marL="1143000" indent="-228600" algn="l" defTabSz="914400" rtl="0" eaLnBrk="1" latinLnBrk="0" hangingPunct="1">
+              <a:lnSpc>
+                <a:spcPct val="90000"/>
+              </a:lnSpc>
+              <a:spcBef>
+                <a:spcPts val="500"/>
+              </a:spcBef>
+              <a:buFont typeface="Arial" panose="020B0604020202020204" pitchFamily="34" charset="0"/>
+              <a:buChar char="•"/>
+              <a:defRPr sz="2000" kern="1200">
+                <a:solidFill>
+                  <a:schemeClr val="tx1"/>
+                </a:solidFill>
+                <a:latin typeface="+mn-lt"/>
+                <a:ea typeface="+mn-ea"/>
+                <a:cs typeface="+mn-cs"/>
+              </a:defRPr>
+            </a:lvl3pPr>
+            <a:lvl4pPr marL="1600200" indent="-228600" algn="l" defTabSz="914400" rtl="0" eaLnBrk="1" latinLnBrk="0" hangingPunct="1">
+              <a:lnSpc>
+                <a:spcPct val="90000"/>
+              </a:lnSpc>
+              <a:spcBef>
+                <a:spcPts val="500"/>
+              </a:spcBef>
+              <a:buFont typeface="Arial" panose="020B0604020202020204" pitchFamily="34" charset="0"/>
+              <a:buChar char="•"/>
+              <a:defRPr sz="1800" kern="1200">
+                <a:solidFill>
+                  <a:schemeClr val="tx1"/>
+                </a:solidFill>
+                <a:latin typeface="+mn-lt"/>
+                <a:ea typeface="+mn-ea"/>
+                <a:cs typeface="+mn-cs"/>
+              </a:defRPr>
+            </a:lvl4pPr>
+            <a:lvl5pPr marL="2057400" indent="-228600" algn="l" defTabSz="914400" rtl="0" eaLnBrk="1" latinLnBrk="0" hangingPunct="1">
+              <a:lnSpc>
+                <a:spcPct val="90000"/>
+              </a:lnSpc>
+              <a:spcBef>
+                <a:spcPts val="500"/>
+              </a:spcBef>
+              <a:buFont typeface="Arial" panose="020B0604020202020204" pitchFamily="34" charset="0"/>
+              <a:buChar char="•"/>
+              <a:defRPr sz="1800" kern="1200">
+                <a:solidFill>
+                  <a:schemeClr val="tx1"/>
+                </a:solidFill>
+                <a:latin typeface="+mn-lt"/>
+                <a:ea typeface="+mn-ea"/>
+                <a:cs typeface="+mn-cs"/>
+              </a:defRPr>
+            </a:lvl5pPr>
+            <a:lvl6pPr marL="2514600" indent="-228600" algn="l" defTabSz="914400" rtl="0" eaLnBrk="1" latinLnBrk="0" hangingPunct="1">
+              <a:lnSpc>
+                <a:spcPct val="90000"/>
+              </a:lnSpc>
+              <a:spcBef>
+                <a:spcPts val="500"/>
+              </a:spcBef>
+              <a:buFont typeface="Arial" panose="020B0604020202020204" pitchFamily="34" charset="0"/>
+              <a:buChar char="•"/>
+              <a:defRPr sz="1800" kern="1200">
+                <a:solidFill>
+                  <a:schemeClr val="tx1"/>
+                </a:solidFill>
+                <a:latin typeface="+mn-lt"/>
+                <a:ea typeface="+mn-ea"/>
+                <a:cs typeface="+mn-cs"/>
+              </a:defRPr>
+            </a:lvl6pPr>
+            <a:lvl7pPr marL="2971800" indent="-228600" algn="l" defTabSz="914400" rtl="0" eaLnBrk="1" latinLnBrk="0" hangingPunct="1">
+              <a:lnSpc>
+                <a:spcPct val="90000"/>
+              </a:lnSpc>
+              <a:spcBef>
+                <a:spcPts val="500"/>
+              </a:spcBef>
+              <a:buFont typeface="Arial" panose="020B0604020202020204" pitchFamily="34" charset="0"/>
+              <a:buChar char="•"/>
+              <a:defRPr sz="1800" kern="1200">
+                <a:solidFill>
+                  <a:schemeClr val="tx1"/>
+                </a:solidFill>
+                <a:latin typeface="+mn-lt"/>
+                <a:ea typeface="+mn-ea"/>
+                <a:cs typeface="+mn-cs"/>
+              </a:defRPr>
+            </a:lvl7pPr>
+            <a:lvl8pPr marL="3429000" indent="-228600" algn="l" defTabSz="914400" rtl="0" eaLnBrk="1" latinLnBrk="0" hangingPunct="1">
+              <a:lnSpc>
+                <a:spcPct val="90000"/>
+              </a:lnSpc>
+              <a:spcBef>
+                <a:spcPts val="500"/>
+              </a:spcBef>
+              <a:buFont typeface="Arial" panose="020B0604020202020204" pitchFamily="34" charset="0"/>
+              <a:buChar char="•"/>
+              <a:defRPr sz="1800" kern="1200">
+                <a:solidFill>
+                  <a:schemeClr val="tx1"/>
+                </a:solidFill>
+                <a:latin typeface="+mn-lt"/>
+                <a:ea typeface="+mn-ea"/>
+                <a:cs typeface="+mn-cs"/>
+              </a:defRPr>
+            </a:lvl8pPr>
+            <a:lvl9pPr marL="3886200" indent="-228600" algn="l" defTabSz="914400" rtl="0" eaLnBrk="1" latinLnBrk="0" hangingPunct="1">
+              <a:lnSpc>
+                <a:spcPct val="90000"/>
+              </a:lnSpc>
+              <a:spcBef>
+                <a:spcPts val="500"/>
+              </a:spcBef>
+              <a:buFont typeface="Arial" panose="020B0604020202020204" pitchFamily="34" charset="0"/>
+              <a:buChar char="•"/>
+              <a:defRPr sz="1800" kern="1200">
+                <a:solidFill>
+                  <a:schemeClr val="tx1"/>
+                </a:solidFill>
+                <a:latin typeface="+mn-lt"/>
+                <a:ea typeface="+mn-ea"/>
+                <a:cs typeface="+mn-cs"/>
+              </a:defRPr>
+            </a:lvl9pPr>
+          </a:lstStyle>
+          <a:p>
+            <a:r>
+              <a:rPr lang="en-US" dirty="0" err="1" smtClean="0"/>
               <a:t>Të</a:t>
             </a:r>
             <a:r>
@@ -3240,15 +8314,151 @@
             </a:r>
             <a:r>
               <a:rPr lang="en-US" dirty="0" err="1" smtClean="0"/>
-              <a:t>dhëna</a:t>
-            </a:r>
-            <a:r>
-              <a:rPr lang="en-US" dirty="0" smtClean="0"/>
-              <a:t> </a:t>
-            </a:r>
-            <a:r>
-              <a:rPr lang="en-US" dirty="0" err="1" smtClean="0"/>
-              <a:t>mbi</a:t>
+              <a:t>analizojmë</a:t>
+            </a:r>
+            <a:r>
+              <a:rPr lang="en-US" dirty="0" smtClean="0"/>
+              <a:t> </a:t>
+            </a:r>
+            <a:r>
+              <a:rPr lang="en-US" dirty="0" err="1" smtClean="0"/>
+              <a:t>dhe</a:t>
+            </a:r>
+            <a:r>
+              <a:rPr lang="en-US" dirty="0" smtClean="0"/>
+              <a:t> </a:t>
+            </a:r>
+            <a:r>
+              <a:rPr lang="en-US" dirty="0" err="1" smtClean="0"/>
+              <a:t>të</a:t>
+            </a:r>
+            <a:r>
+              <a:rPr lang="en-US" dirty="0" smtClean="0"/>
+              <a:t> </a:t>
+            </a:r>
+            <a:r>
+              <a:rPr lang="en-US" dirty="0" err="1" smtClean="0"/>
+              <a:t>nxjerrim</a:t>
+            </a:r>
+            <a:r>
+              <a:rPr lang="en-US" dirty="0" smtClean="0"/>
+              <a:t> </a:t>
+            </a:r>
+            <a:r>
+              <a:rPr lang="en-US" dirty="0" err="1" smtClean="0"/>
+              <a:t>përfundime</a:t>
+            </a:r>
+            <a:r>
+              <a:rPr lang="en-US" dirty="0" smtClean="0"/>
+              <a:t> </a:t>
+            </a:r>
+            <a:r>
+              <a:rPr lang="en-US" dirty="0" err="1" smtClean="0"/>
+              <a:t>nga</a:t>
+            </a:r>
+            <a:r>
+              <a:rPr lang="en-US" dirty="0" smtClean="0"/>
+              <a:t> </a:t>
+            </a:r>
+            <a:r>
+              <a:rPr lang="en-US" dirty="0" err="1" smtClean="0"/>
+              <a:t>të</a:t>
+            </a:r>
+            <a:r>
+              <a:rPr lang="en-US" dirty="0" smtClean="0"/>
+              <a:t> </a:t>
+            </a:r>
+            <a:r>
+              <a:rPr lang="en-US" dirty="0" err="1" smtClean="0"/>
+              <a:t>dhënat</a:t>
+            </a:r>
+            <a:r>
+              <a:rPr lang="en-US" dirty="0" smtClean="0"/>
+              <a:t> e </a:t>
+            </a:r>
+            <a:r>
+              <a:rPr lang="en-US" dirty="0" err="1" smtClean="0"/>
+              <a:t>popullsisë</a:t>
+            </a:r>
+            <a:r>
+              <a:rPr lang="en-US" dirty="0" smtClean="0"/>
+              <a:t> </a:t>
+            </a:r>
+            <a:r>
+              <a:rPr lang="en-US" dirty="0" err="1" smtClean="0"/>
+              <a:t>në</a:t>
+            </a:r>
+            <a:r>
+              <a:rPr lang="en-US" dirty="0" smtClean="0"/>
+              <a:t> </a:t>
+            </a:r>
+            <a:r>
+              <a:rPr lang="en-US" dirty="0" err="1" smtClean="0"/>
+              <a:t>lidhje</a:t>
+            </a:r>
+            <a:r>
+              <a:rPr lang="en-US" dirty="0" smtClean="0"/>
+              <a:t> me </a:t>
+            </a:r>
+            <a:r>
+              <a:rPr lang="en-US" dirty="0" err="1" smtClean="0"/>
+              <a:t>arsimin</a:t>
+            </a:r>
+            <a:r>
+              <a:rPr lang="en-US" dirty="0" smtClean="0"/>
+              <a:t> me </a:t>
+            </a:r>
+            <a:r>
+              <a:rPr lang="en-US" dirty="0" err="1" smtClean="0"/>
+              <a:t>qëllim</a:t>
+            </a:r>
+            <a:r>
+              <a:rPr lang="en-US" dirty="0" smtClean="0"/>
+              <a:t> </a:t>
+            </a:r>
+            <a:r>
+              <a:rPr lang="en-US" dirty="0" err="1" smtClean="0"/>
+              <a:t>që</a:t>
+            </a:r>
+            <a:r>
+              <a:rPr lang="en-US" dirty="0" smtClean="0"/>
+              <a:t> </a:t>
+            </a:r>
+            <a:r>
+              <a:rPr lang="en-US" dirty="0" err="1" smtClean="0"/>
+              <a:t>të</a:t>
+            </a:r>
+            <a:r>
+              <a:rPr lang="en-US" dirty="0" smtClean="0"/>
+              <a:t> </a:t>
+            </a:r>
+            <a:r>
+              <a:rPr lang="en-US" dirty="0" err="1" smtClean="0"/>
+              <a:t>kuptojmë</a:t>
+            </a:r>
+            <a:r>
+              <a:rPr lang="en-US" dirty="0" smtClean="0"/>
+              <a:t> </a:t>
+            </a:r>
+            <a:r>
+              <a:rPr lang="en-US" dirty="0" err="1" smtClean="0"/>
+              <a:t>tendencat</a:t>
+            </a:r>
+            <a:r>
+              <a:rPr lang="en-US" dirty="0" smtClean="0"/>
+              <a:t>, </a:t>
+            </a:r>
+            <a:r>
+              <a:rPr lang="en-US" dirty="0" err="1" smtClean="0"/>
+              <a:t>historikun</a:t>
+            </a:r>
+            <a:r>
+              <a:rPr lang="en-US" dirty="0" smtClean="0"/>
+              <a:t> </a:t>
+            </a:r>
+            <a:r>
+              <a:rPr lang="en-US" dirty="0" err="1" smtClean="0"/>
+              <a:t>dhe</a:t>
             </a:r>
             <a:r>
               <a:rPr lang="en-US" dirty="0" smtClean="0"/>
@@ -3268,7 +8478,25 @@
             </a:r>
             <a:r>
               <a:rPr lang="en-US" dirty="0" smtClean="0"/>
-              <a:t> </a:t>
+              <a:t>.</a:t>
+            </a:r>
+          </a:p>
+          <a:p>
+            <a:r>
+              <a:rPr lang="en-US" dirty="0" err="1" smtClean="0"/>
+              <a:t>Këto</a:t>
+            </a:r>
+            <a:r>
+              <a:rPr lang="en-US" dirty="0" smtClean="0"/>
+              <a:t> </a:t>
+            </a:r>
+            <a:r>
+              <a:rPr lang="en-US" dirty="0" err="1" smtClean="0"/>
+              <a:t>përfundime</a:t>
+            </a:r>
+            <a:r>
+              <a:rPr lang="en-US" dirty="0" smtClean="0"/>
+              <a:t> do </a:t>
             </a:r>
             <a:r>
               <a:rPr lang="en-US" dirty="0" err="1" smtClean="0"/>
@@ -3280,7 +8508,127 @@
             </a:r>
             <a:r>
               <a:rPr lang="en-US" dirty="0" err="1" smtClean="0"/>
-              <a:t>arsimimit</a:t>
+              <a:t>përdoren</a:t>
+            </a:r>
+            <a:r>
+              <a:rPr lang="en-US" dirty="0" smtClean="0"/>
+              <a:t> </a:t>
+            </a:r>
+            <a:r>
+              <a:rPr lang="en-US" dirty="0" err="1" smtClean="0"/>
+              <a:t>për</a:t>
+            </a:r>
+            <a:r>
+              <a:rPr lang="en-US" dirty="0" smtClean="0"/>
+              <a:t> </a:t>
+            </a:r>
+            <a:r>
+              <a:rPr lang="en-US" dirty="0" err="1" smtClean="0"/>
+              <a:t>të</a:t>
+            </a:r>
+            <a:r>
+              <a:rPr lang="en-US" dirty="0" smtClean="0"/>
+              <a:t> </a:t>
+            </a:r>
+            <a:r>
+              <a:rPr lang="en-US" dirty="0" err="1" smtClean="0"/>
+              <a:t>vlerësuar</a:t>
+            </a:r>
+            <a:r>
+              <a:rPr lang="en-US" dirty="0" smtClean="0"/>
+              <a:t> se </a:t>
+            </a:r>
+            <a:r>
+              <a:rPr lang="en-US" dirty="0" err="1" smtClean="0"/>
+              <a:t>çfarë</a:t>
+            </a:r>
+            <a:r>
+              <a:rPr lang="en-US" dirty="0" smtClean="0"/>
+              <a:t> </a:t>
+            </a:r>
+            <a:r>
+              <a:rPr lang="en-US" dirty="0" err="1" smtClean="0"/>
+              <a:t>investimesh</a:t>
+            </a:r>
+            <a:r>
+              <a:rPr lang="en-US" dirty="0" smtClean="0"/>
+              <a:t> </a:t>
+            </a:r>
+            <a:r>
+              <a:rPr lang="en-US" dirty="0" err="1" smtClean="0"/>
+              <a:t>janë</a:t>
+            </a:r>
+            <a:r>
+              <a:rPr lang="en-US" dirty="0" smtClean="0"/>
+              <a:t> </a:t>
+            </a:r>
+            <a:r>
+              <a:rPr lang="en-US" dirty="0" err="1" smtClean="0"/>
+              <a:t>të</a:t>
+            </a:r>
+            <a:r>
+              <a:rPr lang="en-US" dirty="0" smtClean="0"/>
+              <a:t> </a:t>
+            </a:r>
+            <a:r>
+              <a:rPr lang="en-US" dirty="0" err="1" smtClean="0"/>
+              <a:t>nevojshme</a:t>
+            </a:r>
+            <a:r>
+              <a:rPr lang="en-US" dirty="0" smtClean="0"/>
+              <a:t> </a:t>
+            </a:r>
+            <a:r>
+              <a:rPr lang="en-US" dirty="0" err="1" smtClean="0"/>
+              <a:t>për</a:t>
+            </a:r>
+            <a:r>
+              <a:rPr lang="en-US" dirty="0" smtClean="0"/>
+              <a:t> </a:t>
+            </a:r>
+            <a:r>
+              <a:rPr lang="en-US" dirty="0" err="1" smtClean="0"/>
+              <a:t>të</a:t>
+            </a:r>
+            <a:r>
+              <a:rPr lang="en-US" dirty="0" smtClean="0"/>
+              <a:t> </a:t>
+            </a:r>
+            <a:r>
+              <a:rPr lang="en-US" dirty="0" err="1" smtClean="0"/>
+              <a:t>përmirësuar</a:t>
+            </a:r>
+            <a:r>
+              <a:rPr lang="en-US" dirty="0" smtClean="0"/>
+              <a:t> </a:t>
+            </a:r>
+            <a:r>
+              <a:rPr lang="en-US" dirty="0" err="1" smtClean="0"/>
+              <a:t>situaten</a:t>
+            </a:r>
+            <a:r>
+              <a:rPr lang="en-US" dirty="0" smtClean="0"/>
+              <a:t> </a:t>
+            </a:r>
+            <a:r>
+              <a:rPr lang="en-US" dirty="0" err="1" smtClean="0"/>
+              <a:t>akademike</a:t>
+            </a:r>
+            <a:r>
+              <a:rPr lang="en-US" dirty="0" smtClean="0"/>
+              <a:t> </a:t>
+            </a:r>
+            <a:r>
+              <a:rPr lang="en-US" dirty="0" err="1" smtClean="0"/>
+              <a:t>në</a:t>
+            </a:r>
+            <a:r>
+              <a:rPr lang="en-US" dirty="0" smtClean="0"/>
+              <a:t> </a:t>
+            </a:r>
+            <a:r>
+              <a:rPr lang="en-US" dirty="0" err="1" smtClean="0"/>
+              <a:t>Shqipëri</a:t>
             </a:r>
             <a:endParaRPr lang="en-US" dirty="0"/>
           </a:p>
@@ -3289,13 +8637,3018 @@
     </p:spTree>
     <p:extLst>
       <p:ext uri="{BB962C8B-B14F-4D97-AF65-F5344CB8AC3E}">
-        <p14:creationId xmlns:p14="http://schemas.microsoft.com/office/powerpoint/2010/main" val="50340841"/>
+        <p14:creationId xmlns:p14="http://schemas.microsoft.com/office/powerpoint/2010/main" val="122314108"/>
       </p:ext>
     </p:extLst>
   </p:cSld>
   <p:clrMapOvr>
     <a:masterClrMapping/>
   </p:clrMapOvr>
+  <p:timing>
+    <p:tnLst>
+      <p:par>
+        <p:cTn id="1" dur="indefinite" restart="never" nodeType="tmRoot"/>
+      </p:par>
+    </p:tnLst>
+  </p:timing>
+</p:sld>
+</file>
+
+<file path=ppt/slides/slide20.xml><?xml version="1.0" encoding="utf-8"?>
+<p:sld xmlns:a="http://schemas.openxmlformats.org/drawingml/2006/main" xmlns:r="http://schemas.openxmlformats.org/officeDocument/2006/relationships" xmlns:p="http://schemas.openxmlformats.org/presentationml/2006/main">
+  <p:cSld>
+    <p:spTree>
+      <p:nvGrpSpPr>
+        <p:cNvPr id="1" name=""/>
+        <p:cNvGrpSpPr/>
+        <p:nvPr/>
+      </p:nvGrpSpPr>
+      <p:grpSpPr>
+        <a:xfrm>
+          <a:off x="0" y="0"/>
+          <a:ext cx="0" cy="0"/>
+          <a:chOff x="0" y="0"/>
+          <a:chExt cx="0" cy="0"/>
+        </a:xfrm>
+      </p:grpSpPr>
+      <p:sp>
+        <p:nvSpPr>
+          <p:cNvPr id="3" name="Text Placeholder 2"/>
+          <p:cNvSpPr>
+            <a:spLocks noGrp="1"/>
+          </p:cNvSpPr>
+          <p:nvPr>
+            <p:ph type="body" idx="1"/>
+          </p:nvPr>
+        </p:nvSpPr>
+        <p:spPr>
+          <a:xfrm>
+            <a:off x="9508467" y="266544"/>
+            <a:ext cx="2578894" cy="1486511"/>
+          </a:xfrm>
+        </p:spPr>
+        <p:txBody>
+          <a:bodyPr>
+            <a:normAutofit/>
+          </a:bodyPr>
+          <a:lstStyle/>
+          <a:p>
+            <a:r>
+              <a:rPr lang="en-US" sz="2000" dirty="0" err="1" smtClean="0"/>
+              <a:t>Raporti</a:t>
+            </a:r>
+            <a:r>
+              <a:rPr lang="en-US" sz="2000" dirty="0" smtClean="0"/>
+              <a:t> public-</a:t>
+            </a:r>
+            <a:r>
+              <a:rPr lang="en-US" sz="2000" dirty="0" err="1" smtClean="0"/>
+              <a:t>privat</a:t>
+            </a:r>
+            <a:r>
+              <a:rPr lang="en-US" sz="2000" dirty="0" smtClean="0"/>
+              <a:t> I </a:t>
+            </a:r>
+            <a:r>
+              <a:rPr lang="en-US" sz="2000" dirty="0" err="1" smtClean="0"/>
+              <a:t>shkollave</a:t>
+            </a:r>
+            <a:r>
+              <a:rPr lang="en-US" sz="2000" dirty="0" smtClean="0"/>
+              <a:t> 9 </a:t>
+            </a:r>
+            <a:r>
+              <a:rPr lang="en-US" sz="2000" dirty="0" err="1" smtClean="0"/>
+              <a:t>vjeçare</a:t>
+            </a:r>
+            <a:endParaRPr lang="en-US" sz="2000" dirty="0"/>
+          </a:p>
+        </p:txBody>
+      </p:sp>
+      <p:pic>
+        <p:nvPicPr>
+          <p:cNvPr id="7" name="Content Placeholder 6"/>
+          <p:cNvPicPr>
+            <a:picLocks noGrp="1" noChangeAspect="1"/>
+          </p:cNvPicPr>
+          <p:nvPr>
+            <p:ph sz="half" idx="2"/>
+          </p:nvPr>
+        </p:nvPicPr>
+        <p:blipFill>
+          <a:blip r:embed="rId2">
+            <a:extLst>
+              <a:ext uri="{28A0092B-C50C-407E-A947-70E740481C1C}">
+                <a14:useLocalDpi xmlns:a14="http://schemas.microsoft.com/office/drawing/2010/main" val="0"/>
+              </a:ext>
+            </a:extLst>
+          </a:blip>
+          <a:stretch>
+            <a:fillRect/>
+          </a:stretch>
+        </p:blipFill>
+        <p:spPr>
+          <a:xfrm>
+            <a:off x="0" y="0"/>
+            <a:ext cx="9126330" cy="3506110"/>
+          </a:xfrm>
+        </p:spPr>
+      </p:pic>
+      <p:sp>
+        <p:nvSpPr>
+          <p:cNvPr id="5" name="Text Placeholder 4"/>
+          <p:cNvSpPr>
+            <a:spLocks noGrp="1"/>
+          </p:cNvSpPr>
+          <p:nvPr>
+            <p:ph type="body" sz="quarter" idx="3"/>
+          </p:nvPr>
+        </p:nvSpPr>
+        <p:spPr>
+          <a:xfrm>
+            <a:off x="9508467" y="4143333"/>
+            <a:ext cx="2460620" cy="1895686"/>
+          </a:xfrm>
+        </p:spPr>
+        <p:txBody>
+          <a:bodyPr/>
+          <a:lstStyle/>
+          <a:p>
+            <a:r>
+              <a:rPr lang="en-US" sz="2000" dirty="0" err="1"/>
+              <a:t>Raporti</a:t>
+            </a:r>
+            <a:r>
+              <a:rPr lang="en-US" sz="2000" dirty="0"/>
+              <a:t> public-</a:t>
+            </a:r>
+            <a:r>
+              <a:rPr lang="en-US" sz="2000" dirty="0" err="1"/>
+              <a:t>privat</a:t>
+            </a:r>
+            <a:r>
+              <a:rPr lang="en-US" sz="2000" dirty="0"/>
+              <a:t> I </a:t>
+            </a:r>
+            <a:r>
+              <a:rPr lang="en-US" sz="2000" dirty="0" err="1"/>
+              <a:t>shkollave</a:t>
+            </a:r>
+            <a:r>
+              <a:rPr lang="en-US" sz="2000" dirty="0"/>
+              <a:t> </a:t>
+            </a:r>
+            <a:r>
+              <a:rPr lang="en-US" sz="2000" dirty="0" err="1" smtClean="0"/>
+              <a:t>të</a:t>
+            </a:r>
+            <a:r>
+              <a:rPr lang="en-US" sz="2000" dirty="0" smtClean="0"/>
+              <a:t> </a:t>
+            </a:r>
+            <a:r>
+              <a:rPr lang="en-US" sz="2000" dirty="0" err="1" smtClean="0"/>
+              <a:t>larta</a:t>
+            </a:r>
+            <a:endParaRPr lang="en-US" sz="2000" dirty="0"/>
+          </a:p>
+          <a:p>
+            <a:endParaRPr lang="en-US" dirty="0"/>
+          </a:p>
+        </p:txBody>
+      </p:sp>
+      <p:pic>
+        <p:nvPicPr>
+          <p:cNvPr id="8" name="Content Placeholder 7"/>
+          <p:cNvPicPr>
+            <a:picLocks noGrp="1" noChangeAspect="1"/>
+          </p:cNvPicPr>
+          <p:nvPr>
+            <p:ph sz="quarter" idx="4"/>
+          </p:nvPr>
+        </p:nvPicPr>
+        <p:blipFill>
+          <a:blip r:embed="rId3">
+            <a:extLst>
+              <a:ext uri="{28A0092B-C50C-407E-A947-70E740481C1C}">
+                <a14:useLocalDpi xmlns:a14="http://schemas.microsoft.com/office/drawing/2010/main" val="0"/>
+              </a:ext>
+            </a:extLst>
+          </a:blip>
+          <a:stretch>
+            <a:fillRect/>
+          </a:stretch>
+        </p:blipFill>
+        <p:spPr>
+          <a:xfrm>
+            <a:off x="143752" y="3393850"/>
+            <a:ext cx="9126330" cy="3394653"/>
+          </a:xfrm>
+        </p:spPr>
+      </p:pic>
+    </p:spTree>
+    <p:extLst>
+      <p:ext uri="{BB962C8B-B14F-4D97-AF65-F5344CB8AC3E}">
+        <p14:creationId xmlns:p14="http://schemas.microsoft.com/office/powerpoint/2010/main" val="3870350825"/>
+      </p:ext>
+    </p:extLst>
+  </p:cSld>
+  <p:clrMapOvr>
+    <a:masterClrMapping/>
+  </p:clrMapOvr>
+  <p:timing>
+    <p:tnLst>
+      <p:par>
+        <p:cTn id="1" dur="indefinite" restart="never" nodeType="tmRoot"/>
+      </p:par>
+    </p:tnLst>
+  </p:timing>
+</p:sld>
+</file>
+
+<file path=ppt/slides/slide21.xml><?xml version="1.0" encoding="utf-8"?>
+<p:sld xmlns:a="http://schemas.openxmlformats.org/drawingml/2006/main" xmlns:r="http://schemas.openxmlformats.org/officeDocument/2006/relationships" xmlns:p="http://schemas.openxmlformats.org/presentationml/2006/main">
+  <p:cSld>
+    <p:spTree>
+      <p:nvGrpSpPr>
+        <p:cNvPr id="1" name=""/>
+        <p:cNvGrpSpPr/>
+        <p:nvPr/>
+      </p:nvGrpSpPr>
+      <p:grpSpPr>
+        <a:xfrm>
+          <a:off x="0" y="0"/>
+          <a:ext cx="0" cy="0"/>
+          <a:chOff x="0" y="0"/>
+          <a:chExt cx="0" cy="0"/>
+        </a:xfrm>
+      </p:grpSpPr>
+      <p:sp>
+        <p:nvSpPr>
+          <p:cNvPr id="2" name="Title 1"/>
+          <p:cNvSpPr>
+            <a:spLocks noGrp="1"/>
+          </p:cNvSpPr>
+          <p:nvPr>
+            <p:ph type="title"/>
+          </p:nvPr>
+        </p:nvSpPr>
+        <p:spPr/>
+        <p:txBody>
+          <a:bodyPr/>
+          <a:lstStyle/>
+          <a:p>
+            <a:endParaRPr lang="en-US" dirty="0"/>
+          </a:p>
+        </p:txBody>
+      </p:sp>
+    </p:spTree>
+    <p:extLst>
+      <p:ext uri="{BB962C8B-B14F-4D97-AF65-F5344CB8AC3E}">
+        <p14:creationId xmlns:p14="http://schemas.microsoft.com/office/powerpoint/2010/main" val="711962129"/>
+      </p:ext>
+    </p:extLst>
+  </p:cSld>
+  <p:clrMapOvr>
+    <a:masterClrMapping/>
+  </p:clrMapOvr>
+  <p:timing>
+    <p:tnLst>
+      <p:par>
+        <p:cTn id="1" dur="indefinite" restart="never" nodeType="tmRoot"/>
+      </p:par>
+    </p:tnLst>
+  </p:timing>
+</p:sld>
+</file>
+
+<file path=ppt/slides/slide3.xml><?xml version="1.0" encoding="utf-8"?>
+<p:sld xmlns:a="http://schemas.openxmlformats.org/drawingml/2006/main" xmlns:r="http://schemas.openxmlformats.org/officeDocument/2006/relationships" xmlns:p="http://schemas.openxmlformats.org/presentationml/2006/main">
+  <p:cSld>
+    <p:spTree>
+      <p:nvGrpSpPr>
+        <p:cNvPr id="1" name=""/>
+        <p:cNvGrpSpPr/>
+        <p:nvPr/>
+      </p:nvGrpSpPr>
+      <p:grpSpPr>
+        <a:xfrm>
+          <a:off x="0" y="0"/>
+          <a:ext cx="0" cy="0"/>
+          <a:chOff x="0" y="0"/>
+          <a:chExt cx="0" cy="0"/>
+        </a:xfrm>
+      </p:grpSpPr>
+      <p:sp>
+        <p:nvSpPr>
+          <p:cNvPr id="2" name="Title 1"/>
+          <p:cNvSpPr>
+            <a:spLocks noGrp="1"/>
+          </p:cNvSpPr>
+          <p:nvPr>
+            <p:ph type="title"/>
+          </p:nvPr>
+        </p:nvSpPr>
+        <p:spPr/>
+        <p:txBody>
+          <a:bodyPr/>
+          <a:lstStyle/>
+          <a:p>
+            <a:pPr algn="ctr"/>
+            <a:r>
+              <a:rPr lang="en-US" dirty="0" err="1"/>
+              <a:t>Historiku</a:t>
+            </a:r>
+            <a:r>
+              <a:rPr lang="en-US" dirty="0"/>
+              <a:t> I </a:t>
+            </a:r>
+            <a:r>
+              <a:rPr lang="en-US" dirty="0" err="1"/>
+              <a:t>vendbanimeve</a:t>
+            </a:r>
+            <a:r>
+              <a:rPr lang="en-US" dirty="0"/>
+              <a:t> </a:t>
+            </a:r>
+            <a:r>
+              <a:rPr lang="en-US" dirty="0" err="1"/>
+              <a:t>dhe</a:t>
+            </a:r>
+            <a:r>
+              <a:rPr lang="en-US" dirty="0"/>
+              <a:t> </a:t>
+            </a:r>
+            <a:r>
+              <a:rPr lang="en-US" dirty="0" err="1"/>
+              <a:t>lëvizjeve</a:t>
+            </a:r>
+            <a:r>
+              <a:rPr lang="en-US" dirty="0"/>
+              <a:t> </a:t>
+            </a:r>
+            <a:r>
+              <a:rPr lang="en-US" dirty="0" err="1"/>
+              <a:t>të</a:t>
+            </a:r>
+            <a:r>
+              <a:rPr lang="en-US" dirty="0"/>
+              <a:t> </a:t>
+            </a:r>
+            <a:r>
+              <a:rPr lang="en-US" dirty="0" err="1"/>
+              <a:t>popullatës</a:t>
+            </a:r>
+            <a:endParaRPr lang="en-US" dirty="0"/>
+          </a:p>
+        </p:txBody>
+      </p:sp>
+      <p:sp>
+        <p:nvSpPr>
+          <p:cNvPr id="3" name="Content Placeholder 2"/>
+          <p:cNvSpPr>
+            <a:spLocks noGrp="1"/>
+          </p:cNvSpPr>
+          <p:nvPr>
+            <p:ph idx="1"/>
+          </p:nvPr>
+        </p:nvSpPr>
+        <p:spPr/>
+        <p:txBody>
+          <a:bodyPr/>
+          <a:lstStyle/>
+          <a:p>
+            <a:r>
+              <a:rPr lang="en-US" dirty="0" err="1" smtClean="0"/>
+              <a:t>Paraprakisht</a:t>
+            </a:r>
+            <a:r>
+              <a:rPr lang="en-US" dirty="0" smtClean="0"/>
+              <a:t> </a:t>
+            </a:r>
+            <a:r>
+              <a:rPr lang="en-US" dirty="0" err="1" smtClean="0"/>
+              <a:t>duam</a:t>
+            </a:r>
+            <a:r>
+              <a:rPr lang="en-US" dirty="0" smtClean="0"/>
+              <a:t> </a:t>
+            </a:r>
+            <a:r>
+              <a:rPr lang="en-US" dirty="0" err="1" smtClean="0"/>
+              <a:t>të</a:t>
+            </a:r>
+            <a:r>
+              <a:rPr lang="en-US" dirty="0" smtClean="0"/>
+              <a:t> </a:t>
+            </a:r>
+            <a:r>
+              <a:rPr lang="en-US" dirty="0" err="1" smtClean="0"/>
+              <a:t>paraqesim</a:t>
+            </a:r>
+            <a:r>
+              <a:rPr lang="en-US" dirty="0" smtClean="0"/>
+              <a:t> </a:t>
+            </a:r>
+            <a:r>
+              <a:rPr lang="en-US" dirty="0" err="1" smtClean="0"/>
+              <a:t>disa</a:t>
+            </a:r>
+            <a:r>
+              <a:rPr lang="en-US" dirty="0" smtClean="0"/>
+              <a:t> </a:t>
+            </a:r>
+            <a:r>
+              <a:rPr lang="en-US" dirty="0" err="1" smtClean="0"/>
+              <a:t>të</a:t>
+            </a:r>
+            <a:r>
+              <a:rPr lang="en-US" dirty="0" smtClean="0"/>
+              <a:t> </a:t>
+            </a:r>
+            <a:r>
+              <a:rPr lang="en-US" dirty="0" err="1" smtClean="0"/>
+              <a:t>dhëna</a:t>
+            </a:r>
+            <a:r>
+              <a:rPr lang="en-US" dirty="0" smtClean="0"/>
+              <a:t> </a:t>
+            </a:r>
+            <a:r>
+              <a:rPr lang="en-US" dirty="0" err="1" smtClean="0"/>
+              <a:t>të</a:t>
+            </a:r>
+            <a:r>
+              <a:rPr lang="en-US" dirty="0" smtClean="0"/>
+              <a:t> </a:t>
+            </a:r>
+            <a:r>
+              <a:rPr lang="en-US" dirty="0" err="1" smtClean="0"/>
+              <a:t>pergjitshme</a:t>
+            </a:r>
+            <a:r>
+              <a:rPr lang="en-US" dirty="0" smtClean="0"/>
+              <a:t> </a:t>
+            </a:r>
+            <a:r>
+              <a:rPr lang="en-US" dirty="0" err="1" smtClean="0"/>
+              <a:t>mbi</a:t>
+            </a:r>
+            <a:r>
+              <a:rPr lang="en-US" dirty="0" smtClean="0"/>
+              <a:t> </a:t>
+            </a:r>
+            <a:r>
+              <a:rPr lang="en-US" dirty="0" err="1" smtClean="0"/>
+              <a:t>numrin</a:t>
+            </a:r>
+            <a:r>
+              <a:rPr lang="en-US" dirty="0" smtClean="0"/>
+              <a:t> e populates.</a:t>
+            </a:r>
+          </a:p>
+          <a:p>
+            <a:r>
+              <a:rPr lang="en-US" dirty="0" err="1" smtClean="0"/>
+              <a:t>Dy</a:t>
+            </a:r>
+            <a:r>
+              <a:rPr lang="en-US" dirty="0" smtClean="0"/>
+              <a:t> </a:t>
+            </a:r>
+            <a:r>
+              <a:rPr lang="en-US" dirty="0" err="1" smtClean="0"/>
+              <a:t>shifrat</a:t>
+            </a:r>
+            <a:r>
+              <a:rPr lang="en-US" dirty="0" smtClean="0"/>
+              <a:t> </a:t>
+            </a:r>
+            <a:r>
+              <a:rPr lang="en-US" dirty="0" err="1" smtClean="0"/>
+              <a:t>që</a:t>
+            </a:r>
+            <a:r>
+              <a:rPr lang="en-US" dirty="0" smtClean="0"/>
+              <a:t> </a:t>
+            </a:r>
+            <a:r>
+              <a:rPr lang="en-US" dirty="0" err="1" smtClean="0"/>
+              <a:t>na</a:t>
+            </a:r>
+            <a:r>
+              <a:rPr lang="en-US" dirty="0" smtClean="0"/>
+              <a:t> </a:t>
+            </a:r>
+            <a:r>
+              <a:rPr lang="en-US" dirty="0" err="1" smtClean="0"/>
+              <a:t>interesojnë</a:t>
+            </a:r>
+            <a:r>
+              <a:rPr lang="en-US" dirty="0" smtClean="0"/>
+              <a:t> </a:t>
+            </a:r>
+            <a:r>
+              <a:rPr lang="en-US" dirty="0" err="1" smtClean="0"/>
+              <a:t>janë</a:t>
+            </a:r>
+            <a:r>
+              <a:rPr lang="en-US" dirty="0" smtClean="0"/>
+              <a:t> </a:t>
+            </a:r>
+            <a:r>
+              <a:rPr lang="en-US" dirty="0" err="1" smtClean="0"/>
+              <a:t>numri</a:t>
+            </a:r>
+            <a:r>
+              <a:rPr lang="en-US" dirty="0" smtClean="0"/>
+              <a:t> I </a:t>
+            </a:r>
+            <a:r>
+              <a:rPr lang="en-US" dirty="0" err="1" smtClean="0"/>
+              <a:t>popullsisë</a:t>
+            </a:r>
+            <a:r>
+              <a:rPr lang="en-US" dirty="0" smtClean="0"/>
+              <a:t> </a:t>
+            </a:r>
+            <a:r>
+              <a:rPr lang="en-US" dirty="0" err="1" smtClean="0"/>
+              <a:t>sipas</a:t>
+            </a:r>
+            <a:r>
+              <a:rPr lang="en-US" dirty="0" smtClean="0"/>
+              <a:t> </a:t>
+            </a:r>
+            <a:r>
+              <a:rPr lang="en-US" dirty="0" err="1" smtClean="0"/>
+              <a:t>qarqeve</a:t>
+            </a:r>
+            <a:r>
+              <a:rPr lang="en-US" dirty="0" smtClean="0"/>
+              <a:t> </a:t>
+            </a:r>
+            <a:r>
+              <a:rPr lang="en-US" dirty="0" err="1" smtClean="0"/>
+              <a:t>dhe</a:t>
+            </a:r>
+            <a:r>
+              <a:rPr lang="en-US" dirty="0" smtClean="0"/>
+              <a:t> </a:t>
+            </a:r>
+            <a:r>
+              <a:rPr lang="en-US" dirty="0" err="1" smtClean="0"/>
+              <a:t>numri</a:t>
+            </a:r>
+            <a:r>
+              <a:rPr lang="en-US" dirty="0" smtClean="0"/>
+              <a:t> I </a:t>
+            </a:r>
+            <a:r>
+              <a:rPr lang="en-US" dirty="0" err="1" smtClean="0"/>
+              <a:t>popullsisë</a:t>
+            </a:r>
+            <a:r>
+              <a:rPr lang="en-US" dirty="0" smtClean="0"/>
+              <a:t> </a:t>
+            </a:r>
+            <a:r>
+              <a:rPr lang="en-US" dirty="0" err="1" smtClean="0"/>
+              <a:t>së</a:t>
+            </a:r>
+            <a:r>
+              <a:rPr lang="en-US" dirty="0" smtClean="0"/>
+              <a:t> </a:t>
+            </a:r>
+            <a:r>
+              <a:rPr lang="en-US" dirty="0" err="1" smtClean="0"/>
+              <a:t>kthyer</a:t>
+            </a:r>
+            <a:r>
+              <a:rPr lang="en-US" dirty="0" smtClean="0"/>
+              <a:t> </a:t>
+            </a:r>
+            <a:r>
+              <a:rPr lang="en-US" dirty="0" err="1" smtClean="0"/>
+              <a:t>nga</a:t>
+            </a:r>
+            <a:r>
+              <a:rPr lang="en-US" dirty="0" smtClean="0"/>
+              <a:t> </a:t>
+            </a:r>
+            <a:r>
+              <a:rPr lang="en-US" dirty="0" err="1" smtClean="0"/>
+              <a:t>emigrimi</a:t>
+            </a:r>
+            <a:endParaRPr lang="en-US" dirty="0" smtClean="0"/>
+          </a:p>
+          <a:p>
+            <a:r>
+              <a:rPr lang="en-US" dirty="0" err="1" smtClean="0"/>
+              <a:t>Pika</a:t>
+            </a:r>
+            <a:r>
+              <a:rPr lang="en-US" dirty="0" smtClean="0"/>
+              <a:t> e </a:t>
+            </a:r>
+            <a:r>
+              <a:rPr lang="en-US" dirty="0" err="1" smtClean="0"/>
+              <a:t>parë</a:t>
+            </a:r>
+            <a:r>
+              <a:rPr lang="en-US" dirty="0" smtClean="0"/>
+              <a:t> </a:t>
+            </a:r>
+            <a:r>
+              <a:rPr lang="en-US" dirty="0" err="1" smtClean="0"/>
+              <a:t>shërben</a:t>
+            </a:r>
+            <a:r>
+              <a:rPr lang="en-US" dirty="0" smtClean="0"/>
+              <a:t> </a:t>
+            </a:r>
+            <a:r>
+              <a:rPr lang="en-US" dirty="0" err="1" smtClean="0"/>
+              <a:t>për</a:t>
+            </a:r>
+            <a:r>
+              <a:rPr lang="en-US" dirty="0" smtClean="0"/>
+              <a:t> </a:t>
+            </a:r>
+            <a:r>
+              <a:rPr lang="en-US" dirty="0" err="1" smtClean="0"/>
+              <a:t>të</a:t>
+            </a:r>
+            <a:r>
+              <a:rPr lang="en-US" dirty="0" smtClean="0"/>
+              <a:t> </a:t>
+            </a:r>
+            <a:r>
+              <a:rPr lang="en-US" dirty="0" err="1" smtClean="0"/>
+              <a:t>krijuar</a:t>
+            </a:r>
+            <a:r>
+              <a:rPr lang="en-US" dirty="0" smtClean="0"/>
+              <a:t> </a:t>
+            </a:r>
+            <a:r>
+              <a:rPr lang="en-US" dirty="0" err="1" smtClean="0"/>
+              <a:t>një</a:t>
+            </a:r>
+            <a:r>
+              <a:rPr lang="en-US" dirty="0" smtClean="0"/>
+              <a:t> ide </a:t>
+            </a:r>
+            <a:r>
+              <a:rPr lang="en-US" dirty="0" err="1" smtClean="0"/>
+              <a:t>mbi</a:t>
+            </a:r>
+            <a:r>
+              <a:rPr lang="en-US" dirty="0" smtClean="0"/>
+              <a:t> </a:t>
+            </a:r>
+            <a:r>
+              <a:rPr lang="en-US" dirty="0" err="1" smtClean="0"/>
+              <a:t>qarqet</a:t>
+            </a:r>
+            <a:r>
+              <a:rPr lang="en-US" dirty="0" smtClean="0"/>
+              <a:t> </a:t>
+            </a:r>
+            <a:r>
+              <a:rPr lang="en-US" dirty="0" err="1" smtClean="0"/>
+              <a:t>dhe</a:t>
+            </a:r>
+            <a:r>
+              <a:rPr lang="en-US" dirty="0" smtClean="0"/>
+              <a:t> </a:t>
+            </a:r>
+            <a:r>
+              <a:rPr lang="en-US" dirty="0" err="1" smtClean="0"/>
+              <a:t>numrin</a:t>
+            </a:r>
+            <a:r>
+              <a:rPr lang="en-US" dirty="0" smtClean="0"/>
+              <a:t> e </a:t>
+            </a:r>
+            <a:r>
+              <a:rPr lang="en-US" dirty="0" err="1" smtClean="0"/>
+              <a:t>banorëve</a:t>
+            </a:r>
+            <a:r>
+              <a:rPr lang="en-US" dirty="0" smtClean="0"/>
+              <a:t> </a:t>
+            </a:r>
+            <a:r>
+              <a:rPr lang="en-US" dirty="0" err="1" smtClean="0"/>
+              <a:t>në</a:t>
+            </a:r>
+            <a:r>
+              <a:rPr lang="en-US" dirty="0" smtClean="0"/>
+              <a:t> to. </a:t>
+            </a:r>
+            <a:r>
+              <a:rPr lang="en-US" dirty="0" err="1" smtClean="0"/>
+              <a:t>Më</a:t>
+            </a:r>
+            <a:r>
+              <a:rPr lang="en-US" dirty="0" smtClean="0"/>
+              <a:t> </a:t>
+            </a:r>
+            <a:r>
+              <a:rPr lang="en-US" dirty="0" err="1" smtClean="0"/>
+              <a:t>poshtë</a:t>
+            </a:r>
+            <a:r>
+              <a:rPr lang="en-US" dirty="0" smtClean="0"/>
+              <a:t> do </a:t>
+            </a:r>
+            <a:r>
+              <a:rPr lang="en-US" dirty="0" err="1" smtClean="0"/>
+              <a:t>të</a:t>
+            </a:r>
+            <a:r>
+              <a:rPr lang="en-US" dirty="0" smtClean="0"/>
+              <a:t> </a:t>
+            </a:r>
+            <a:r>
+              <a:rPr lang="en-US" dirty="0" err="1" smtClean="0"/>
+              <a:t>paraqesim</a:t>
+            </a:r>
+            <a:r>
+              <a:rPr lang="en-US" dirty="0" smtClean="0"/>
+              <a:t> </a:t>
+            </a:r>
+            <a:r>
+              <a:rPr lang="en-US" dirty="0" err="1" smtClean="0"/>
+              <a:t>të</a:t>
+            </a:r>
+            <a:r>
+              <a:rPr lang="en-US" dirty="0" smtClean="0"/>
+              <a:t> </a:t>
+            </a:r>
+            <a:r>
+              <a:rPr lang="en-US" dirty="0" err="1" smtClean="0"/>
+              <a:t>dhëna</a:t>
+            </a:r>
+            <a:r>
+              <a:rPr lang="en-US" dirty="0" smtClean="0"/>
+              <a:t> </a:t>
+            </a:r>
+            <a:r>
+              <a:rPr lang="en-US" dirty="0" err="1" smtClean="0"/>
+              <a:t>sipas</a:t>
+            </a:r>
+            <a:r>
+              <a:rPr lang="en-US" dirty="0" smtClean="0"/>
+              <a:t> </a:t>
+            </a:r>
+            <a:r>
+              <a:rPr lang="en-US" dirty="0" err="1" smtClean="0"/>
+              <a:t>çdo</a:t>
+            </a:r>
+            <a:r>
+              <a:rPr lang="en-US" dirty="0" smtClean="0"/>
+              <a:t> </a:t>
+            </a:r>
+            <a:r>
+              <a:rPr lang="en-US" dirty="0" err="1" smtClean="0"/>
+              <a:t>qarku</a:t>
+            </a:r>
+            <a:r>
+              <a:rPr lang="en-US" dirty="0" smtClean="0"/>
+              <a:t>, </a:t>
+            </a:r>
+            <a:r>
+              <a:rPr lang="en-US" dirty="0" err="1" smtClean="0"/>
+              <a:t>ndaj</a:t>
+            </a:r>
+            <a:r>
+              <a:rPr lang="en-US" dirty="0" smtClean="0"/>
+              <a:t> </a:t>
+            </a:r>
+            <a:r>
+              <a:rPr lang="en-US" dirty="0" err="1" smtClean="0"/>
+              <a:t>ky</a:t>
+            </a:r>
+            <a:r>
+              <a:rPr lang="en-US" dirty="0" smtClean="0"/>
+              <a:t> hap </a:t>
+            </a:r>
+            <a:r>
+              <a:rPr lang="en-US" dirty="0" err="1" smtClean="0"/>
+              <a:t>është</a:t>
+            </a:r>
+            <a:r>
+              <a:rPr lang="en-US" dirty="0" smtClean="0"/>
+              <a:t> I </a:t>
+            </a:r>
+            <a:r>
+              <a:rPr lang="en-US" dirty="0" err="1" smtClean="0"/>
+              <a:t>rëndësishëm</a:t>
+            </a:r>
+            <a:r>
+              <a:rPr lang="en-US" dirty="0" smtClean="0"/>
+              <a:t> </a:t>
+            </a:r>
+            <a:r>
+              <a:rPr lang="en-US" dirty="0" err="1" smtClean="0"/>
+              <a:t>për</a:t>
+            </a:r>
+            <a:r>
+              <a:rPr lang="en-US" dirty="0" smtClean="0"/>
+              <a:t> </a:t>
+            </a:r>
+            <a:r>
+              <a:rPr lang="en-US" dirty="0" err="1" smtClean="0"/>
+              <a:t>krahasim</a:t>
+            </a:r>
+            <a:r>
+              <a:rPr lang="en-US" dirty="0" smtClean="0"/>
+              <a:t>.</a:t>
+            </a:r>
+          </a:p>
+          <a:p>
+            <a:r>
+              <a:rPr lang="en-US" dirty="0" err="1" smtClean="0"/>
+              <a:t>Pika</a:t>
+            </a:r>
+            <a:r>
+              <a:rPr lang="en-US" dirty="0" smtClean="0"/>
+              <a:t> e </a:t>
+            </a:r>
+            <a:r>
+              <a:rPr lang="en-US" dirty="0" err="1" smtClean="0"/>
+              <a:t>dytë</a:t>
+            </a:r>
+            <a:r>
+              <a:rPr lang="en-US" dirty="0" smtClean="0"/>
+              <a:t> </a:t>
+            </a:r>
+            <a:r>
+              <a:rPr lang="en-US" dirty="0" err="1" smtClean="0"/>
+              <a:t>ka</a:t>
+            </a:r>
+            <a:r>
+              <a:rPr lang="en-US" dirty="0" smtClean="0"/>
+              <a:t> </a:t>
+            </a:r>
+            <a:r>
+              <a:rPr lang="en-US" dirty="0" err="1" smtClean="0"/>
+              <a:t>për</a:t>
+            </a:r>
+            <a:r>
+              <a:rPr lang="en-US" dirty="0" smtClean="0"/>
+              <a:t> </a:t>
+            </a:r>
+            <a:r>
+              <a:rPr lang="en-US" dirty="0" err="1" smtClean="0"/>
+              <a:t>qëllim</a:t>
+            </a:r>
+            <a:r>
+              <a:rPr lang="en-US" dirty="0" smtClean="0"/>
+              <a:t> </a:t>
+            </a:r>
+            <a:r>
+              <a:rPr lang="en-US" dirty="0" err="1" smtClean="0"/>
+              <a:t>të</a:t>
+            </a:r>
+            <a:r>
+              <a:rPr lang="en-US" dirty="0" smtClean="0"/>
+              <a:t> </a:t>
+            </a:r>
+            <a:r>
+              <a:rPr lang="en-US" dirty="0" err="1" smtClean="0"/>
+              <a:t>tregojë</a:t>
+            </a:r>
+            <a:r>
+              <a:rPr lang="en-US" dirty="0" smtClean="0"/>
+              <a:t> </a:t>
+            </a:r>
+            <a:r>
+              <a:rPr lang="en-US" dirty="0" err="1" smtClean="0"/>
+              <a:t>shtimin</a:t>
+            </a:r>
+            <a:r>
+              <a:rPr lang="en-US" dirty="0" smtClean="0"/>
+              <a:t> e </a:t>
+            </a:r>
+            <a:r>
+              <a:rPr lang="en-US" dirty="0" err="1" smtClean="0"/>
+              <a:t>popullsisë</a:t>
+            </a:r>
+            <a:r>
+              <a:rPr lang="en-US" dirty="0" smtClean="0"/>
+              <a:t>. </a:t>
+            </a:r>
+            <a:r>
+              <a:rPr lang="en-US" dirty="0" err="1" smtClean="0"/>
+              <a:t>Në</a:t>
+            </a:r>
+            <a:r>
+              <a:rPr lang="en-US" dirty="0" smtClean="0"/>
+              <a:t> </a:t>
+            </a:r>
+            <a:r>
+              <a:rPr lang="en-US" dirty="0" err="1" smtClean="0"/>
+              <a:t>kontekstin</a:t>
+            </a:r>
+            <a:r>
+              <a:rPr lang="en-US" dirty="0" smtClean="0"/>
+              <a:t> e </a:t>
+            </a:r>
+            <a:r>
+              <a:rPr lang="en-US" dirty="0" err="1" smtClean="0"/>
+              <a:t>këtij</a:t>
+            </a:r>
+            <a:r>
+              <a:rPr lang="en-US" dirty="0" smtClean="0"/>
+              <a:t> </a:t>
+            </a:r>
+            <a:r>
+              <a:rPr lang="en-US" dirty="0" err="1" smtClean="0"/>
+              <a:t>studimi</a:t>
+            </a:r>
+            <a:r>
+              <a:rPr lang="en-US" dirty="0" smtClean="0"/>
+              <a:t> </a:t>
+            </a:r>
+            <a:r>
+              <a:rPr lang="en-US" dirty="0" err="1" smtClean="0"/>
+              <a:t>kjo</a:t>
+            </a:r>
+            <a:r>
+              <a:rPr lang="en-US" dirty="0" smtClean="0"/>
+              <a:t> </a:t>
+            </a:r>
+            <a:r>
+              <a:rPr lang="en-US" dirty="0" err="1" smtClean="0"/>
+              <a:t>është</a:t>
+            </a:r>
+            <a:r>
+              <a:rPr lang="en-US" dirty="0" smtClean="0"/>
+              <a:t> e </a:t>
+            </a:r>
+            <a:r>
+              <a:rPr lang="en-US" dirty="0" err="1" smtClean="0"/>
+              <a:t>barazvlefshme</a:t>
+            </a:r>
+            <a:r>
+              <a:rPr lang="en-US" dirty="0" smtClean="0"/>
+              <a:t> me </a:t>
+            </a:r>
+            <a:r>
+              <a:rPr lang="en-US" dirty="0" err="1" smtClean="0"/>
+              <a:t>rritjen</a:t>
+            </a:r>
+            <a:r>
+              <a:rPr lang="en-US" dirty="0" smtClean="0"/>
+              <a:t> </a:t>
+            </a:r>
+            <a:r>
+              <a:rPr lang="en-US" dirty="0" err="1" smtClean="0"/>
+              <a:t>ose</a:t>
+            </a:r>
+            <a:r>
+              <a:rPr lang="en-US" dirty="0" smtClean="0"/>
+              <a:t> </a:t>
+            </a:r>
+            <a:r>
+              <a:rPr lang="en-US" dirty="0" err="1" smtClean="0"/>
+              <a:t>uljen</a:t>
+            </a:r>
+            <a:r>
+              <a:rPr lang="en-US" dirty="0" smtClean="0"/>
+              <a:t> e </a:t>
+            </a:r>
+            <a:r>
+              <a:rPr lang="en-US" dirty="0" err="1" smtClean="0"/>
+              <a:t>kërkesës</a:t>
+            </a:r>
+            <a:r>
+              <a:rPr lang="en-US" dirty="0" smtClean="0"/>
+              <a:t> </a:t>
+            </a:r>
+            <a:r>
+              <a:rPr lang="en-US" dirty="0" err="1" smtClean="0"/>
+              <a:t>për</a:t>
+            </a:r>
+            <a:r>
+              <a:rPr lang="en-US" dirty="0" smtClean="0"/>
+              <a:t> </a:t>
+            </a:r>
+            <a:r>
+              <a:rPr lang="en-US" dirty="0" err="1" smtClean="0"/>
+              <a:t>institucione</a:t>
+            </a:r>
+            <a:r>
+              <a:rPr lang="en-US" dirty="0" smtClean="0"/>
+              <a:t> </a:t>
+            </a:r>
+            <a:r>
+              <a:rPr lang="en-US" dirty="0" err="1" smtClean="0"/>
+              <a:t>arsimore</a:t>
+            </a:r>
+            <a:r>
+              <a:rPr lang="en-US" dirty="0" smtClean="0"/>
+              <a:t> </a:t>
+            </a:r>
+            <a:endParaRPr lang="en-US" dirty="0"/>
+          </a:p>
+        </p:txBody>
+      </p:sp>
+    </p:spTree>
+    <p:extLst>
+      <p:ext uri="{BB962C8B-B14F-4D97-AF65-F5344CB8AC3E}">
+        <p14:creationId xmlns:p14="http://schemas.microsoft.com/office/powerpoint/2010/main" val="2206275643"/>
+      </p:ext>
+    </p:extLst>
+  </p:cSld>
+  <p:clrMapOvr>
+    <a:masterClrMapping/>
+  </p:clrMapOvr>
+  <p:timing>
+    <p:tnLst>
+      <p:par>
+        <p:cTn id="1" dur="indefinite" restart="never" nodeType="tmRoot"/>
+      </p:par>
+    </p:tnLst>
+  </p:timing>
+</p:sld>
+</file>
+
+<file path=ppt/slides/slide4.xml><?xml version="1.0" encoding="utf-8"?>
+<p:sld xmlns:a="http://schemas.openxmlformats.org/drawingml/2006/main" xmlns:r="http://schemas.openxmlformats.org/officeDocument/2006/relationships" xmlns:p="http://schemas.openxmlformats.org/presentationml/2006/main">
+  <p:cSld>
+    <p:spTree>
+      <p:nvGrpSpPr>
+        <p:cNvPr id="1" name=""/>
+        <p:cNvGrpSpPr/>
+        <p:nvPr/>
+      </p:nvGrpSpPr>
+      <p:grpSpPr>
+        <a:xfrm>
+          <a:off x="0" y="0"/>
+          <a:ext cx="0" cy="0"/>
+          <a:chOff x="0" y="0"/>
+          <a:chExt cx="0" cy="0"/>
+        </a:xfrm>
+      </p:grpSpPr>
+      <p:sp>
+        <p:nvSpPr>
+          <p:cNvPr id="3" name="Text Placeholder 2"/>
+          <p:cNvSpPr>
+            <a:spLocks noGrp="1"/>
+          </p:cNvSpPr>
+          <p:nvPr>
+            <p:ph type="body" idx="1"/>
+          </p:nvPr>
+        </p:nvSpPr>
+        <p:spPr>
+          <a:xfrm>
+            <a:off x="839788" y="179909"/>
+            <a:ext cx="5157787" cy="823912"/>
+          </a:xfrm>
+        </p:spPr>
+        <p:txBody>
+          <a:bodyPr/>
+          <a:lstStyle/>
+          <a:p>
+            <a:r>
+              <a:rPr lang="en-US" dirty="0" err="1" smtClean="0"/>
+              <a:t>Numri</a:t>
+            </a:r>
+            <a:r>
+              <a:rPr lang="en-US" dirty="0" smtClean="0"/>
+              <a:t> I </a:t>
+            </a:r>
+            <a:r>
+              <a:rPr lang="en-US" dirty="0" err="1" smtClean="0"/>
+              <a:t>popullsisë</a:t>
+            </a:r>
+            <a:r>
+              <a:rPr lang="en-US" dirty="0" smtClean="0"/>
+              <a:t> </a:t>
+            </a:r>
+            <a:r>
+              <a:rPr lang="en-US" dirty="0" err="1" smtClean="0"/>
+              <a:t>sipas</a:t>
+            </a:r>
+            <a:r>
+              <a:rPr lang="en-US" dirty="0" smtClean="0"/>
+              <a:t> </a:t>
+            </a:r>
+            <a:r>
+              <a:rPr lang="en-US" dirty="0" err="1" smtClean="0"/>
+              <a:t>qarqeve</a:t>
+            </a:r>
+            <a:endParaRPr lang="en-US" dirty="0"/>
+          </a:p>
+        </p:txBody>
+      </p:sp>
+      <p:pic>
+        <p:nvPicPr>
+          <p:cNvPr id="7" name="Content Placeholder 6"/>
+          <p:cNvPicPr>
+            <a:picLocks noGrp="1" noChangeAspect="1"/>
+          </p:cNvPicPr>
+          <p:nvPr>
+            <p:ph sz="half" idx="2"/>
+          </p:nvPr>
+        </p:nvPicPr>
+        <p:blipFill>
+          <a:blip r:embed="rId2">
+            <a:extLst>
+              <a:ext uri="{28A0092B-C50C-407E-A947-70E740481C1C}">
+                <a14:useLocalDpi xmlns:a14="http://schemas.microsoft.com/office/drawing/2010/main" val="0"/>
+              </a:ext>
+            </a:extLst>
+          </a:blip>
+          <a:stretch>
+            <a:fillRect/>
+          </a:stretch>
+        </p:blipFill>
+        <p:spPr>
+          <a:xfrm>
+            <a:off x="39450" y="1269243"/>
+            <a:ext cx="5958126" cy="4604410"/>
+          </a:xfrm>
+        </p:spPr>
+      </p:pic>
+      <p:sp>
+        <p:nvSpPr>
+          <p:cNvPr id="5" name="Text Placeholder 4"/>
+          <p:cNvSpPr>
+            <a:spLocks noGrp="1"/>
+          </p:cNvSpPr>
+          <p:nvPr>
+            <p:ph type="body" sz="quarter" idx="3"/>
+          </p:nvPr>
+        </p:nvSpPr>
+        <p:spPr>
+          <a:xfrm>
+            <a:off x="5997575" y="179909"/>
+            <a:ext cx="5183188" cy="823912"/>
+          </a:xfrm>
+        </p:spPr>
+        <p:txBody>
+          <a:bodyPr/>
+          <a:lstStyle/>
+          <a:p>
+            <a:r>
+              <a:rPr lang="en-US" dirty="0" err="1" smtClean="0"/>
+              <a:t>Numri</a:t>
+            </a:r>
+            <a:r>
+              <a:rPr lang="en-US" dirty="0" smtClean="0"/>
+              <a:t> I </a:t>
+            </a:r>
+            <a:r>
+              <a:rPr lang="en-US" dirty="0" err="1" smtClean="0"/>
+              <a:t>të</a:t>
+            </a:r>
+            <a:r>
+              <a:rPr lang="en-US" dirty="0" smtClean="0"/>
+              <a:t> </a:t>
+            </a:r>
+            <a:r>
+              <a:rPr lang="en-US" dirty="0" err="1" smtClean="0"/>
+              <a:t>kthyerve</a:t>
+            </a:r>
+            <a:r>
+              <a:rPr lang="en-US" dirty="0" smtClean="0"/>
+              <a:t>, </a:t>
+            </a:r>
+            <a:r>
+              <a:rPr lang="en-US" dirty="0" err="1" smtClean="0"/>
+              <a:t>mosha</a:t>
+            </a:r>
+            <a:r>
+              <a:rPr lang="en-US" dirty="0" smtClean="0"/>
+              <a:t> 0-30 </a:t>
+            </a:r>
+            <a:r>
+              <a:rPr lang="en-US" dirty="0" err="1" smtClean="0"/>
+              <a:t>vjeç</a:t>
+            </a:r>
+            <a:endParaRPr lang="en-US" dirty="0"/>
+          </a:p>
+        </p:txBody>
+      </p:sp>
+      <p:pic>
+        <p:nvPicPr>
+          <p:cNvPr id="8" name="Content Placeholder 7"/>
+          <p:cNvPicPr>
+            <a:picLocks noGrp="1" noChangeAspect="1"/>
+          </p:cNvPicPr>
+          <p:nvPr>
+            <p:ph sz="quarter" idx="4"/>
+          </p:nvPr>
+        </p:nvPicPr>
+        <p:blipFill>
+          <a:blip r:embed="rId3">
+            <a:extLst>
+              <a:ext uri="{28A0092B-C50C-407E-A947-70E740481C1C}">
+                <a14:useLocalDpi xmlns:a14="http://schemas.microsoft.com/office/drawing/2010/main" val="0"/>
+              </a:ext>
+            </a:extLst>
+          </a:blip>
+          <a:stretch>
+            <a:fillRect/>
+          </a:stretch>
+        </p:blipFill>
+        <p:spPr>
+          <a:xfrm>
+            <a:off x="6172199" y="1269243"/>
+            <a:ext cx="5990563" cy="4603021"/>
+          </a:xfrm>
+        </p:spPr>
+      </p:pic>
+    </p:spTree>
+    <p:extLst>
+      <p:ext uri="{BB962C8B-B14F-4D97-AF65-F5344CB8AC3E}">
+        <p14:creationId xmlns:p14="http://schemas.microsoft.com/office/powerpoint/2010/main" val="3150886633"/>
+      </p:ext>
+    </p:extLst>
+  </p:cSld>
+  <p:clrMapOvr>
+    <a:masterClrMapping/>
+  </p:clrMapOvr>
+  <p:timing>
+    <p:tnLst>
+      <p:par>
+        <p:cTn id="1" dur="indefinite" restart="never" nodeType="tmRoot"/>
+      </p:par>
+    </p:tnLst>
+  </p:timing>
+</p:sld>
+</file>
+
+<file path=ppt/slides/slide5.xml><?xml version="1.0" encoding="utf-8"?>
+<p:sld xmlns:a="http://schemas.openxmlformats.org/drawingml/2006/main" xmlns:r="http://schemas.openxmlformats.org/officeDocument/2006/relationships" xmlns:p="http://schemas.openxmlformats.org/presentationml/2006/main">
+  <p:cSld>
+    <p:spTree>
+      <p:nvGrpSpPr>
+        <p:cNvPr id="1" name=""/>
+        <p:cNvGrpSpPr/>
+        <p:nvPr/>
+      </p:nvGrpSpPr>
+      <p:grpSpPr>
+        <a:xfrm>
+          <a:off x="0" y="0"/>
+          <a:ext cx="0" cy="0"/>
+          <a:chOff x="0" y="0"/>
+          <a:chExt cx="0" cy="0"/>
+        </a:xfrm>
+      </p:grpSpPr>
+      <p:sp>
+        <p:nvSpPr>
+          <p:cNvPr id="2" name="Title 1"/>
+          <p:cNvSpPr>
+            <a:spLocks noGrp="1"/>
+          </p:cNvSpPr>
+          <p:nvPr>
+            <p:ph type="title"/>
+          </p:nvPr>
+        </p:nvSpPr>
+        <p:spPr/>
+        <p:txBody>
+          <a:bodyPr/>
+          <a:lstStyle/>
+          <a:p>
+            <a:endParaRPr lang="en-US"/>
+          </a:p>
+        </p:txBody>
+      </p:sp>
+      <p:sp>
+        <p:nvSpPr>
+          <p:cNvPr id="3" name="Content Placeholder 2"/>
+          <p:cNvSpPr>
+            <a:spLocks noGrp="1"/>
+          </p:cNvSpPr>
+          <p:nvPr>
+            <p:ph idx="1"/>
+          </p:nvPr>
+        </p:nvSpPr>
+        <p:spPr/>
+        <p:txBody>
+          <a:bodyPr/>
+          <a:lstStyle/>
+          <a:p>
+            <a:r>
+              <a:rPr lang="en-US" dirty="0" smtClean="0"/>
+              <a:t>Nga </a:t>
+            </a:r>
+            <a:r>
+              <a:rPr lang="en-US" dirty="0" err="1" smtClean="0"/>
+              <a:t>dy</a:t>
+            </a:r>
+            <a:r>
+              <a:rPr lang="en-US" dirty="0" smtClean="0"/>
+              <a:t> </a:t>
+            </a:r>
+            <a:r>
+              <a:rPr lang="en-US" dirty="0" err="1" smtClean="0"/>
+              <a:t>grafikët</a:t>
+            </a:r>
+            <a:r>
+              <a:rPr lang="en-US" dirty="0" smtClean="0"/>
+              <a:t> e </a:t>
+            </a:r>
+            <a:r>
+              <a:rPr lang="en-US" dirty="0" err="1" smtClean="0"/>
+              <a:t>mësipërm</a:t>
+            </a:r>
+            <a:r>
+              <a:rPr lang="en-US" dirty="0"/>
+              <a:t> </a:t>
+            </a:r>
+            <a:r>
+              <a:rPr lang="en-US" dirty="0" err="1" smtClean="0"/>
+              <a:t>mësojmë</a:t>
+            </a:r>
+            <a:r>
+              <a:rPr lang="en-US" dirty="0" smtClean="0"/>
+              <a:t> se </a:t>
+            </a:r>
+            <a:r>
+              <a:rPr lang="en-US" dirty="0" err="1" smtClean="0"/>
+              <a:t>qarku</a:t>
+            </a:r>
+            <a:r>
+              <a:rPr lang="en-US" dirty="0" smtClean="0"/>
+              <a:t> me </a:t>
+            </a:r>
+            <a:r>
+              <a:rPr lang="en-US" dirty="0" err="1" smtClean="0"/>
+              <a:t>më</a:t>
+            </a:r>
+            <a:r>
+              <a:rPr lang="en-US" dirty="0" smtClean="0"/>
+              <a:t> </a:t>
+            </a:r>
+            <a:r>
+              <a:rPr lang="en-US" dirty="0" err="1" smtClean="0"/>
+              <a:t>shumë</a:t>
+            </a:r>
+            <a:r>
+              <a:rPr lang="en-US" dirty="0" smtClean="0"/>
+              <a:t> </a:t>
+            </a:r>
+            <a:r>
+              <a:rPr lang="en-US" dirty="0" err="1" smtClean="0"/>
+              <a:t>banorë</a:t>
+            </a:r>
+            <a:r>
+              <a:rPr lang="en-US" dirty="0" smtClean="0"/>
+              <a:t> </a:t>
+            </a:r>
+            <a:r>
+              <a:rPr lang="en-US" dirty="0" err="1" smtClean="0"/>
+              <a:t>është</a:t>
+            </a:r>
+            <a:r>
+              <a:rPr lang="en-US" dirty="0" smtClean="0"/>
+              <a:t> Tirana. </a:t>
+            </a:r>
+            <a:r>
+              <a:rPr lang="en-US" dirty="0" err="1" smtClean="0"/>
+              <a:t>Më</a:t>
+            </a:r>
+            <a:r>
+              <a:rPr lang="en-US" dirty="0" smtClean="0"/>
+              <a:t> pas </a:t>
+            </a:r>
+            <a:r>
+              <a:rPr lang="en-US" dirty="0" err="1" smtClean="0"/>
+              <a:t>vijnë</a:t>
+            </a:r>
+            <a:r>
+              <a:rPr lang="en-US" dirty="0" smtClean="0"/>
+              <a:t> Fieri, </a:t>
+            </a:r>
+            <a:r>
+              <a:rPr lang="en-US" dirty="0" err="1" smtClean="0"/>
+              <a:t>Elbasani</a:t>
+            </a:r>
+            <a:r>
+              <a:rPr lang="en-US" dirty="0" smtClean="0"/>
+              <a:t>, </a:t>
+            </a:r>
+            <a:r>
+              <a:rPr lang="en-US" dirty="0" err="1" smtClean="0"/>
+              <a:t>Durrësi</a:t>
+            </a:r>
+            <a:r>
+              <a:rPr lang="en-US" dirty="0"/>
+              <a:t> </a:t>
+            </a:r>
+            <a:r>
+              <a:rPr lang="en-US" dirty="0" err="1" smtClean="0"/>
+              <a:t>etj</a:t>
+            </a:r>
+            <a:r>
+              <a:rPr lang="en-US" dirty="0" smtClean="0"/>
+              <a:t>. </a:t>
+            </a:r>
+            <a:r>
+              <a:rPr lang="en-US" dirty="0" err="1" smtClean="0"/>
+              <a:t>Qarku</a:t>
+            </a:r>
+            <a:r>
+              <a:rPr lang="en-US" dirty="0" smtClean="0"/>
+              <a:t> me </a:t>
+            </a:r>
+            <a:r>
+              <a:rPr lang="en-US" dirty="0" err="1" smtClean="0"/>
+              <a:t>më</a:t>
+            </a:r>
+            <a:r>
+              <a:rPr lang="en-US" dirty="0" smtClean="0"/>
+              <a:t> </a:t>
+            </a:r>
+            <a:r>
+              <a:rPr lang="en-US" dirty="0" err="1" smtClean="0"/>
+              <a:t>pak</a:t>
+            </a:r>
+            <a:r>
+              <a:rPr lang="en-US" dirty="0" smtClean="0"/>
+              <a:t> </a:t>
+            </a:r>
+            <a:r>
+              <a:rPr lang="en-US" dirty="0" err="1" smtClean="0"/>
+              <a:t>banorë</a:t>
+            </a:r>
+            <a:r>
+              <a:rPr lang="en-US" dirty="0" smtClean="0"/>
+              <a:t> </a:t>
+            </a:r>
+            <a:r>
+              <a:rPr lang="en-US" dirty="0" err="1" smtClean="0"/>
+              <a:t>është</a:t>
+            </a:r>
+            <a:r>
+              <a:rPr lang="en-US" dirty="0" smtClean="0"/>
+              <a:t> </a:t>
+            </a:r>
+            <a:r>
+              <a:rPr lang="en-US" dirty="0" err="1" smtClean="0"/>
+              <a:t>Gjirokastra</a:t>
+            </a:r>
+            <a:endParaRPr lang="en-US" dirty="0" smtClean="0"/>
+          </a:p>
+          <a:p>
+            <a:r>
+              <a:rPr lang="en-US" dirty="0" err="1" smtClean="0"/>
+              <a:t>Përsa</a:t>
+            </a:r>
+            <a:r>
+              <a:rPr lang="en-US" dirty="0" smtClean="0"/>
+              <a:t> I </a:t>
+            </a:r>
+            <a:r>
+              <a:rPr lang="en-US" dirty="0" err="1" smtClean="0"/>
+              <a:t>përket</a:t>
+            </a:r>
+            <a:r>
+              <a:rPr lang="en-US" dirty="0" smtClean="0"/>
+              <a:t> </a:t>
+            </a:r>
+            <a:r>
+              <a:rPr lang="en-US" dirty="0" err="1" smtClean="0"/>
+              <a:t>kthimit</a:t>
+            </a:r>
+            <a:r>
+              <a:rPr lang="en-US" dirty="0" smtClean="0"/>
+              <a:t> </a:t>
+            </a:r>
+            <a:r>
+              <a:rPr lang="en-US" dirty="0" err="1" smtClean="0"/>
+              <a:t>në</a:t>
+            </a:r>
+            <a:r>
+              <a:rPr lang="en-US" dirty="0" smtClean="0"/>
+              <a:t> </a:t>
+            </a:r>
+            <a:r>
+              <a:rPr lang="en-US" dirty="0" err="1" smtClean="0"/>
+              <a:t>Shqipëri</a:t>
+            </a:r>
+            <a:r>
+              <a:rPr lang="en-US" dirty="0" smtClean="0"/>
+              <a:t>, </a:t>
+            </a:r>
+            <a:r>
+              <a:rPr lang="en-US" dirty="0" err="1" smtClean="0"/>
+              <a:t>mësojmë</a:t>
+            </a:r>
+            <a:r>
+              <a:rPr lang="en-US" dirty="0" smtClean="0"/>
+              <a:t> se me </a:t>
+            </a:r>
+            <a:r>
+              <a:rPr lang="en-US" dirty="0" err="1" smtClean="0"/>
+              <a:t>kalimin</a:t>
+            </a:r>
+            <a:r>
+              <a:rPr lang="en-US" dirty="0" smtClean="0"/>
+              <a:t> e </a:t>
+            </a:r>
+            <a:r>
+              <a:rPr lang="en-US" dirty="0" err="1" smtClean="0"/>
+              <a:t>viteve</a:t>
+            </a:r>
+            <a:r>
+              <a:rPr lang="en-US" dirty="0" smtClean="0"/>
+              <a:t> </a:t>
+            </a:r>
+            <a:r>
+              <a:rPr lang="en-US" dirty="0" err="1" smtClean="0"/>
+              <a:t>është</a:t>
+            </a:r>
+            <a:r>
+              <a:rPr lang="en-US" dirty="0" smtClean="0"/>
+              <a:t> </a:t>
+            </a:r>
+            <a:r>
+              <a:rPr lang="en-US" dirty="0" err="1" smtClean="0"/>
+              <a:t>rritur</a:t>
+            </a:r>
+            <a:r>
+              <a:rPr lang="en-US" dirty="0" smtClean="0"/>
+              <a:t> </a:t>
+            </a:r>
+            <a:r>
+              <a:rPr lang="en-US" dirty="0" err="1" smtClean="0"/>
+              <a:t>numri</a:t>
+            </a:r>
+            <a:r>
+              <a:rPr lang="en-US" dirty="0" smtClean="0"/>
+              <a:t> I </a:t>
+            </a:r>
+            <a:r>
+              <a:rPr lang="en-US" dirty="0" err="1" smtClean="0"/>
+              <a:t>të</a:t>
+            </a:r>
+            <a:r>
+              <a:rPr lang="en-US" dirty="0" smtClean="0"/>
+              <a:t> </a:t>
+            </a:r>
+            <a:r>
+              <a:rPr lang="en-US" dirty="0" err="1" smtClean="0"/>
+              <a:t>kthyerve</a:t>
+            </a:r>
+            <a:r>
+              <a:rPr lang="en-US" dirty="0" smtClean="0"/>
+              <a:t>. Midis </a:t>
+            </a:r>
+            <a:r>
+              <a:rPr lang="en-US" dirty="0" err="1" smtClean="0"/>
+              <a:t>viteve</a:t>
+            </a:r>
+            <a:r>
+              <a:rPr lang="en-US" dirty="0" smtClean="0"/>
+              <a:t> 2007-2009 </a:t>
+            </a:r>
+            <a:r>
+              <a:rPr lang="en-US" dirty="0" err="1" smtClean="0"/>
+              <a:t>vërehet</a:t>
+            </a:r>
+            <a:r>
+              <a:rPr lang="en-US" dirty="0" smtClean="0"/>
+              <a:t> </a:t>
+            </a:r>
+            <a:r>
+              <a:rPr lang="en-US" dirty="0" err="1" smtClean="0"/>
+              <a:t>një</a:t>
+            </a:r>
+            <a:r>
+              <a:rPr lang="en-US" dirty="0" smtClean="0"/>
+              <a:t> </a:t>
+            </a:r>
+            <a:r>
+              <a:rPr lang="en-US" dirty="0" err="1" smtClean="0"/>
+              <a:t>rritje</a:t>
+            </a:r>
+            <a:r>
+              <a:rPr lang="en-US" dirty="0" smtClean="0"/>
+              <a:t> </a:t>
+            </a:r>
+            <a:r>
+              <a:rPr lang="en-US" dirty="0" err="1" smtClean="0"/>
+              <a:t>shumë</a:t>
+            </a:r>
+            <a:r>
+              <a:rPr lang="en-US" dirty="0" smtClean="0"/>
+              <a:t> e </a:t>
+            </a:r>
+            <a:r>
+              <a:rPr lang="en-US" dirty="0" err="1" smtClean="0"/>
+              <a:t>madhe</a:t>
+            </a:r>
+            <a:r>
+              <a:rPr lang="en-US" dirty="0" smtClean="0"/>
+              <a:t> e </a:t>
+            </a:r>
+            <a:r>
+              <a:rPr lang="en-US" dirty="0" err="1" smtClean="0"/>
+              <a:t>kthimeve</a:t>
+            </a:r>
+            <a:r>
+              <a:rPr lang="en-US" dirty="0" smtClean="0"/>
+              <a:t>. </a:t>
+            </a:r>
+            <a:r>
+              <a:rPr lang="en-US" dirty="0" err="1" smtClean="0"/>
+              <a:t>Këto</a:t>
+            </a:r>
+            <a:r>
+              <a:rPr lang="en-US" dirty="0" smtClean="0"/>
+              <a:t> </a:t>
+            </a:r>
+            <a:r>
+              <a:rPr lang="en-US" dirty="0" err="1" smtClean="0"/>
+              <a:t>vite</a:t>
+            </a:r>
+            <a:r>
+              <a:rPr lang="en-US" dirty="0" smtClean="0"/>
+              <a:t> </a:t>
+            </a:r>
+            <a:r>
+              <a:rPr lang="en-US" dirty="0" err="1" smtClean="0"/>
+              <a:t>përkojnë</a:t>
+            </a:r>
+            <a:r>
+              <a:rPr lang="en-US" dirty="0" smtClean="0"/>
+              <a:t> me </a:t>
+            </a:r>
+            <a:r>
+              <a:rPr lang="en-US" dirty="0" err="1" smtClean="0"/>
+              <a:t>krizën</a:t>
+            </a:r>
+            <a:r>
+              <a:rPr lang="en-US" dirty="0" smtClean="0"/>
+              <a:t> </a:t>
+            </a:r>
+            <a:r>
+              <a:rPr lang="en-US" dirty="0" err="1" smtClean="0"/>
+              <a:t>ekonomike</a:t>
+            </a:r>
+            <a:r>
+              <a:rPr lang="en-US" dirty="0" smtClean="0"/>
+              <a:t> </a:t>
+            </a:r>
+            <a:r>
+              <a:rPr lang="en-US" dirty="0" err="1" smtClean="0"/>
+              <a:t>botërore</a:t>
+            </a:r>
+            <a:r>
+              <a:rPr lang="en-US" dirty="0" smtClean="0"/>
+              <a:t>, </a:t>
+            </a:r>
+            <a:r>
+              <a:rPr lang="en-US" dirty="0" err="1" smtClean="0"/>
+              <a:t>që</a:t>
+            </a:r>
+            <a:r>
+              <a:rPr lang="en-US" dirty="0" smtClean="0"/>
+              <a:t> </a:t>
+            </a:r>
+            <a:r>
+              <a:rPr lang="en-US" dirty="0" err="1" smtClean="0"/>
+              <a:t>siç</a:t>
+            </a:r>
+            <a:r>
+              <a:rPr lang="en-US" dirty="0" smtClean="0"/>
+              <a:t> </a:t>
+            </a:r>
+            <a:r>
+              <a:rPr lang="en-US" dirty="0" err="1" smtClean="0"/>
+              <a:t>duket</a:t>
+            </a:r>
+            <a:r>
+              <a:rPr lang="en-US" dirty="0" smtClean="0"/>
+              <a:t> </a:t>
+            </a:r>
+            <a:r>
+              <a:rPr lang="en-US" dirty="0" err="1" smtClean="0"/>
+              <a:t>ka</a:t>
+            </a:r>
+            <a:r>
+              <a:rPr lang="en-US" dirty="0"/>
+              <a:t> </a:t>
+            </a:r>
+            <a:r>
+              <a:rPr lang="en-US" dirty="0" err="1" smtClean="0"/>
+              <a:t>detyruar</a:t>
+            </a:r>
+            <a:r>
+              <a:rPr lang="en-US" dirty="0" smtClean="0"/>
+              <a:t> </a:t>
+            </a:r>
+            <a:r>
+              <a:rPr lang="en-US" dirty="0" err="1" smtClean="0"/>
+              <a:t>shumë</a:t>
+            </a:r>
+            <a:r>
+              <a:rPr lang="en-US" dirty="0" smtClean="0"/>
+              <a:t> </a:t>
+            </a:r>
+            <a:r>
+              <a:rPr lang="en-US" dirty="0" err="1" smtClean="0"/>
+              <a:t>Shqiptarë</a:t>
+            </a:r>
+            <a:r>
+              <a:rPr lang="en-US" dirty="0" smtClean="0"/>
+              <a:t> </a:t>
+            </a:r>
+            <a:r>
+              <a:rPr lang="en-US" dirty="0" err="1" smtClean="0"/>
+              <a:t>të</a:t>
+            </a:r>
+            <a:r>
+              <a:rPr lang="en-US" dirty="0" smtClean="0"/>
+              <a:t> </a:t>
+            </a:r>
+            <a:r>
+              <a:rPr lang="en-US" dirty="0" err="1" smtClean="0"/>
+              <a:t>kthehen</a:t>
+            </a:r>
+            <a:r>
+              <a:rPr lang="en-US" dirty="0" smtClean="0"/>
+              <a:t>. </a:t>
+            </a:r>
+            <a:endParaRPr lang="en-US" dirty="0"/>
+          </a:p>
+        </p:txBody>
+      </p:sp>
+    </p:spTree>
+    <p:extLst>
+      <p:ext uri="{BB962C8B-B14F-4D97-AF65-F5344CB8AC3E}">
+        <p14:creationId xmlns:p14="http://schemas.microsoft.com/office/powerpoint/2010/main" val="4099243380"/>
+      </p:ext>
+    </p:extLst>
+  </p:cSld>
+  <p:clrMapOvr>
+    <a:masterClrMapping/>
+  </p:clrMapOvr>
+  <p:timing>
+    <p:tnLst>
+      <p:par>
+        <p:cTn id="1" dur="indefinite" restart="never" nodeType="tmRoot"/>
+      </p:par>
+    </p:tnLst>
+  </p:timing>
+</p:sld>
+</file>
+
+<file path=ppt/slides/slide6.xml><?xml version="1.0" encoding="utf-8"?>
+<p:sld xmlns:a="http://schemas.openxmlformats.org/drawingml/2006/main" xmlns:r="http://schemas.openxmlformats.org/officeDocument/2006/relationships" xmlns:p="http://schemas.openxmlformats.org/presentationml/2006/main">
+  <p:cSld>
+    <p:spTree>
+      <p:nvGrpSpPr>
+        <p:cNvPr id="1" name=""/>
+        <p:cNvGrpSpPr/>
+        <p:nvPr/>
+      </p:nvGrpSpPr>
+      <p:grpSpPr>
+        <a:xfrm>
+          <a:off x="0" y="0"/>
+          <a:ext cx="0" cy="0"/>
+          <a:chOff x="0" y="0"/>
+          <a:chExt cx="0" cy="0"/>
+        </a:xfrm>
+      </p:grpSpPr>
+      <p:sp>
+        <p:nvSpPr>
+          <p:cNvPr id="2" name="Title 1"/>
+          <p:cNvSpPr>
+            <a:spLocks noGrp="1"/>
+          </p:cNvSpPr>
+          <p:nvPr>
+            <p:ph type="title"/>
+          </p:nvPr>
+        </p:nvSpPr>
+        <p:spPr/>
+        <p:txBody>
+          <a:bodyPr/>
+          <a:lstStyle/>
+          <a:p>
+            <a:r>
+              <a:rPr lang="en-US" dirty="0" err="1" smtClean="0"/>
+              <a:t>Tregues</a:t>
+            </a:r>
+            <a:r>
+              <a:rPr lang="en-US" dirty="0" smtClean="0"/>
+              <a:t> </a:t>
+            </a:r>
+            <a:r>
+              <a:rPr lang="en-US" dirty="0" err="1" smtClean="0"/>
+              <a:t>të</a:t>
+            </a:r>
+            <a:r>
+              <a:rPr lang="en-US" dirty="0" smtClean="0"/>
+              <a:t> </a:t>
+            </a:r>
+            <a:r>
+              <a:rPr lang="en-US" dirty="0" err="1" smtClean="0"/>
+              <a:t>gjendjes</a:t>
+            </a:r>
+            <a:r>
+              <a:rPr lang="en-US" dirty="0" smtClean="0"/>
+              <a:t> </a:t>
+            </a:r>
+            <a:r>
+              <a:rPr lang="en-US" dirty="0" err="1" smtClean="0"/>
+              <a:t>arsimore</a:t>
+            </a:r>
+            <a:endParaRPr lang="en-US" dirty="0"/>
+          </a:p>
+        </p:txBody>
+      </p:sp>
+      <p:sp>
+        <p:nvSpPr>
+          <p:cNvPr id="3" name="Content Placeholder 2"/>
+          <p:cNvSpPr>
+            <a:spLocks noGrp="1"/>
+          </p:cNvSpPr>
+          <p:nvPr>
+            <p:ph idx="1"/>
+          </p:nvPr>
+        </p:nvSpPr>
+        <p:spPr/>
+        <p:txBody>
+          <a:bodyPr/>
+          <a:lstStyle/>
+          <a:p>
+            <a:r>
+              <a:rPr lang="en-US" dirty="0" err="1" smtClean="0"/>
+              <a:t>Pjesa</a:t>
+            </a:r>
+            <a:r>
+              <a:rPr lang="en-US" dirty="0" smtClean="0"/>
+              <a:t> </a:t>
+            </a:r>
+            <a:r>
+              <a:rPr lang="en-US" dirty="0" err="1" smtClean="0"/>
+              <a:t>në</a:t>
+            </a:r>
+            <a:r>
+              <a:rPr lang="en-US" dirty="0" smtClean="0"/>
+              <a:t> </a:t>
+            </a:r>
+            <a:r>
+              <a:rPr lang="en-US" dirty="0" err="1" smtClean="0"/>
+              <a:t>vijim</a:t>
+            </a:r>
+            <a:r>
+              <a:rPr lang="en-US" dirty="0" smtClean="0"/>
+              <a:t> </a:t>
+            </a:r>
+            <a:r>
+              <a:rPr lang="en-US" dirty="0" err="1" smtClean="0"/>
+              <a:t>paraqet</a:t>
+            </a:r>
+            <a:r>
+              <a:rPr lang="en-US" dirty="0" smtClean="0"/>
+              <a:t> </a:t>
+            </a:r>
+            <a:r>
+              <a:rPr lang="en-US" dirty="0" err="1" smtClean="0"/>
+              <a:t>vizualizime</a:t>
+            </a:r>
+            <a:r>
+              <a:rPr lang="en-US" dirty="0" smtClean="0"/>
+              <a:t> </a:t>
+            </a:r>
+            <a:r>
+              <a:rPr lang="en-US" dirty="0" err="1" smtClean="0"/>
+              <a:t>të</a:t>
+            </a:r>
+            <a:r>
+              <a:rPr lang="en-US" dirty="0" smtClean="0"/>
+              <a:t> </a:t>
+            </a:r>
+            <a:r>
+              <a:rPr lang="en-US" dirty="0" err="1" smtClean="0"/>
+              <a:t>dhënash</a:t>
+            </a:r>
+            <a:r>
+              <a:rPr lang="en-US" dirty="0" smtClean="0"/>
+              <a:t> </a:t>
+            </a:r>
+            <a:r>
+              <a:rPr lang="en-US" dirty="0" err="1" smtClean="0"/>
+              <a:t>dhe</a:t>
+            </a:r>
+            <a:r>
+              <a:rPr lang="en-US" dirty="0" smtClean="0"/>
+              <a:t> </a:t>
+            </a:r>
+            <a:r>
+              <a:rPr lang="en-US" dirty="0" err="1" smtClean="0"/>
+              <a:t>skenarësh</a:t>
+            </a:r>
+            <a:r>
+              <a:rPr lang="en-US" dirty="0" smtClean="0"/>
+              <a:t> </a:t>
+            </a:r>
+            <a:r>
+              <a:rPr lang="en-US" dirty="0" err="1" smtClean="0"/>
+              <a:t>të</a:t>
+            </a:r>
+            <a:r>
+              <a:rPr lang="en-US" dirty="0" smtClean="0"/>
+              <a:t> </a:t>
+            </a:r>
+            <a:r>
+              <a:rPr lang="en-US" dirty="0" err="1" smtClean="0"/>
+              <a:t>cilët</a:t>
+            </a:r>
+            <a:r>
+              <a:rPr lang="en-US" dirty="0" smtClean="0"/>
+              <a:t> </a:t>
+            </a:r>
+            <a:r>
+              <a:rPr lang="en-US" dirty="0" err="1" smtClean="0"/>
+              <a:t>lidhen</a:t>
+            </a:r>
+            <a:r>
+              <a:rPr lang="en-US" dirty="0" smtClean="0"/>
+              <a:t> me </a:t>
+            </a:r>
+            <a:r>
+              <a:rPr lang="en-US" dirty="0" err="1" smtClean="0"/>
+              <a:t>gjendjen</a:t>
+            </a:r>
+            <a:r>
+              <a:rPr lang="en-US" dirty="0" smtClean="0"/>
+              <a:t> e </a:t>
+            </a:r>
+            <a:r>
+              <a:rPr lang="en-US" dirty="0" err="1" smtClean="0"/>
+              <a:t>arsimit</a:t>
+            </a:r>
+            <a:r>
+              <a:rPr lang="en-US" dirty="0" smtClean="0"/>
+              <a:t> </a:t>
+            </a:r>
+            <a:r>
+              <a:rPr lang="en-US" dirty="0" err="1" smtClean="0"/>
+              <a:t>në</a:t>
+            </a:r>
+            <a:r>
+              <a:rPr lang="en-US" dirty="0" smtClean="0"/>
+              <a:t> </a:t>
+            </a:r>
+            <a:r>
+              <a:rPr lang="en-US" dirty="0" err="1" smtClean="0"/>
+              <a:t>Shqipëri</a:t>
+            </a:r>
+            <a:endParaRPr lang="en-US" dirty="0"/>
+          </a:p>
+        </p:txBody>
+      </p:sp>
+    </p:spTree>
+    <p:extLst>
+      <p:ext uri="{BB962C8B-B14F-4D97-AF65-F5344CB8AC3E}">
+        <p14:creationId xmlns:p14="http://schemas.microsoft.com/office/powerpoint/2010/main" val="3986421481"/>
+      </p:ext>
+    </p:extLst>
+  </p:cSld>
+  <p:clrMapOvr>
+    <a:masterClrMapping/>
+  </p:clrMapOvr>
+  <p:timing>
+    <p:tnLst>
+      <p:par>
+        <p:cTn id="1" dur="indefinite" restart="never" nodeType="tmRoot"/>
+      </p:par>
+    </p:tnLst>
+  </p:timing>
+</p:sld>
+</file>
+
+<file path=ppt/slides/slide7.xml><?xml version="1.0" encoding="utf-8"?>
+<p:sld xmlns:a="http://schemas.openxmlformats.org/drawingml/2006/main" xmlns:r="http://schemas.openxmlformats.org/officeDocument/2006/relationships" xmlns:p="http://schemas.openxmlformats.org/presentationml/2006/main">
+  <p:cSld>
+    <p:spTree>
+      <p:nvGrpSpPr>
+        <p:cNvPr id="1" name=""/>
+        <p:cNvGrpSpPr/>
+        <p:nvPr/>
+      </p:nvGrpSpPr>
+      <p:grpSpPr>
+        <a:xfrm>
+          <a:off x="0" y="0"/>
+          <a:ext cx="0" cy="0"/>
+          <a:chOff x="0" y="0"/>
+          <a:chExt cx="0" cy="0"/>
+        </a:xfrm>
+      </p:grpSpPr>
+      <p:sp>
+        <p:nvSpPr>
+          <p:cNvPr id="2" name="Title 1"/>
+          <p:cNvSpPr>
+            <a:spLocks noGrp="1"/>
+          </p:cNvSpPr>
+          <p:nvPr>
+            <p:ph type="title"/>
+          </p:nvPr>
+        </p:nvSpPr>
+        <p:spPr/>
+        <p:txBody>
+          <a:bodyPr/>
+          <a:lstStyle/>
+          <a:p>
+            <a:pPr algn="ctr"/>
+            <a:r>
+              <a:rPr lang="en-US" dirty="0" err="1" smtClean="0"/>
+              <a:t>Raporti</a:t>
+            </a:r>
+            <a:r>
+              <a:rPr lang="en-US" dirty="0" smtClean="0"/>
+              <a:t> I </a:t>
+            </a:r>
+            <a:r>
+              <a:rPr lang="en-US" dirty="0" err="1" smtClean="0"/>
+              <a:t>niveleve</a:t>
+            </a:r>
+            <a:r>
+              <a:rPr lang="en-US" dirty="0" smtClean="0"/>
+              <a:t> </a:t>
+            </a:r>
+            <a:r>
+              <a:rPr lang="en-US" dirty="0" err="1" smtClean="0"/>
+              <a:t>më</a:t>
+            </a:r>
+            <a:r>
+              <a:rPr lang="en-US" dirty="0" smtClean="0"/>
+              <a:t> </a:t>
+            </a:r>
+            <a:r>
+              <a:rPr lang="en-US" dirty="0" err="1" smtClean="0"/>
+              <a:t>të</a:t>
+            </a:r>
+            <a:r>
+              <a:rPr lang="en-US" dirty="0" smtClean="0"/>
+              <a:t> </a:t>
+            </a:r>
+            <a:r>
+              <a:rPr lang="en-US" dirty="0" err="1" smtClean="0"/>
+              <a:t>larta</a:t>
+            </a:r>
+            <a:r>
+              <a:rPr lang="en-US" dirty="0" smtClean="0"/>
+              <a:t> </a:t>
+            </a:r>
+            <a:r>
+              <a:rPr lang="en-US" dirty="0" err="1" smtClean="0"/>
+              <a:t>të</a:t>
+            </a:r>
+            <a:r>
+              <a:rPr lang="en-US" dirty="0" smtClean="0"/>
+              <a:t> </a:t>
+            </a:r>
+            <a:r>
+              <a:rPr lang="en-US" dirty="0" err="1" smtClean="0"/>
+              <a:t>arsimit</a:t>
+            </a:r>
+            <a:r>
+              <a:rPr lang="en-US" dirty="0" smtClean="0"/>
+              <a:t> </a:t>
+            </a:r>
+            <a:r>
+              <a:rPr lang="en-US" dirty="0" err="1" smtClean="0"/>
+              <a:t>të</a:t>
+            </a:r>
+            <a:r>
+              <a:rPr lang="en-US" dirty="0" smtClean="0"/>
+              <a:t> </a:t>
+            </a:r>
+            <a:r>
+              <a:rPr lang="en-US" dirty="0" err="1" smtClean="0"/>
+              <a:t>arritur</a:t>
+            </a:r>
+            <a:r>
+              <a:rPr lang="en-US" dirty="0" smtClean="0"/>
+              <a:t> </a:t>
+            </a:r>
+            <a:r>
+              <a:rPr lang="en-US" dirty="0" err="1" smtClean="0"/>
+              <a:t>sipas</a:t>
+            </a:r>
+            <a:r>
+              <a:rPr lang="en-US" dirty="0" smtClean="0"/>
+              <a:t> </a:t>
+            </a:r>
+            <a:r>
+              <a:rPr lang="en-US" dirty="0" err="1" smtClean="0"/>
+              <a:t>qarqeve</a:t>
+            </a:r>
+            <a:endParaRPr lang="en-US" dirty="0"/>
+          </a:p>
+        </p:txBody>
+      </p:sp>
+      <p:pic>
+        <p:nvPicPr>
+          <p:cNvPr id="4" name="Content Placeholder 3"/>
+          <p:cNvPicPr>
+            <a:picLocks noGrp="1" noChangeAspect="1"/>
+          </p:cNvPicPr>
+          <p:nvPr>
+            <p:ph idx="1"/>
+          </p:nvPr>
+        </p:nvPicPr>
+        <p:blipFill>
+          <a:blip r:embed="rId2">
+            <a:extLst>
+              <a:ext uri="{28A0092B-C50C-407E-A947-70E740481C1C}">
+                <a14:useLocalDpi xmlns:a14="http://schemas.microsoft.com/office/drawing/2010/main" val="0"/>
+              </a:ext>
+            </a:extLst>
+          </a:blip>
+          <a:stretch>
+            <a:fillRect/>
+          </a:stretch>
+        </p:blipFill>
+        <p:spPr>
+          <a:xfrm>
+            <a:off x="441644" y="1690688"/>
+            <a:ext cx="11308711" cy="4846590"/>
+          </a:xfrm>
+        </p:spPr>
+      </p:pic>
+    </p:spTree>
+    <p:extLst>
+      <p:ext uri="{BB962C8B-B14F-4D97-AF65-F5344CB8AC3E}">
+        <p14:creationId xmlns:p14="http://schemas.microsoft.com/office/powerpoint/2010/main" val="2288855159"/>
+      </p:ext>
+    </p:extLst>
+  </p:cSld>
+  <p:clrMapOvr>
+    <a:masterClrMapping/>
+  </p:clrMapOvr>
+  <p:timing>
+    <p:tnLst>
+      <p:par>
+        <p:cTn id="1" dur="indefinite" restart="never" nodeType="tmRoot"/>
+      </p:par>
+    </p:tnLst>
+  </p:timing>
+</p:sld>
+</file>
+
+<file path=ppt/slides/slide8.xml><?xml version="1.0" encoding="utf-8"?>
+<p:sld xmlns:a="http://schemas.openxmlformats.org/drawingml/2006/main" xmlns:r="http://schemas.openxmlformats.org/officeDocument/2006/relationships" xmlns:p="http://schemas.openxmlformats.org/presentationml/2006/main" show="0">
+  <p:cSld>
+    <p:spTree>
+      <p:nvGrpSpPr>
+        <p:cNvPr id="1" name=""/>
+        <p:cNvGrpSpPr/>
+        <p:nvPr/>
+      </p:nvGrpSpPr>
+      <p:grpSpPr>
+        <a:xfrm>
+          <a:off x="0" y="0"/>
+          <a:ext cx="0" cy="0"/>
+          <a:chOff x="0" y="0"/>
+          <a:chExt cx="0" cy="0"/>
+        </a:xfrm>
+      </p:grpSpPr>
+      <p:sp>
+        <p:nvSpPr>
+          <p:cNvPr id="2" name="Title 1"/>
+          <p:cNvSpPr>
+            <a:spLocks noGrp="1"/>
+          </p:cNvSpPr>
+          <p:nvPr>
+            <p:ph type="title"/>
+          </p:nvPr>
+        </p:nvSpPr>
+        <p:spPr/>
+        <p:txBody>
+          <a:bodyPr/>
+          <a:lstStyle/>
+          <a:p>
+            <a:endParaRPr lang="en-US" dirty="0"/>
+          </a:p>
+        </p:txBody>
+      </p:sp>
+      <p:sp>
+        <p:nvSpPr>
+          <p:cNvPr id="3" name="Content Placeholder 2"/>
+          <p:cNvSpPr>
+            <a:spLocks noGrp="1"/>
+          </p:cNvSpPr>
+          <p:nvPr>
+            <p:ph idx="1"/>
+          </p:nvPr>
+        </p:nvSpPr>
+        <p:spPr/>
+        <p:txBody>
+          <a:bodyPr/>
+          <a:lstStyle/>
+          <a:p>
+            <a:r>
+              <a:rPr lang="en-US" dirty="0" err="1" smtClean="0"/>
+              <a:t>Grafiku</a:t>
+            </a:r>
+            <a:r>
+              <a:rPr lang="en-US" dirty="0" smtClean="0"/>
+              <a:t> </a:t>
+            </a:r>
+            <a:r>
+              <a:rPr lang="en-US" dirty="0"/>
+              <a:t>i</a:t>
+            </a:r>
+            <a:r>
+              <a:rPr lang="en-US" dirty="0" smtClean="0"/>
+              <a:t> </a:t>
+            </a:r>
+            <a:r>
+              <a:rPr lang="en-US" dirty="0" err="1" smtClean="0"/>
+              <a:t>mësipërm</a:t>
+            </a:r>
+            <a:r>
+              <a:rPr lang="en-US" dirty="0" smtClean="0"/>
+              <a:t> </a:t>
+            </a:r>
+            <a:r>
+              <a:rPr lang="en-US" dirty="0" err="1" smtClean="0"/>
+              <a:t>pasqyron</a:t>
+            </a:r>
+            <a:r>
+              <a:rPr lang="en-US" dirty="0" smtClean="0"/>
+              <a:t> </a:t>
+            </a:r>
+            <a:r>
+              <a:rPr lang="en-US" dirty="0" err="1" smtClean="0"/>
+              <a:t>shifrat</a:t>
+            </a:r>
+            <a:r>
+              <a:rPr lang="en-US" dirty="0" smtClean="0"/>
+              <a:t> e </a:t>
+            </a:r>
+            <a:r>
+              <a:rPr lang="en-US" dirty="0" err="1" smtClean="0"/>
+              <a:t>niveleve</a:t>
+            </a:r>
+            <a:r>
+              <a:rPr lang="en-US" dirty="0" smtClean="0"/>
+              <a:t> </a:t>
+            </a:r>
+            <a:r>
+              <a:rPr lang="en-US" dirty="0" err="1" smtClean="0"/>
+              <a:t>më</a:t>
+            </a:r>
+            <a:r>
+              <a:rPr lang="en-US" dirty="0" smtClean="0"/>
+              <a:t> </a:t>
+            </a:r>
+            <a:r>
+              <a:rPr lang="en-US" dirty="0" err="1" smtClean="0"/>
+              <a:t>të</a:t>
+            </a:r>
+            <a:r>
+              <a:rPr lang="en-US" dirty="0" smtClean="0"/>
+              <a:t> </a:t>
+            </a:r>
+            <a:r>
+              <a:rPr lang="en-US" dirty="0" err="1" smtClean="0"/>
+              <a:t>larta</a:t>
+            </a:r>
+            <a:r>
+              <a:rPr lang="en-US" dirty="0" smtClean="0"/>
+              <a:t> </a:t>
+            </a:r>
+            <a:r>
+              <a:rPr lang="en-US" dirty="0" err="1" smtClean="0"/>
+              <a:t>akademike</a:t>
+            </a:r>
+            <a:r>
+              <a:rPr lang="en-US" dirty="0" smtClean="0"/>
+              <a:t> </a:t>
+            </a:r>
+            <a:r>
+              <a:rPr lang="en-US" dirty="0" err="1" smtClean="0"/>
+              <a:t>të</a:t>
+            </a:r>
+            <a:r>
+              <a:rPr lang="en-US" dirty="0" smtClean="0"/>
+              <a:t> </a:t>
+            </a:r>
+            <a:r>
+              <a:rPr lang="en-US" dirty="0" err="1" smtClean="0"/>
+              <a:t>arritura</a:t>
+            </a:r>
+            <a:r>
+              <a:rPr lang="en-US" dirty="0" smtClean="0"/>
+              <a:t>.</a:t>
+            </a:r>
+          </a:p>
+          <a:p>
+            <a:r>
+              <a:rPr lang="en-US" dirty="0" err="1" smtClean="0"/>
+              <a:t>Në</a:t>
+            </a:r>
+            <a:r>
+              <a:rPr lang="en-US" dirty="0" smtClean="0"/>
+              <a:t> </a:t>
+            </a:r>
+            <a:r>
+              <a:rPr lang="en-US" dirty="0" err="1" smtClean="0"/>
+              <a:t>grafikun</a:t>
+            </a:r>
+            <a:r>
+              <a:rPr lang="en-US" dirty="0" smtClean="0"/>
+              <a:t> e </a:t>
+            </a:r>
+            <a:r>
+              <a:rPr lang="en-US" dirty="0" err="1" smtClean="0"/>
+              <a:t>parë</a:t>
+            </a:r>
+            <a:r>
+              <a:rPr lang="en-US" dirty="0" smtClean="0"/>
+              <a:t> </a:t>
+            </a:r>
+            <a:r>
+              <a:rPr lang="en-US" dirty="0" err="1" smtClean="0"/>
+              <a:t>shohim</a:t>
+            </a:r>
+            <a:r>
+              <a:rPr lang="en-US" dirty="0" smtClean="0"/>
+              <a:t> </a:t>
+            </a:r>
+            <a:r>
+              <a:rPr lang="en-US" dirty="0" err="1" smtClean="0"/>
+              <a:t>raportin</a:t>
+            </a:r>
+            <a:r>
+              <a:rPr lang="en-US" dirty="0" smtClean="0"/>
+              <a:t> midis </a:t>
+            </a:r>
+            <a:r>
+              <a:rPr lang="en-US" dirty="0" err="1" smtClean="0"/>
+              <a:t>nivelit</a:t>
+            </a:r>
+            <a:r>
+              <a:rPr lang="en-US" dirty="0" smtClean="0"/>
+              <a:t> </a:t>
+            </a:r>
+            <a:r>
+              <a:rPr lang="en-US" dirty="0" err="1" smtClean="0"/>
+              <a:t>të</a:t>
+            </a:r>
+            <a:r>
+              <a:rPr lang="en-US" dirty="0" smtClean="0"/>
+              <a:t> </a:t>
+            </a:r>
+            <a:r>
+              <a:rPr lang="en-US" dirty="0" err="1" smtClean="0"/>
+              <a:t>shkollës</a:t>
+            </a:r>
+            <a:r>
+              <a:rPr lang="en-US" dirty="0" smtClean="0"/>
+              <a:t> </a:t>
+            </a:r>
+            <a:r>
+              <a:rPr lang="en-US" dirty="0" err="1" smtClean="0"/>
+              <a:t>së</a:t>
+            </a:r>
+            <a:r>
+              <a:rPr lang="en-US" dirty="0" smtClean="0"/>
+              <a:t> </a:t>
+            </a:r>
+            <a:r>
+              <a:rPr lang="en-US" dirty="0" err="1" smtClean="0"/>
+              <a:t>mesme</a:t>
+            </a:r>
+            <a:r>
+              <a:rPr lang="en-US" dirty="0" smtClean="0"/>
+              <a:t> </a:t>
+            </a:r>
+            <a:r>
+              <a:rPr lang="en-US" dirty="0" err="1" smtClean="0"/>
+              <a:t>dhe</a:t>
+            </a:r>
+            <a:r>
+              <a:rPr lang="en-US" dirty="0" smtClean="0"/>
+              <a:t> </a:t>
+            </a:r>
+            <a:r>
+              <a:rPr lang="en-US" dirty="0" err="1" smtClean="0"/>
+              <a:t>atij</a:t>
+            </a:r>
+            <a:r>
+              <a:rPr lang="en-US" dirty="0" smtClean="0"/>
+              <a:t> </a:t>
+            </a:r>
+            <a:r>
+              <a:rPr lang="en-US" dirty="0" err="1" smtClean="0"/>
+              <a:t>universitar</a:t>
+            </a:r>
+            <a:r>
+              <a:rPr lang="en-US" dirty="0" smtClean="0"/>
+              <a:t> </a:t>
+            </a:r>
+            <a:r>
+              <a:rPr lang="en-US" dirty="0" err="1" smtClean="0"/>
+              <a:t>sipas</a:t>
+            </a:r>
+            <a:r>
+              <a:rPr lang="en-US" dirty="0" smtClean="0"/>
+              <a:t> </a:t>
+            </a:r>
+            <a:r>
+              <a:rPr lang="en-US" dirty="0" err="1" smtClean="0"/>
+              <a:t>çdo</a:t>
+            </a:r>
+            <a:r>
+              <a:rPr lang="en-US" dirty="0" smtClean="0"/>
+              <a:t> </a:t>
+            </a:r>
+            <a:r>
+              <a:rPr lang="en-US" dirty="0" err="1" smtClean="0"/>
+              <a:t>qarku</a:t>
+            </a:r>
+            <a:r>
+              <a:rPr lang="en-US" dirty="0" smtClean="0"/>
+              <a:t>. </a:t>
+            </a:r>
+            <a:r>
+              <a:rPr lang="en-US" dirty="0" err="1" smtClean="0"/>
+              <a:t>Dukshëm</a:t>
+            </a:r>
+            <a:r>
+              <a:rPr lang="en-US" dirty="0" smtClean="0"/>
+              <a:t> </a:t>
+            </a:r>
+            <a:r>
+              <a:rPr lang="en-US" dirty="0" err="1" smtClean="0"/>
+              <a:t>është</a:t>
+            </a:r>
+            <a:r>
+              <a:rPr lang="en-US" dirty="0" smtClean="0"/>
+              <a:t> </a:t>
+            </a:r>
+            <a:r>
+              <a:rPr lang="en-US" dirty="0" err="1" smtClean="0"/>
+              <a:t>kryeqyteti</a:t>
+            </a:r>
+            <a:r>
+              <a:rPr lang="en-US" dirty="0" smtClean="0"/>
+              <a:t> </a:t>
+            </a:r>
+            <a:r>
+              <a:rPr lang="en-US" dirty="0" err="1" smtClean="0"/>
+              <a:t>ai</a:t>
+            </a:r>
+            <a:r>
+              <a:rPr lang="en-US" dirty="0" smtClean="0"/>
+              <a:t> </a:t>
+            </a:r>
+            <a:r>
+              <a:rPr lang="en-US" dirty="0" err="1" smtClean="0"/>
+              <a:t>ku</a:t>
+            </a:r>
+            <a:r>
+              <a:rPr lang="en-US" dirty="0" smtClean="0"/>
+              <a:t> bar-I I </a:t>
+            </a:r>
+            <a:r>
+              <a:rPr lang="en-US" dirty="0" err="1" smtClean="0"/>
+              <a:t>shkollës</a:t>
+            </a:r>
+            <a:r>
+              <a:rPr lang="en-US" dirty="0" smtClean="0"/>
+              <a:t> </a:t>
+            </a:r>
+            <a:r>
+              <a:rPr lang="en-US" dirty="0" err="1" smtClean="0"/>
+              <a:t>së</a:t>
+            </a:r>
+            <a:r>
+              <a:rPr lang="en-US" dirty="0" smtClean="0"/>
+              <a:t> </a:t>
+            </a:r>
+            <a:r>
+              <a:rPr lang="en-US" dirty="0" err="1" smtClean="0"/>
+              <a:t>mesme</a:t>
+            </a:r>
+            <a:r>
+              <a:rPr lang="en-US" dirty="0" smtClean="0"/>
+              <a:t> </a:t>
+            </a:r>
+            <a:r>
+              <a:rPr lang="en-US" dirty="0" err="1" smtClean="0"/>
+              <a:t>është</a:t>
+            </a:r>
+            <a:r>
+              <a:rPr lang="en-US" dirty="0" smtClean="0"/>
+              <a:t> </a:t>
+            </a:r>
+            <a:r>
+              <a:rPr lang="en-US" dirty="0" err="1" smtClean="0"/>
+              <a:t>pothuajse</a:t>
+            </a:r>
+            <a:r>
+              <a:rPr lang="en-US" dirty="0" smtClean="0"/>
+              <a:t> I </a:t>
+            </a:r>
+            <a:r>
+              <a:rPr lang="en-US" dirty="0" err="1" smtClean="0"/>
+              <a:t>padukshëm</a:t>
+            </a:r>
+            <a:r>
+              <a:rPr lang="en-US" dirty="0" smtClean="0"/>
+              <a:t>, </a:t>
+            </a:r>
+            <a:r>
+              <a:rPr lang="en-US" dirty="0" err="1" smtClean="0"/>
+              <a:t>gjë</a:t>
+            </a:r>
+            <a:r>
+              <a:rPr lang="en-US" dirty="0" smtClean="0"/>
+              <a:t> </a:t>
+            </a:r>
+            <a:r>
+              <a:rPr lang="en-US" dirty="0" err="1" smtClean="0"/>
+              <a:t>që</a:t>
+            </a:r>
+            <a:r>
+              <a:rPr lang="en-US" dirty="0" smtClean="0"/>
+              <a:t> </a:t>
+            </a:r>
+            <a:r>
+              <a:rPr lang="en-US" dirty="0" err="1" smtClean="0"/>
+              <a:t>na</a:t>
+            </a:r>
+            <a:r>
+              <a:rPr lang="en-US" dirty="0" smtClean="0"/>
+              <a:t> </a:t>
+            </a:r>
+            <a:r>
+              <a:rPr lang="en-US" dirty="0" err="1" smtClean="0"/>
+              <a:t>thotë</a:t>
+            </a:r>
+            <a:r>
+              <a:rPr lang="en-US" dirty="0" smtClean="0"/>
+              <a:t> se </a:t>
+            </a:r>
+            <a:r>
+              <a:rPr lang="en-US" dirty="0" err="1" smtClean="0"/>
+              <a:t>në</a:t>
+            </a:r>
+            <a:r>
+              <a:rPr lang="en-US" dirty="0" smtClean="0"/>
+              <a:t> </a:t>
+            </a:r>
+            <a:r>
+              <a:rPr lang="en-US" dirty="0" err="1" smtClean="0"/>
+              <a:t>Tiranë</a:t>
+            </a:r>
+            <a:r>
+              <a:rPr lang="en-US" dirty="0" smtClean="0"/>
+              <a:t> </a:t>
+            </a:r>
+            <a:r>
+              <a:rPr lang="en-US" dirty="0" err="1" smtClean="0"/>
+              <a:t>pjesa</a:t>
+            </a:r>
+            <a:r>
+              <a:rPr lang="en-US" dirty="0" smtClean="0"/>
+              <a:t> </a:t>
+            </a:r>
+            <a:r>
+              <a:rPr lang="en-US" dirty="0" err="1" smtClean="0"/>
+              <a:t>dërrmuese</a:t>
+            </a:r>
+            <a:r>
+              <a:rPr lang="en-US" dirty="0" smtClean="0"/>
+              <a:t> e </a:t>
+            </a:r>
+            <a:r>
+              <a:rPr lang="en-US" dirty="0" err="1" smtClean="0"/>
+              <a:t>popullsisë</a:t>
+            </a:r>
+            <a:r>
+              <a:rPr lang="en-US" dirty="0" smtClean="0"/>
+              <a:t> </a:t>
+            </a:r>
+            <a:r>
+              <a:rPr lang="en-US" dirty="0" err="1" smtClean="0"/>
+              <a:t>vazhdojnë</a:t>
+            </a:r>
+            <a:r>
+              <a:rPr lang="en-US" dirty="0" smtClean="0"/>
+              <a:t> </a:t>
+            </a:r>
+            <a:r>
+              <a:rPr lang="en-US" dirty="0" err="1" smtClean="0"/>
+              <a:t>edukimin</a:t>
+            </a:r>
+            <a:r>
+              <a:rPr lang="en-US" dirty="0" smtClean="0"/>
+              <a:t> </a:t>
+            </a:r>
+            <a:r>
+              <a:rPr lang="en-US" dirty="0" err="1" smtClean="0"/>
+              <a:t>dhe</a:t>
+            </a:r>
+            <a:r>
+              <a:rPr lang="en-US" dirty="0" smtClean="0"/>
+              <a:t> pas </a:t>
+            </a:r>
+            <a:r>
+              <a:rPr lang="en-US" dirty="0" err="1" smtClean="0"/>
+              <a:t>shkollës</a:t>
+            </a:r>
+            <a:r>
+              <a:rPr lang="en-US" dirty="0" smtClean="0"/>
+              <a:t> </a:t>
+            </a:r>
+            <a:r>
+              <a:rPr lang="en-US" dirty="0" err="1" smtClean="0"/>
+              <a:t>së</a:t>
+            </a:r>
+            <a:r>
+              <a:rPr lang="en-US" dirty="0" smtClean="0"/>
+              <a:t> </a:t>
+            </a:r>
+            <a:r>
+              <a:rPr lang="en-US" dirty="0" err="1" smtClean="0"/>
+              <a:t>mesme</a:t>
+            </a:r>
+            <a:r>
+              <a:rPr lang="en-US" dirty="0" smtClean="0"/>
+              <a:t>. </a:t>
+            </a:r>
+          </a:p>
+          <a:p>
+            <a:r>
+              <a:rPr lang="en-US" dirty="0" smtClean="0"/>
+              <a:t>Duke </a:t>
+            </a:r>
+            <a:r>
+              <a:rPr lang="en-US" dirty="0" err="1" smtClean="0"/>
+              <a:t>iu</a:t>
+            </a:r>
+            <a:r>
+              <a:rPr lang="en-US" dirty="0" smtClean="0"/>
+              <a:t> </a:t>
+            </a:r>
+            <a:r>
+              <a:rPr lang="en-US" dirty="0" err="1" smtClean="0"/>
+              <a:t>referuar</a:t>
+            </a:r>
+            <a:r>
+              <a:rPr lang="en-US" dirty="0" smtClean="0"/>
+              <a:t> </a:t>
+            </a:r>
+            <a:r>
+              <a:rPr lang="en-US" dirty="0" err="1" smtClean="0"/>
+              <a:t>serisht</a:t>
+            </a:r>
+            <a:r>
+              <a:rPr lang="en-US" dirty="0" smtClean="0"/>
+              <a:t> </a:t>
+            </a:r>
+            <a:r>
+              <a:rPr lang="en-US" dirty="0" err="1" smtClean="0"/>
+              <a:t>grafikut</a:t>
+            </a:r>
+            <a:r>
+              <a:rPr lang="en-US" dirty="0" smtClean="0"/>
+              <a:t>, </a:t>
+            </a:r>
+            <a:r>
+              <a:rPr lang="en-US" dirty="0" err="1" smtClean="0"/>
+              <a:t>në</a:t>
+            </a:r>
+            <a:r>
+              <a:rPr lang="en-US" dirty="0" smtClean="0"/>
+              <a:t> </a:t>
+            </a:r>
+            <a:r>
+              <a:rPr lang="en-US" dirty="0" err="1" smtClean="0"/>
+              <a:t>qarqe</a:t>
+            </a:r>
+            <a:r>
+              <a:rPr lang="en-US" dirty="0" smtClean="0"/>
+              <a:t> </a:t>
+            </a:r>
+            <a:r>
+              <a:rPr lang="en-US" dirty="0" err="1" smtClean="0"/>
+              <a:t>si</a:t>
+            </a:r>
+            <a:r>
+              <a:rPr lang="en-US" dirty="0" smtClean="0"/>
+              <a:t> </a:t>
+            </a:r>
+            <a:r>
+              <a:rPr lang="en-US" dirty="0" err="1" smtClean="0"/>
+              <a:t>Durrësi</a:t>
+            </a:r>
+            <a:r>
+              <a:rPr lang="en-US" dirty="0" smtClean="0"/>
+              <a:t>, </a:t>
+            </a:r>
+            <a:r>
+              <a:rPr lang="en-US" dirty="0" err="1" smtClean="0"/>
+              <a:t>Elbasani</a:t>
+            </a:r>
+            <a:r>
+              <a:rPr lang="en-US" dirty="0" smtClean="0"/>
+              <a:t>, </a:t>
+            </a:r>
+            <a:r>
+              <a:rPr lang="en-US" dirty="0" err="1" smtClean="0"/>
+              <a:t>Korça</a:t>
+            </a:r>
+            <a:r>
+              <a:rPr lang="en-US" dirty="0" smtClean="0"/>
+              <a:t>, </a:t>
+            </a:r>
+            <a:r>
+              <a:rPr lang="en-US" dirty="0" err="1" smtClean="0"/>
+              <a:t>Shkodra</a:t>
+            </a:r>
+            <a:r>
+              <a:rPr lang="en-US" dirty="0" smtClean="0"/>
+              <a:t> </a:t>
+            </a:r>
+            <a:r>
+              <a:rPr lang="en-US" dirty="0" err="1" smtClean="0"/>
+              <a:t>dhe</a:t>
+            </a:r>
+            <a:r>
+              <a:rPr lang="en-US" dirty="0" smtClean="0"/>
+              <a:t> </a:t>
+            </a:r>
+            <a:r>
+              <a:rPr lang="en-US" dirty="0" err="1" smtClean="0"/>
+              <a:t>Vlora</a:t>
+            </a:r>
+            <a:r>
+              <a:rPr lang="en-US" dirty="0" smtClean="0"/>
+              <a:t>, </a:t>
+            </a:r>
+            <a:r>
+              <a:rPr lang="en-US" dirty="0" err="1" smtClean="0"/>
+              <a:t>përafersisht</a:t>
+            </a:r>
+            <a:r>
+              <a:rPr lang="en-US" dirty="0" smtClean="0"/>
+              <a:t> </a:t>
+            </a:r>
+            <a:r>
+              <a:rPr lang="en-US" dirty="0" err="1" smtClean="0"/>
+              <a:t>gjysma</a:t>
+            </a:r>
+            <a:r>
+              <a:rPr lang="en-US" dirty="0" smtClean="0"/>
+              <a:t> e </a:t>
+            </a:r>
+            <a:r>
+              <a:rPr lang="en-US" dirty="0" err="1" smtClean="0"/>
+              <a:t>të</a:t>
+            </a:r>
+            <a:r>
+              <a:rPr lang="en-US" dirty="0" smtClean="0"/>
+              <a:t> </a:t>
+            </a:r>
+            <a:r>
+              <a:rPr lang="en-US" dirty="0" err="1" smtClean="0"/>
+              <a:t>diplomuarve</a:t>
+            </a:r>
+            <a:r>
+              <a:rPr lang="en-US" dirty="0" smtClean="0"/>
+              <a:t> </a:t>
+            </a:r>
+            <a:r>
+              <a:rPr lang="en-US" dirty="0" err="1" smtClean="0"/>
+              <a:t>në</a:t>
+            </a:r>
+            <a:r>
+              <a:rPr lang="en-US" dirty="0" smtClean="0"/>
+              <a:t> </a:t>
+            </a:r>
+            <a:r>
+              <a:rPr lang="en-US" dirty="0" err="1" smtClean="0"/>
+              <a:t>shkollë</a:t>
+            </a:r>
+            <a:r>
+              <a:rPr lang="en-US" dirty="0" smtClean="0"/>
+              <a:t> </a:t>
+            </a:r>
+            <a:r>
+              <a:rPr lang="en-US" dirty="0" err="1" smtClean="0"/>
+              <a:t>të</a:t>
+            </a:r>
+            <a:r>
+              <a:rPr lang="en-US" dirty="0" smtClean="0"/>
+              <a:t> </a:t>
+            </a:r>
+            <a:r>
+              <a:rPr lang="en-US" dirty="0" err="1" smtClean="0"/>
+              <a:t>mesme</a:t>
+            </a:r>
+            <a:r>
+              <a:rPr lang="en-US" dirty="0" smtClean="0"/>
+              <a:t> </a:t>
+            </a:r>
+            <a:r>
+              <a:rPr lang="en-US" dirty="0" err="1" smtClean="0"/>
+              <a:t>nuk</a:t>
+            </a:r>
+            <a:r>
+              <a:rPr lang="en-US" dirty="0" smtClean="0"/>
+              <a:t> </a:t>
+            </a:r>
+            <a:r>
+              <a:rPr lang="en-US" dirty="0" err="1" smtClean="0"/>
+              <a:t>vazhdojnë</a:t>
+            </a:r>
+            <a:r>
+              <a:rPr lang="en-US" dirty="0" smtClean="0"/>
+              <a:t> me </a:t>
+            </a:r>
+            <a:r>
+              <a:rPr lang="en-US" dirty="0" err="1" smtClean="0"/>
+              <a:t>tej</a:t>
+            </a:r>
+            <a:r>
+              <a:rPr lang="en-US" dirty="0" smtClean="0"/>
+              <a:t> </a:t>
+            </a:r>
+            <a:r>
+              <a:rPr lang="en-US" dirty="0" err="1" smtClean="0"/>
+              <a:t>studimet</a:t>
+            </a:r>
+            <a:r>
+              <a:rPr lang="en-US" dirty="0" smtClean="0"/>
+              <a:t> </a:t>
+            </a:r>
+            <a:r>
+              <a:rPr lang="en-US" dirty="0" err="1" smtClean="0"/>
+              <a:t>universitare</a:t>
+            </a:r>
+            <a:endParaRPr lang="en-US" dirty="0"/>
+          </a:p>
+        </p:txBody>
+      </p:sp>
+    </p:spTree>
+    <p:extLst>
+      <p:ext uri="{BB962C8B-B14F-4D97-AF65-F5344CB8AC3E}">
+        <p14:creationId xmlns:p14="http://schemas.microsoft.com/office/powerpoint/2010/main" val="194708128"/>
+      </p:ext>
+    </p:extLst>
+  </p:cSld>
+  <p:clrMapOvr>
+    <a:masterClrMapping/>
+  </p:clrMapOvr>
+  <mc:AlternateContent xmlns:mc="http://schemas.openxmlformats.org/markup-compatibility/2006">
+    <mc:Choice xmlns:p14="http://schemas.microsoft.com/office/powerpoint/2010/main" Requires="p14">
+      <p:transition spd="slow" p14:dur="2000"/>
+    </mc:Choice>
+    <mc:Fallback>
+      <p:transition spd="slow"/>
+    </mc:Fallback>
+  </mc:AlternateContent>
+  <p:timing>
+    <p:tnLst>
+      <p:par>
+        <p:cTn id="1" dur="indefinite" restart="never" nodeType="tmRoot"/>
+      </p:par>
+    </p:tnLst>
+  </p:timing>
+</p:sld>
+</file>
+
+<file path=ppt/slides/slide9.xml><?xml version="1.0" encoding="utf-8"?>
+<p:sld xmlns:a="http://schemas.openxmlformats.org/drawingml/2006/main" xmlns:r="http://schemas.openxmlformats.org/officeDocument/2006/relationships" xmlns:p="http://schemas.openxmlformats.org/presentationml/2006/main">
+  <p:cSld>
+    <p:spTree>
+      <p:nvGrpSpPr>
+        <p:cNvPr id="1" name=""/>
+        <p:cNvGrpSpPr/>
+        <p:nvPr/>
+      </p:nvGrpSpPr>
+      <p:grpSpPr>
+        <a:xfrm>
+          <a:off x="0" y="0"/>
+          <a:ext cx="0" cy="0"/>
+          <a:chOff x="0" y="0"/>
+          <a:chExt cx="0" cy="0"/>
+        </a:xfrm>
+      </p:grpSpPr>
+      <p:sp>
+        <p:nvSpPr>
+          <p:cNvPr id="3" name="Text Placeholder 2"/>
+          <p:cNvSpPr>
+            <a:spLocks noGrp="1"/>
+          </p:cNvSpPr>
+          <p:nvPr>
+            <p:ph type="body" idx="1"/>
+          </p:nvPr>
+        </p:nvSpPr>
+        <p:spPr>
+          <a:xfrm>
+            <a:off x="0" y="-34119"/>
+            <a:ext cx="5157787" cy="823912"/>
+          </a:xfrm>
+        </p:spPr>
+        <p:txBody>
+          <a:bodyPr/>
+          <a:lstStyle/>
+          <a:p>
+            <a:r>
+              <a:rPr lang="en-US" dirty="0" err="1" smtClean="0"/>
+              <a:t>Popullsia</a:t>
+            </a:r>
+            <a:r>
+              <a:rPr lang="en-US" dirty="0" smtClean="0"/>
+              <a:t> </a:t>
+            </a:r>
+            <a:r>
+              <a:rPr lang="en-US" dirty="0" err="1" smtClean="0"/>
+              <a:t>femër</a:t>
+            </a:r>
+            <a:r>
+              <a:rPr lang="en-US" dirty="0" smtClean="0"/>
+              <a:t> </a:t>
+            </a:r>
+            <a:r>
+              <a:rPr lang="en-US" dirty="0" err="1" smtClean="0"/>
+              <a:t>sipas</a:t>
+            </a:r>
+            <a:r>
+              <a:rPr lang="en-US" dirty="0" smtClean="0"/>
+              <a:t> </a:t>
+            </a:r>
+            <a:r>
+              <a:rPr lang="en-US" dirty="0" err="1" smtClean="0"/>
+              <a:t>çdo</a:t>
+            </a:r>
+            <a:r>
+              <a:rPr lang="en-US" dirty="0" smtClean="0"/>
+              <a:t> </a:t>
+            </a:r>
+            <a:r>
+              <a:rPr lang="en-US" dirty="0" err="1" smtClean="0"/>
+              <a:t>qarku</a:t>
+            </a:r>
+            <a:endParaRPr lang="en-US" dirty="0"/>
+          </a:p>
+        </p:txBody>
+      </p:sp>
+      <p:pic>
+        <p:nvPicPr>
+          <p:cNvPr id="7" name="Content Placeholder 6"/>
+          <p:cNvPicPr>
+            <a:picLocks noGrp="1" noChangeAspect="1"/>
+          </p:cNvPicPr>
+          <p:nvPr>
+            <p:ph sz="half" idx="2"/>
+          </p:nvPr>
+        </p:nvPicPr>
+        <p:blipFill>
+          <a:blip r:embed="rId2">
+            <a:extLst>
+              <a:ext uri="{28A0092B-C50C-407E-A947-70E740481C1C}">
+                <a14:useLocalDpi xmlns:a14="http://schemas.microsoft.com/office/drawing/2010/main" val="0"/>
+              </a:ext>
+            </a:extLst>
+          </a:blip>
+          <a:stretch>
+            <a:fillRect/>
+          </a:stretch>
+        </p:blipFill>
+        <p:spPr>
+          <a:xfrm>
+            <a:off x="0" y="797035"/>
+            <a:ext cx="12192000" cy="6060965"/>
+          </a:xfrm>
+        </p:spPr>
+      </p:pic>
+    </p:spTree>
+    <p:extLst>
+      <p:ext uri="{BB962C8B-B14F-4D97-AF65-F5344CB8AC3E}">
+        <p14:creationId xmlns:p14="http://schemas.microsoft.com/office/powerpoint/2010/main" val="1276273368"/>
+      </p:ext>
+    </p:extLst>
+  </p:cSld>
+  <p:clrMapOvr>
+    <a:masterClrMapping/>
+  </p:clrMapOvr>
+  <p:timing>
+    <p:tnLst>
+      <p:par>
+        <p:cTn id="1" dur="indefinite" restart="never" nodeType="tmRoot"/>
+      </p:par>
+    </p:tnLst>
+  </p:timing>
 </p:sld>
 </file>
 
